--- a/Diagram Powerpoints/Atom Arrays.pptx
+++ b/Diagram Powerpoints/Atom Arrays.pptx
@@ -5,7 +5,7 @@
     <p:sldMasterId id="2147483648" r:id="rId1"/>
   </p:sldMasterIdLst>
   <p:notesMasterIdLst>
-    <p:notesMasterId r:id="rId21"/>
+    <p:notesMasterId r:id="rId24"/>
   </p:notesMasterIdLst>
   <p:sldIdLst>
     <p:sldId id="256" r:id="rId2"/>
@@ -19,14 +19,17 @@
     <p:sldId id="272" r:id="rId10"/>
     <p:sldId id="273" r:id="rId11"/>
     <p:sldId id="268" r:id="rId12"/>
-    <p:sldId id="267" r:id="rId13"/>
-    <p:sldId id="262" r:id="rId14"/>
-    <p:sldId id="264" r:id="rId15"/>
-    <p:sldId id="263" r:id="rId16"/>
-    <p:sldId id="257" r:id="rId17"/>
-    <p:sldId id="260" r:id="rId18"/>
-    <p:sldId id="259" r:id="rId19"/>
-    <p:sldId id="258" r:id="rId20"/>
+    <p:sldId id="275" r:id="rId13"/>
+    <p:sldId id="267" r:id="rId14"/>
+    <p:sldId id="262" r:id="rId15"/>
+    <p:sldId id="264" r:id="rId16"/>
+    <p:sldId id="276" r:id="rId17"/>
+    <p:sldId id="277" r:id="rId18"/>
+    <p:sldId id="263" r:id="rId19"/>
+    <p:sldId id="257" r:id="rId20"/>
+    <p:sldId id="260" r:id="rId21"/>
+    <p:sldId id="259" r:id="rId22"/>
+    <p:sldId id="258" r:id="rId23"/>
   </p:sldIdLst>
   <p:sldSz cx="12192000" cy="6858000"/>
   <p:notesSz cx="6858000" cy="9144000"/>
@@ -215,7 +218,7 @@
           <a:p>
             <a:fld id="{317E8206-E4FB-0344-9D64-DBB8AA51BC92}" type="datetimeFigureOut">
               <a:rPr lang="en-US" smtClean="0"/>
-              <a:t>2/22/24</a:t>
+              <a:t>3/18/24</a:t>
             </a:fld>
             <a:endParaRPr lang="en-US"/>
           </a:p>
@@ -632,7 +635,7 @@
           <a:p>
             <a:fld id="{28BDF58F-7FF3-8B44-B651-5EB50AC9BB11}" type="slidenum">
               <a:rPr lang="en-US" smtClean="0"/>
-              <a:t>12</a:t>
+              <a:t>13</a:t>
             </a:fld>
             <a:endParaRPr lang="en-US"/>
           </a:p>
@@ -716,7 +719,7 @@
           <a:p>
             <a:fld id="{28BDF58F-7FF3-8B44-B651-5EB50AC9BB11}" type="slidenum">
               <a:rPr lang="en-US" smtClean="0"/>
-              <a:t>16</a:t>
+              <a:t>19</a:t>
             </a:fld>
             <a:endParaRPr lang="en-US"/>
           </a:p>
@@ -800,7 +803,7 @@
           <a:p>
             <a:fld id="{28BDF58F-7FF3-8B44-B651-5EB50AC9BB11}" type="slidenum">
               <a:rPr lang="en-US" smtClean="0"/>
-              <a:t>17</a:t>
+              <a:t>20</a:t>
             </a:fld>
             <a:endParaRPr lang="en-US"/>
           </a:p>
@@ -884,7 +887,7 @@
           <a:p>
             <a:fld id="{28BDF58F-7FF3-8B44-B651-5EB50AC9BB11}" type="slidenum">
               <a:rPr lang="en-US" smtClean="0"/>
-              <a:t>18</a:t>
+              <a:t>21</a:t>
             </a:fld>
             <a:endParaRPr lang="en-US"/>
           </a:p>
@@ -968,7 +971,7 @@
           <a:p>
             <a:fld id="{28BDF58F-7FF3-8B44-B651-5EB50AC9BB11}" type="slidenum">
               <a:rPr lang="en-US" smtClean="0"/>
-              <a:t>19</a:t>
+              <a:t>22</a:t>
             </a:fld>
             <a:endParaRPr lang="en-US"/>
           </a:p>
@@ -1136,7 +1139,7 @@
           <a:p>
             <a:fld id="{873FBF18-17D9-1C4A-A03A-14F98A9415EA}" type="datetimeFigureOut">
               <a:rPr lang="en-US" smtClean="0"/>
-              <a:t>2/22/24</a:t>
+              <a:t>3/18/24</a:t>
             </a:fld>
             <a:endParaRPr lang="en-US"/>
           </a:p>
@@ -1336,7 +1339,7 @@
           <a:p>
             <a:fld id="{873FBF18-17D9-1C4A-A03A-14F98A9415EA}" type="datetimeFigureOut">
               <a:rPr lang="en-US" smtClean="0"/>
-              <a:t>2/22/24</a:t>
+              <a:t>3/18/24</a:t>
             </a:fld>
             <a:endParaRPr lang="en-US"/>
           </a:p>
@@ -1546,7 +1549,7 @@
           <a:p>
             <a:fld id="{873FBF18-17D9-1C4A-A03A-14F98A9415EA}" type="datetimeFigureOut">
               <a:rPr lang="en-US" smtClean="0"/>
-              <a:t>2/22/24</a:t>
+              <a:t>3/18/24</a:t>
             </a:fld>
             <a:endParaRPr lang="en-US"/>
           </a:p>
@@ -1746,7 +1749,7 @@
           <a:p>
             <a:fld id="{873FBF18-17D9-1C4A-A03A-14F98A9415EA}" type="datetimeFigureOut">
               <a:rPr lang="en-US" smtClean="0"/>
-              <a:t>2/22/24</a:t>
+              <a:t>3/18/24</a:t>
             </a:fld>
             <a:endParaRPr lang="en-US"/>
           </a:p>
@@ -2022,7 +2025,7 @@
           <a:p>
             <a:fld id="{873FBF18-17D9-1C4A-A03A-14F98A9415EA}" type="datetimeFigureOut">
               <a:rPr lang="en-US" smtClean="0"/>
-              <a:t>2/22/24</a:t>
+              <a:t>3/18/24</a:t>
             </a:fld>
             <a:endParaRPr lang="en-US"/>
           </a:p>
@@ -2290,7 +2293,7 @@
           <a:p>
             <a:fld id="{873FBF18-17D9-1C4A-A03A-14F98A9415EA}" type="datetimeFigureOut">
               <a:rPr lang="en-US" smtClean="0"/>
-              <a:t>2/22/24</a:t>
+              <a:t>3/18/24</a:t>
             </a:fld>
             <a:endParaRPr lang="en-US"/>
           </a:p>
@@ -2705,7 +2708,7 @@
           <a:p>
             <a:fld id="{873FBF18-17D9-1C4A-A03A-14F98A9415EA}" type="datetimeFigureOut">
               <a:rPr lang="en-US" smtClean="0"/>
-              <a:t>2/22/24</a:t>
+              <a:t>3/18/24</a:t>
             </a:fld>
             <a:endParaRPr lang="en-US"/>
           </a:p>
@@ -2847,7 +2850,7 @@
           <a:p>
             <a:fld id="{873FBF18-17D9-1C4A-A03A-14F98A9415EA}" type="datetimeFigureOut">
               <a:rPr lang="en-US" smtClean="0"/>
-              <a:t>2/22/24</a:t>
+              <a:t>3/18/24</a:t>
             </a:fld>
             <a:endParaRPr lang="en-US"/>
           </a:p>
@@ -2960,7 +2963,7 @@
           <a:p>
             <a:fld id="{873FBF18-17D9-1C4A-A03A-14F98A9415EA}" type="datetimeFigureOut">
               <a:rPr lang="en-US" smtClean="0"/>
-              <a:t>2/22/24</a:t>
+              <a:t>3/18/24</a:t>
             </a:fld>
             <a:endParaRPr lang="en-US"/>
           </a:p>
@@ -3273,7 +3276,7 @@
           <a:p>
             <a:fld id="{873FBF18-17D9-1C4A-A03A-14F98A9415EA}" type="datetimeFigureOut">
               <a:rPr lang="en-US" smtClean="0"/>
-              <a:t>2/22/24</a:t>
+              <a:t>3/18/24</a:t>
             </a:fld>
             <a:endParaRPr lang="en-US"/>
           </a:p>
@@ -3562,7 +3565,7 @@
           <a:p>
             <a:fld id="{873FBF18-17D9-1C4A-A03A-14F98A9415EA}" type="datetimeFigureOut">
               <a:rPr lang="en-US" smtClean="0"/>
-              <a:t>2/22/24</a:t>
+              <a:t>3/18/24</a:t>
             </a:fld>
             <a:endParaRPr lang="en-US"/>
           </a:p>
@@ -3805,7 +3808,7 @@
           <a:p>
             <a:fld id="{873FBF18-17D9-1C4A-A03A-14F98A9415EA}" type="datetimeFigureOut">
               <a:rPr lang="en-US" smtClean="0"/>
-              <a:t>2/22/24</a:t>
+              <a:t>3/18/24</a:t>
             </a:fld>
             <a:endParaRPr lang="en-US"/>
           </a:p>
@@ -7287,70 +7290,787 @@
           <a:chExt cx="0" cy="0"/>
         </a:xfrm>
       </p:grpSpPr>
-      <p:pic>
-        <p:nvPicPr>
-          <p:cNvPr id="3" name="Picture 2" descr="A diagram of blue and red circles with a yellow arrow pointing to a yellow arrow&#10;&#10;Description automatically generated">
-            <a:extLst>
-              <a:ext uri="{FF2B5EF4-FFF2-40B4-BE49-F238E27FC236}">
-                <a16:creationId xmlns:a16="http://schemas.microsoft.com/office/drawing/2014/main" id="{060DC31F-05CC-CFF4-397A-3C5674ED310A}"/>
-              </a:ext>
-            </a:extLst>
-          </p:cNvPr>
-          <p:cNvPicPr>
-            <a:picLocks noChangeAspect="1"/>
-          </p:cNvPicPr>
-          <p:nvPr/>
-        </p:nvPicPr>
-        <p:blipFill>
-          <a:blip r:embed="rId3"/>
-          <a:stretch>
-            <a:fillRect/>
-          </a:stretch>
-        </p:blipFill>
-        <p:spPr>
-          <a:xfrm>
-            <a:off x="102812" y="2770947"/>
-            <a:ext cx="3196979" cy="1316106"/>
-          </a:xfrm>
-          <a:prstGeom prst="rect">
-            <a:avLst/>
-          </a:prstGeom>
-        </p:spPr>
-      </p:pic>
-      <p:pic>
-        <p:nvPicPr>
-          <p:cNvPr id="7" name="Picture 6" descr="A diagram of blue circles and red dots with a yellow arrow&#10;&#10;Description automatically generated">
-            <a:extLst>
-              <a:ext uri="{FF2B5EF4-FFF2-40B4-BE49-F238E27FC236}">
-                <a16:creationId xmlns:a16="http://schemas.microsoft.com/office/drawing/2014/main" id="{A5239062-B832-99A9-D07B-FA9B0DCC38E1}"/>
-              </a:ext>
-            </a:extLst>
-          </p:cNvPr>
-          <p:cNvPicPr>
-            <a:picLocks noChangeAspect="1"/>
-          </p:cNvPicPr>
-          <p:nvPr/>
-        </p:nvPicPr>
-        <p:blipFill>
-          <a:blip r:embed="rId4"/>
-          <a:stretch>
-            <a:fillRect/>
-          </a:stretch>
-        </p:blipFill>
-        <p:spPr>
-          <a:xfrm>
-            <a:off x="4015592" y="2756229"/>
-            <a:ext cx="3196979" cy="1330824"/>
-          </a:xfrm>
-          <a:prstGeom prst="rect">
-            <a:avLst/>
-          </a:prstGeom>
-        </p:spPr>
-      </p:pic>
+      <p:sp>
+        <p:nvSpPr>
+          <p:cNvPr id="4" name="Oval 3">
+            <a:extLst>
+              <a:ext uri="{FF2B5EF4-FFF2-40B4-BE49-F238E27FC236}">
+                <a16:creationId xmlns:a16="http://schemas.microsoft.com/office/drawing/2014/main" id="{B32A7D1B-19C4-B6F0-1D15-A8CA9D1F42CC}"/>
+              </a:ext>
+            </a:extLst>
+          </p:cNvPr>
+          <p:cNvSpPr/>
+          <p:nvPr/>
+        </p:nvSpPr>
+        <p:spPr>
+          <a:xfrm>
+            <a:off x="664518" y="1438468"/>
+            <a:ext cx="593651" cy="593651"/>
+          </a:xfrm>
+          <a:prstGeom prst="ellipse">
+            <a:avLst/>
+          </a:prstGeom>
+          <a:gradFill flip="none" rotWithShape="1">
+            <a:gsLst>
+              <a:gs pos="0">
+                <a:srgbClr val="0070C0">
+                  <a:shade val="30000"/>
+                  <a:satMod val="115000"/>
+                </a:srgbClr>
+              </a:gs>
+              <a:gs pos="50000">
+                <a:srgbClr val="0070C0">
+                  <a:shade val="67500"/>
+                  <a:satMod val="115000"/>
+                </a:srgbClr>
+              </a:gs>
+              <a:gs pos="100000">
+                <a:srgbClr val="0070C0">
+                  <a:shade val="100000"/>
+                  <a:satMod val="115000"/>
+                </a:srgbClr>
+              </a:gs>
+            </a:gsLst>
+            <a:path path="circle">
+              <a:fillToRect l="50000" t="50000" r="50000" b="50000"/>
+            </a:path>
+            <a:tileRect/>
+          </a:gradFill>
+          <a:ln>
+            <a:noFill/>
+          </a:ln>
+        </p:spPr>
+        <p:style>
+          <a:lnRef idx="2">
+            <a:schemeClr val="accent1">
+              <a:shade val="50000"/>
+            </a:schemeClr>
+          </a:lnRef>
+          <a:fillRef idx="1">
+            <a:schemeClr val="accent1"/>
+          </a:fillRef>
+          <a:effectRef idx="0">
+            <a:schemeClr val="accent1"/>
+          </a:effectRef>
+          <a:fontRef idx="minor">
+            <a:schemeClr val="lt1"/>
+          </a:fontRef>
+        </p:style>
+        <p:txBody>
+          <a:bodyPr rtlCol="0" anchor="ctr"/>
+          <a:lstStyle/>
+          <a:p>
+            <a:pPr algn="ctr"/>
+            <a:r>
+              <a:rPr lang="en-US" dirty="0"/>
+              <a:t>1</a:t>
+            </a:r>
+          </a:p>
+        </p:txBody>
+      </p:sp>
+      <p:sp>
+        <p:nvSpPr>
+          <p:cNvPr id="5" name="Oval 4">
+            <a:extLst>
+              <a:ext uri="{FF2B5EF4-FFF2-40B4-BE49-F238E27FC236}">
+                <a16:creationId xmlns:a16="http://schemas.microsoft.com/office/drawing/2014/main" id="{6CC7DBA1-C934-C0A2-5F13-6CC4DB2618E1}"/>
+              </a:ext>
+            </a:extLst>
+          </p:cNvPr>
+          <p:cNvSpPr/>
+          <p:nvPr/>
+        </p:nvSpPr>
+        <p:spPr>
+          <a:xfrm>
+            <a:off x="1830708" y="1431844"/>
+            <a:ext cx="593651" cy="593651"/>
+          </a:xfrm>
+          <a:prstGeom prst="ellipse">
+            <a:avLst/>
+          </a:prstGeom>
+          <a:gradFill flip="none" rotWithShape="1">
+            <a:gsLst>
+              <a:gs pos="0">
+                <a:schemeClr val="accent1">
+                  <a:shade val="30000"/>
+                  <a:satMod val="115000"/>
+                </a:schemeClr>
+              </a:gs>
+              <a:gs pos="50000">
+                <a:schemeClr val="accent1">
+                  <a:shade val="67500"/>
+                  <a:satMod val="115000"/>
+                </a:schemeClr>
+              </a:gs>
+              <a:gs pos="100000">
+                <a:schemeClr val="accent1">
+                  <a:shade val="100000"/>
+                  <a:satMod val="115000"/>
+                </a:schemeClr>
+              </a:gs>
+            </a:gsLst>
+            <a:path path="circle">
+              <a:fillToRect l="50000" t="50000" r="50000" b="50000"/>
+            </a:path>
+            <a:tileRect/>
+          </a:gradFill>
+          <a:ln>
+            <a:noFill/>
+          </a:ln>
+        </p:spPr>
+        <p:style>
+          <a:lnRef idx="2">
+            <a:schemeClr val="accent1">
+              <a:shade val="50000"/>
+            </a:schemeClr>
+          </a:lnRef>
+          <a:fillRef idx="1">
+            <a:schemeClr val="accent1"/>
+          </a:fillRef>
+          <a:effectRef idx="0">
+            <a:schemeClr val="accent1"/>
+          </a:effectRef>
+          <a:fontRef idx="minor">
+            <a:schemeClr val="lt1"/>
+          </a:fontRef>
+        </p:style>
+        <p:txBody>
+          <a:bodyPr rtlCol="0" anchor="ctr"/>
+          <a:lstStyle/>
+          <a:p>
+            <a:pPr algn="ctr"/>
+            <a:r>
+              <a:rPr lang="en-US" dirty="0"/>
+              <a:t>2</a:t>
+            </a:r>
+          </a:p>
+        </p:txBody>
+      </p:sp>
+      <p:sp>
+        <p:nvSpPr>
+          <p:cNvPr id="6" name="Oval 5">
+            <a:extLst>
+              <a:ext uri="{FF2B5EF4-FFF2-40B4-BE49-F238E27FC236}">
+                <a16:creationId xmlns:a16="http://schemas.microsoft.com/office/drawing/2014/main" id="{EE01E5B8-E757-A497-7A5D-CD0B0BBBDEE0}"/>
+              </a:ext>
+            </a:extLst>
+          </p:cNvPr>
+          <p:cNvSpPr/>
+          <p:nvPr/>
+        </p:nvSpPr>
+        <p:spPr>
+          <a:xfrm>
+            <a:off x="3107115" y="1423088"/>
+            <a:ext cx="593651" cy="593651"/>
+          </a:xfrm>
+          <a:prstGeom prst="ellipse">
+            <a:avLst/>
+          </a:prstGeom>
+          <a:gradFill flip="none" rotWithShape="1">
+            <a:gsLst>
+              <a:gs pos="0">
+                <a:srgbClr val="0070C0">
+                  <a:shade val="30000"/>
+                  <a:satMod val="115000"/>
+                </a:srgbClr>
+              </a:gs>
+              <a:gs pos="50000">
+                <a:srgbClr val="0070C0">
+                  <a:shade val="67500"/>
+                  <a:satMod val="115000"/>
+                </a:srgbClr>
+              </a:gs>
+              <a:gs pos="100000">
+                <a:srgbClr val="0070C0">
+                  <a:shade val="100000"/>
+                  <a:satMod val="115000"/>
+                </a:srgbClr>
+              </a:gs>
+            </a:gsLst>
+            <a:path path="circle">
+              <a:fillToRect l="50000" t="50000" r="50000" b="50000"/>
+            </a:path>
+            <a:tileRect/>
+          </a:gradFill>
+          <a:ln>
+            <a:noFill/>
+          </a:ln>
+        </p:spPr>
+        <p:style>
+          <a:lnRef idx="2">
+            <a:schemeClr val="accent1">
+              <a:shade val="50000"/>
+            </a:schemeClr>
+          </a:lnRef>
+          <a:fillRef idx="1">
+            <a:schemeClr val="accent1"/>
+          </a:fillRef>
+          <a:effectRef idx="0">
+            <a:schemeClr val="accent1"/>
+          </a:effectRef>
+          <a:fontRef idx="minor">
+            <a:schemeClr val="lt1"/>
+          </a:fontRef>
+        </p:style>
+        <p:txBody>
+          <a:bodyPr rtlCol="0" anchor="ctr"/>
+          <a:lstStyle/>
+          <a:p>
+            <a:pPr algn="ctr"/>
+            <a:r>
+              <a:rPr lang="en-US" dirty="0"/>
+              <a:t>3</a:t>
+            </a:r>
+          </a:p>
+        </p:txBody>
+      </p:sp>
+      <p:sp>
+        <p:nvSpPr>
+          <p:cNvPr id="7" name="Oval 6">
+            <a:extLst>
+              <a:ext uri="{FF2B5EF4-FFF2-40B4-BE49-F238E27FC236}">
+                <a16:creationId xmlns:a16="http://schemas.microsoft.com/office/drawing/2014/main" id="{60ECCB28-55F1-520F-6C9C-10D892C319BA}"/>
+              </a:ext>
+            </a:extLst>
+          </p:cNvPr>
+          <p:cNvSpPr/>
+          <p:nvPr/>
+        </p:nvSpPr>
+        <p:spPr>
+          <a:xfrm>
+            <a:off x="4273305" y="1416464"/>
+            <a:ext cx="593651" cy="593651"/>
+          </a:xfrm>
+          <a:prstGeom prst="ellipse">
+            <a:avLst/>
+          </a:prstGeom>
+          <a:gradFill flip="none" rotWithShape="1">
+            <a:gsLst>
+              <a:gs pos="0">
+                <a:schemeClr val="accent1">
+                  <a:shade val="30000"/>
+                  <a:satMod val="115000"/>
+                </a:schemeClr>
+              </a:gs>
+              <a:gs pos="50000">
+                <a:schemeClr val="accent1">
+                  <a:shade val="67500"/>
+                  <a:satMod val="115000"/>
+                </a:schemeClr>
+              </a:gs>
+              <a:gs pos="100000">
+                <a:schemeClr val="accent1">
+                  <a:shade val="100000"/>
+                  <a:satMod val="115000"/>
+                </a:schemeClr>
+              </a:gs>
+            </a:gsLst>
+            <a:path path="circle">
+              <a:fillToRect l="50000" t="50000" r="50000" b="50000"/>
+            </a:path>
+            <a:tileRect/>
+          </a:gradFill>
+          <a:ln>
+            <a:noFill/>
+          </a:ln>
+        </p:spPr>
+        <p:style>
+          <a:lnRef idx="2">
+            <a:schemeClr val="accent1">
+              <a:shade val="50000"/>
+            </a:schemeClr>
+          </a:lnRef>
+          <a:fillRef idx="1">
+            <a:schemeClr val="accent1"/>
+          </a:fillRef>
+          <a:effectRef idx="0">
+            <a:schemeClr val="accent1"/>
+          </a:effectRef>
+          <a:fontRef idx="minor">
+            <a:schemeClr val="lt1"/>
+          </a:fontRef>
+        </p:style>
+        <p:txBody>
+          <a:bodyPr rtlCol="0" anchor="ctr"/>
+          <a:lstStyle/>
+          <a:p>
+            <a:pPr algn="ctr"/>
+            <a:r>
+              <a:rPr lang="en-US" dirty="0"/>
+              <a:t>4</a:t>
+            </a:r>
+          </a:p>
+        </p:txBody>
+      </p:sp>
+      <p:sp>
+        <p:nvSpPr>
+          <p:cNvPr id="8" name="Oval 7">
+            <a:extLst>
+              <a:ext uri="{FF2B5EF4-FFF2-40B4-BE49-F238E27FC236}">
+                <a16:creationId xmlns:a16="http://schemas.microsoft.com/office/drawing/2014/main" id="{8D62C4F0-9F1B-BC7D-0DDE-F9E63CFB9221}"/>
+              </a:ext>
+            </a:extLst>
+          </p:cNvPr>
+          <p:cNvSpPr/>
+          <p:nvPr/>
+        </p:nvSpPr>
+        <p:spPr>
+          <a:xfrm>
+            <a:off x="5548822" y="1409840"/>
+            <a:ext cx="593651" cy="593651"/>
+          </a:xfrm>
+          <a:prstGeom prst="ellipse">
+            <a:avLst/>
+          </a:prstGeom>
+          <a:gradFill flip="none" rotWithShape="1">
+            <a:gsLst>
+              <a:gs pos="0">
+                <a:srgbClr val="0070C0">
+                  <a:shade val="30000"/>
+                  <a:satMod val="115000"/>
+                </a:srgbClr>
+              </a:gs>
+              <a:gs pos="50000">
+                <a:srgbClr val="0070C0">
+                  <a:shade val="67500"/>
+                  <a:satMod val="115000"/>
+                </a:srgbClr>
+              </a:gs>
+              <a:gs pos="100000">
+                <a:srgbClr val="0070C0">
+                  <a:shade val="100000"/>
+                  <a:satMod val="115000"/>
+                </a:srgbClr>
+              </a:gs>
+            </a:gsLst>
+            <a:path path="circle">
+              <a:fillToRect l="50000" t="50000" r="50000" b="50000"/>
+            </a:path>
+            <a:tileRect/>
+          </a:gradFill>
+          <a:ln>
+            <a:noFill/>
+          </a:ln>
+        </p:spPr>
+        <p:style>
+          <a:lnRef idx="2">
+            <a:schemeClr val="accent1">
+              <a:shade val="50000"/>
+            </a:schemeClr>
+          </a:lnRef>
+          <a:fillRef idx="1">
+            <a:schemeClr val="accent1"/>
+          </a:fillRef>
+          <a:effectRef idx="0">
+            <a:schemeClr val="accent1"/>
+          </a:effectRef>
+          <a:fontRef idx="minor">
+            <a:schemeClr val="lt1"/>
+          </a:fontRef>
+        </p:style>
+        <p:txBody>
+          <a:bodyPr rtlCol="0" anchor="ctr"/>
+          <a:lstStyle/>
+          <a:p>
+            <a:pPr algn="ctr"/>
+            <a:r>
+              <a:rPr lang="en-US" dirty="0"/>
+              <a:t>5</a:t>
+            </a:r>
+          </a:p>
+        </p:txBody>
+      </p:sp>
+      <p:sp>
+        <p:nvSpPr>
+          <p:cNvPr id="9" name="Oval 8">
+            <a:extLst>
+              <a:ext uri="{FF2B5EF4-FFF2-40B4-BE49-F238E27FC236}">
+                <a16:creationId xmlns:a16="http://schemas.microsoft.com/office/drawing/2014/main" id="{C2316834-496A-3AA1-AC29-776B395D2F41}"/>
+              </a:ext>
+            </a:extLst>
+          </p:cNvPr>
+          <p:cNvSpPr/>
+          <p:nvPr/>
+        </p:nvSpPr>
+        <p:spPr>
+          <a:xfrm>
+            <a:off x="6715164" y="1406026"/>
+            <a:ext cx="593651" cy="593651"/>
+          </a:xfrm>
+          <a:prstGeom prst="ellipse">
+            <a:avLst/>
+          </a:prstGeom>
+          <a:gradFill flip="none" rotWithShape="1">
+            <a:gsLst>
+              <a:gs pos="0">
+                <a:schemeClr val="accent1">
+                  <a:shade val="30000"/>
+                  <a:satMod val="115000"/>
+                </a:schemeClr>
+              </a:gs>
+              <a:gs pos="50000">
+                <a:schemeClr val="accent1">
+                  <a:shade val="67500"/>
+                  <a:satMod val="115000"/>
+                </a:schemeClr>
+              </a:gs>
+              <a:gs pos="100000">
+                <a:schemeClr val="accent1">
+                  <a:shade val="100000"/>
+                  <a:satMod val="115000"/>
+                </a:schemeClr>
+              </a:gs>
+            </a:gsLst>
+            <a:path path="circle">
+              <a:fillToRect l="50000" t="50000" r="50000" b="50000"/>
+            </a:path>
+            <a:tileRect/>
+          </a:gradFill>
+          <a:ln>
+            <a:noFill/>
+          </a:ln>
+        </p:spPr>
+        <p:style>
+          <a:lnRef idx="2">
+            <a:schemeClr val="accent1">
+              <a:shade val="50000"/>
+            </a:schemeClr>
+          </a:lnRef>
+          <a:fillRef idx="1">
+            <a:schemeClr val="accent1"/>
+          </a:fillRef>
+          <a:effectRef idx="0">
+            <a:schemeClr val="accent1"/>
+          </a:effectRef>
+          <a:fontRef idx="minor">
+            <a:schemeClr val="lt1"/>
+          </a:fontRef>
+        </p:style>
+        <p:txBody>
+          <a:bodyPr rtlCol="0" anchor="ctr"/>
+          <a:lstStyle/>
+          <a:p>
+            <a:pPr algn="ctr"/>
+            <a:r>
+              <a:rPr lang="en-US" dirty="0"/>
+              <a:t>6</a:t>
+            </a:r>
+          </a:p>
+        </p:txBody>
+      </p:sp>
+      <p:sp>
+        <p:nvSpPr>
+          <p:cNvPr id="10" name="Oval 9">
+            <a:extLst>
+              <a:ext uri="{FF2B5EF4-FFF2-40B4-BE49-F238E27FC236}">
+                <a16:creationId xmlns:a16="http://schemas.microsoft.com/office/drawing/2014/main" id="{CB4277B8-CAF4-BD68-3430-FB72CC2241B4}"/>
+              </a:ext>
+            </a:extLst>
+          </p:cNvPr>
+          <p:cNvSpPr/>
+          <p:nvPr/>
+        </p:nvSpPr>
+        <p:spPr>
+          <a:xfrm>
+            <a:off x="7990681" y="1399402"/>
+            <a:ext cx="593651" cy="593651"/>
+          </a:xfrm>
+          <a:prstGeom prst="ellipse">
+            <a:avLst/>
+          </a:prstGeom>
+          <a:gradFill flip="none" rotWithShape="1">
+            <a:gsLst>
+              <a:gs pos="0">
+                <a:srgbClr val="0070C0">
+                  <a:shade val="30000"/>
+                  <a:satMod val="115000"/>
+                </a:srgbClr>
+              </a:gs>
+              <a:gs pos="50000">
+                <a:srgbClr val="0070C0">
+                  <a:shade val="67500"/>
+                  <a:satMod val="115000"/>
+                </a:srgbClr>
+              </a:gs>
+              <a:gs pos="100000">
+                <a:srgbClr val="0070C0">
+                  <a:shade val="100000"/>
+                  <a:satMod val="115000"/>
+                </a:srgbClr>
+              </a:gs>
+            </a:gsLst>
+            <a:path path="circle">
+              <a:fillToRect l="50000" t="50000" r="50000" b="50000"/>
+            </a:path>
+            <a:tileRect/>
+          </a:gradFill>
+          <a:ln>
+            <a:noFill/>
+          </a:ln>
+        </p:spPr>
+        <p:style>
+          <a:lnRef idx="2">
+            <a:schemeClr val="accent1">
+              <a:shade val="50000"/>
+            </a:schemeClr>
+          </a:lnRef>
+          <a:fillRef idx="1">
+            <a:schemeClr val="accent1"/>
+          </a:fillRef>
+          <a:effectRef idx="0">
+            <a:schemeClr val="accent1"/>
+          </a:effectRef>
+          <a:fontRef idx="minor">
+            <a:schemeClr val="lt1"/>
+          </a:fontRef>
+        </p:style>
+        <p:txBody>
+          <a:bodyPr rtlCol="0" anchor="ctr"/>
+          <a:lstStyle/>
+          <a:p>
+            <a:pPr algn="ctr"/>
+            <a:endParaRPr lang="en-US" dirty="0"/>
+          </a:p>
+        </p:txBody>
+      </p:sp>
+      <p:sp>
+        <p:nvSpPr>
+          <p:cNvPr id="11" name="Oval 10">
+            <a:extLst>
+              <a:ext uri="{FF2B5EF4-FFF2-40B4-BE49-F238E27FC236}">
+                <a16:creationId xmlns:a16="http://schemas.microsoft.com/office/drawing/2014/main" id="{BF3091B6-D81C-EB0B-A446-39A6A11CD74A}"/>
+              </a:ext>
+            </a:extLst>
+          </p:cNvPr>
+          <p:cNvSpPr/>
+          <p:nvPr/>
+        </p:nvSpPr>
+        <p:spPr>
+          <a:xfrm>
+            <a:off x="7989421" y="1403216"/>
+            <a:ext cx="593651" cy="593651"/>
+          </a:xfrm>
+          <a:prstGeom prst="ellipse">
+            <a:avLst/>
+          </a:prstGeom>
+          <a:gradFill flip="none" rotWithShape="1">
+            <a:gsLst>
+              <a:gs pos="0">
+                <a:srgbClr val="0070C0">
+                  <a:shade val="30000"/>
+                  <a:satMod val="115000"/>
+                </a:srgbClr>
+              </a:gs>
+              <a:gs pos="50000">
+                <a:srgbClr val="0070C0">
+                  <a:shade val="67500"/>
+                  <a:satMod val="115000"/>
+                </a:srgbClr>
+              </a:gs>
+              <a:gs pos="100000">
+                <a:srgbClr val="0070C0">
+                  <a:shade val="100000"/>
+                  <a:satMod val="115000"/>
+                </a:srgbClr>
+              </a:gs>
+            </a:gsLst>
+            <a:path path="circle">
+              <a:fillToRect l="50000" t="50000" r="50000" b="50000"/>
+            </a:path>
+            <a:tileRect/>
+          </a:gradFill>
+          <a:ln>
+            <a:noFill/>
+          </a:ln>
+        </p:spPr>
+        <p:style>
+          <a:lnRef idx="2">
+            <a:schemeClr val="accent1">
+              <a:shade val="50000"/>
+            </a:schemeClr>
+          </a:lnRef>
+          <a:fillRef idx="1">
+            <a:schemeClr val="accent1"/>
+          </a:fillRef>
+          <a:effectRef idx="0">
+            <a:schemeClr val="accent1"/>
+          </a:effectRef>
+          <a:fontRef idx="minor">
+            <a:schemeClr val="lt1"/>
+          </a:fontRef>
+        </p:style>
+        <p:txBody>
+          <a:bodyPr rtlCol="0" anchor="ctr"/>
+          <a:lstStyle/>
+          <a:p>
+            <a:pPr algn="ctr"/>
+            <a:r>
+              <a:rPr lang="en-US" dirty="0"/>
+              <a:t>7</a:t>
+            </a:r>
+          </a:p>
+        </p:txBody>
+      </p:sp>
+      <p:sp>
+        <p:nvSpPr>
+          <p:cNvPr id="12" name="Oval 11">
+            <a:extLst>
+              <a:ext uri="{FF2B5EF4-FFF2-40B4-BE49-F238E27FC236}">
+                <a16:creationId xmlns:a16="http://schemas.microsoft.com/office/drawing/2014/main" id="{9431AFFE-AB8B-28ED-A0CA-44B185B45C2D}"/>
+              </a:ext>
+            </a:extLst>
+          </p:cNvPr>
+          <p:cNvSpPr/>
+          <p:nvPr/>
+        </p:nvSpPr>
+        <p:spPr>
+          <a:xfrm>
+            <a:off x="9155763" y="1399402"/>
+            <a:ext cx="593651" cy="593651"/>
+          </a:xfrm>
+          <a:prstGeom prst="ellipse">
+            <a:avLst/>
+          </a:prstGeom>
+          <a:gradFill flip="none" rotWithShape="1">
+            <a:gsLst>
+              <a:gs pos="0">
+                <a:schemeClr val="accent1">
+                  <a:shade val="30000"/>
+                  <a:satMod val="115000"/>
+                </a:schemeClr>
+              </a:gs>
+              <a:gs pos="50000">
+                <a:schemeClr val="accent1">
+                  <a:shade val="67500"/>
+                  <a:satMod val="115000"/>
+                </a:schemeClr>
+              </a:gs>
+              <a:gs pos="100000">
+                <a:schemeClr val="accent1">
+                  <a:shade val="100000"/>
+                  <a:satMod val="115000"/>
+                </a:schemeClr>
+              </a:gs>
+            </a:gsLst>
+            <a:path path="circle">
+              <a:fillToRect l="50000" t="50000" r="50000" b="50000"/>
+            </a:path>
+            <a:tileRect/>
+          </a:gradFill>
+          <a:ln>
+            <a:noFill/>
+          </a:ln>
+        </p:spPr>
+        <p:style>
+          <a:lnRef idx="2">
+            <a:schemeClr val="accent1">
+              <a:shade val="50000"/>
+            </a:schemeClr>
+          </a:lnRef>
+          <a:fillRef idx="1">
+            <a:schemeClr val="accent1"/>
+          </a:fillRef>
+          <a:effectRef idx="0">
+            <a:schemeClr val="accent1"/>
+          </a:effectRef>
+          <a:fontRef idx="minor">
+            <a:schemeClr val="lt1"/>
+          </a:fontRef>
+        </p:style>
+        <p:txBody>
+          <a:bodyPr rtlCol="0" anchor="ctr"/>
+          <a:lstStyle/>
+          <a:p>
+            <a:pPr algn="ctr"/>
+            <a:r>
+              <a:rPr lang="en-US" dirty="0"/>
+              <a:t>8</a:t>
+            </a:r>
+          </a:p>
+        </p:txBody>
+      </p:sp>
+      <p:sp>
+        <p:nvSpPr>
+          <p:cNvPr id="13" name="Oval 12">
+            <a:extLst>
+              <a:ext uri="{FF2B5EF4-FFF2-40B4-BE49-F238E27FC236}">
+                <a16:creationId xmlns:a16="http://schemas.microsoft.com/office/drawing/2014/main" id="{B67197DD-6F75-FE93-6EF1-C6799578250C}"/>
+              </a:ext>
+            </a:extLst>
+          </p:cNvPr>
+          <p:cNvSpPr/>
+          <p:nvPr/>
+        </p:nvSpPr>
+        <p:spPr>
+          <a:xfrm>
+            <a:off x="10431280" y="1392778"/>
+            <a:ext cx="593651" cy="593651"/>
+          </a:xfrm>
+          <a:prstGeom prst="ellipse">
+            <a:avLst/>
+          </a:prstGeom>
+          <a:gradFill flip="none" rotWithShape="1">
+            <a:gsLst>
+              <a:gs pos="0">
+                <a:srgbClr val="0070C0">
+                  <a:shade val="30000"/>
+                  <a:satMod val="115000"/>
+                </a:srgbClr>
+              </a:gs>
+              <a:gs pos="50000">
+                <a:srgbClr val="0070C0">
+                  <a:shade val="67500"/>
+                  <a:satMod val="115000"/>
+                </a:srgbClr>
+              </a:gs>
+              <a:gs pos="100000">
+                <a:srgbClr val="0070C0">
+                  <a:shade val="100000"/>
+                  <a:satMod val="115000"/>
+                </a:srgbClr>
+              </a:gs>
+            </a:gsLst>
+            <a:path path="circle">
+              <a:fillToRect l="50000" t="50000" r="50000" b="50000"/>
+            </a:path>
+            <a:tileRect/>
+          </a:gradFill>
+          <a:ln>
+            <a:noFill/>
+          </a:ln>
+        </p:spPr>
+        <p:style>
+          <a:lnRef idx="2">
+            <a:schemeClr val="accent1">
+              <a:shade val="50000"/>
+            </a:schemeClr>
+          </a:lnRef>
+          <a:fillRef idx="1">
+            <a:schemeClr val="accent1"/>
+          </a:fillRef>
+          <a:effectRef idx="0">
+            <a:schemeClr val="accent1"/>
+          </a:effectRef>
+          <a:fontRef idx="minor">
+            <a:schemeClr val="lt1"/>
+          </a:fontRef>
+        </p:style>
+        <p:txBody>
+          <a:bodyPr rtlCol="0" anchor="ctr"/>
+          <a:lstStyle/>
+          <a:p>
+            <a:pPr algn="ctr"/>
+            <a:r>
+              <a:rPr lang="en-US" dirty="0"/>
+              <a:t>9</a:t>
+            </a:r>
+          </a:p>
+        </p:txBody>
+      </p:sp>
     </p:spTree>
     <p:extLst>
       <p:ext uri="{BB962C8B-B14F-4D97-AF65-F5344CB8AC3E}">
-        <p14:creationId xmlns:p14="http://schemas.microsoft.com/office/powerpoint/2010/main" val="801830951"/>
+        <p14:creationId xmlns:p14="http://schemas.microsoft.com/office/powerpoint/2010/main" val="2898667388"/>
       </p:ext>
     </p:extLst>
   </p:cSld>
@@ -7377,877 +8097,70 @@
           <a:chExt cx="0" cy="0"/>
         </a:xfrm>
       </p:grpSpPr>
-      <p:sp>
-        <p:nvSpPr>
-          <p:cNvPr id="13" name="Trapezium 12">
-            <a:extLst>
-              <a:ext uri="{FF2B5EF4-FFF2-40B4-BE49-F238E27FC236}">
-                <a16:creationId xmlns:a16="http://schemas.microsoft.com/office/drawing/2014/main" id="{545A289E-9980-EE4B-DBD4-ED1AB366C590}"/>
-              </a:ext>
-            </a:extLst>
-          </p:cNvPr>
-          <p:cNvSpPr/>
-          <p:nvPr/>
-        </p:nvSpPr>
-        <p:spPr>
-          <a:xfrm>
-            <a:off x="1488703" y="1999120"/>
-            <a:ext cx="1075228" cy="1443134"/>
-          </a:xfrm>
-          <a:prstGeom prst="trapezoid">
-            <a:avLst/>
-          </a:prstGeom>
-          <a:solidFill>
-            <a:schemeClr val="accent2">
-              <a:lumMod val="60000"/>
-              <a:lumOff val="40000"/>
-              <a:alpha val="20000"/>
-            </a:schemeClr>
-          </a:solidFill>
-          <a:ln>
-            <a:noFill/>
-          </a:ln>
-        </p:spPr>
-        <p:style>
-          <a:lnRef idx="2">
-            <a:schemeClr val="accent1">
-              <a:shade val="50000"/>
-            </a:schemeClr>
-          </a:lnRef>
-          <a:fillRef idx="1">
-            <a:schemeClr val="accent1"/>
-          </a:fillRef>
-          <a:effectRef idx="0">
-            <a:schemeClr val="accent1"/>
-          </a:effectRef>
-          <a:fontRef idx="minor">
-            <a:schemeClr val="lt1"/>
-          </a:fontRef>
-        </p:style>
-        <p:txBody>
-          <a:bodyPr rtlCol="0" anchor="ctr"/>
-          <a:lstStyle/>
-          <a:p>
-            <a:pPr algn="ctr"/>
-            <a:endParaRPr lang="en-US"/>
-          </a:p>
-        </p:txBody>
-      </p:sp>
-      <p:sp>
-        <p:nvSpPr>
-          <p:cNvPr id="12" name="Trapezium 11">
-            <a:extLst>
-              <a:ext uri="{FF2B5EF4-FFF2-40B4-BE49-F238E27FC236}">
-                <a16:creationId xmlns:a16="http://schemas.microsoft.com/office/drawing/2014/main" id="{42691D6A-4907-6724-9B5A-A28C68B08F24}"/>
-              </a:ext>
-            </a:extLst>
-          </p:cNvPr>
-          <p:cNvSpPr/>
-          <p:nvPr/>
-        </p:nvSpPr>
-        <p:spPr>
-          <a:xfrm rot="10800000">
-            <a:off x="1479975" y="499429"/>
-            <a:ext cx="1075228" cy="1443134"/>
-          </a:xfrm>
-          <a:prstGeom prst="trapezoid">
-            <a:avLst/>
-          </a:prstGeom>
-          <a:solidFill>
-            <a:schemeClr val="accent2">
-              <a:lumMod val="60000"/>
-              <a:lumOff val="40000"/>
-              <a:alpha val="20000"/>
-            </a:schemeClr>
-          </a:solidFill>
-          <a:ln>
-            <a:noFill/>
-          </a:ln>
-        </p:spPr>
-        <p:style>
-          <a:lnRef idx="2">
-            <a:schemeClr val="accent1">
-              <a:shade val="50000"/>
-            </a:schemeClr>
-          </a:lnRef>
-          <a:fillRef idx="1">
-            <a:schemeClr val="accent1"/>
-          </a:fillRef>
-          <a:effectRef idx="0">
-            <a:schemeClr val="accent1"/>
-          </a:effectRef>
-          <a:fontRef idx="minor">
-            <a:schemeClr val="lt1"/>
-          </a:fontRef>
-        </p:style>
-        <p:txBody>
-          <a:bodyPr rtlCol="0" anchor="ctr"/>
-          <a:lstStyle/>
-          <a:p>
-            <a:pPr algn="ctr"/>
-            <a:endParaRPr lang="en-US"/>
-          </a:p>
-        </p:txBody>
-      </p:sp>
-      <p:sp>
-        <p:nvSpPr>
-          <p:cNvPr id="11" name="Trapezium 10">
-            <a:extLst>
-              <a:ext uri="{FF2B5EF4-FFF2-40B4-BE49-F238E27FC236}">
-                <a16:creationId xmlns:a16="http://schemas.microsoft.com/office/drawing/2014/main" id="{397AA7A2-156E-EA43-643A-4B4CB384D1E1}"/>
-              </a:ext>
-            </a:extLst>
-          </p:cNvPr>
-          <p:cNvSpPr/>
-          <p:nvPr/>
-        </p:nvSpPr>
-        <p:spPr>
-          <a:xfrm rot="10800000">
-            <a:off x="164697" y="496114"/>
-            <a:ext cx="1075228" cy="1443134"/>
-          </a:xfrm>
-          <a:prstGeom prst="trapezoid">
-            <a:avLst/>
-          </a:prstGeom>
-          <a:solidFill>
-            <a:schemeClr val="accent2">
-              <a:lumMod val="60000"/>
-              <a:lumOff val="40000"/>
-              <a:alpha val="20000"/>
-            </a:schemeClr>
-          </a:solidFill>
-          <a:ln>
-            <a:noFill/>
-          </a:ln>
-        </p:spPr>
-        <p:style>
-          <a:lnRef idx="2">
-            <a:schemeClr val="accent1">
-              <a:shade val="50000"/>
-            </a:schemeClr>
-          </a:lnRef>
-          <a:fillRef idx="1">
-            <a:schemeClr val="accent1"/>
-          </a:fillRef>
-          <a:effectRef idx="0">
-            <a:schemeClr val="accent1"/>
-          </a:effectRef>
-          <a:fontRef idx="minor">
-            <a:schemeClr val="lt1"/>
-          </a:fontRef>
-        </p:style>
-        <p:txBody>
-          <a:bodyPr rtlCol="0" anchor="ctr"/>
-          <a:lstStyle/>
-          <a:p>
-            <a:pPr algn="ctr"/>
-            <a:endParaRPr lang="en-US"/>
-          </a:p>
-        </p:txBody>
-      </p:sp>
-      <p:sp>
-        <p:nvSpPr>
-          <p:cNvPr id="10" name="Trapezium 9">
-            <a:extLst>
-              <a:ext uri="{FF2B5EF4-FFF2-40B4-BE49-F238E27FC236}">
-                <a16:creationId xmlns:a16="http://schemas.microsoft.com/office/drawing/2014/main" id="{B74E71A1-EB38-1246-127A-4AD1FD3DBD78}"/>
-              </a:ext>
-            </a:extLst>
-          </p:cNvPr>
-          <p:cNvSpPr/>
-          <p:nvPr/>
-        </p:nvSpPr>
-        <p:spPr>
-          <a:xfrm>
-            <a:off x="183367" y="1985866"/>
-            <a:ext cx="1075228" cy="1443134"/>
-          </a:xfrm>
-          <a:prstGeom prst="trapezoid">
-            <a:avLst/>
-          </a:prstGeom>
-          <a:solidFill>
-            <a:schemeClr val="accent2">
-              <a:lumMod val="60000"/>
-              <a:lumOff val="40000"/>
-              <a:alpha val="20000"/>
-            </a:schemeClr>
-          </a:solidFill>
-          <a:ln>
-            <a:noFill/>
-          </a:ln>
-        </p:spPr>
-        <p:style>
-          <a:lnRef idx="2">
-            <a:schemeClr val="accent1">
-              <a:shade val="50000"/>
-            </a:schemeClr>
-          </a:lnRef>
-          <a:fillRef idx="1">
-            <a:schemeClr val="accent1"/>
-          </a:fillRef>
-          <a:effectRef idx="0">
-            <a:schemeClr val="accent1"/>
-          </a:effectRef>
-          <a:fontRef idx="minor">
-            <a:schemeClr val="lt1"/>
-          </a:fontRef>
-        </p:style>
-        <p:txBody>
-          <a:bodyPr rtlCol="0" anchor="ctr"/>
-          <a:lstStyle/>
-          <a:p>
-            <a:pPr algn="ctr"/>
-            <a:endParaRPr lang="en-US"/>
-          </a:p>
-        </p:txBody>
-      </p:sp>
-      <p:sp>
-        <p:nvSpPr>
-          <p:cNvPr id="4" name="Oval 3">
-            <a:extLst>
-              <a:ext uri="{FF2B5EF4-FFF2-40B4-BE49-F238E27FC236}">
-                <a16:creationId xmlns:a16="http://schemas.microsoft.com/office/drawing/2014/main" id="{9F33C30E-0589-98B2-8A67-90FF2BB21EE9}"/>
-              </a:ext>
-            </a:extLst>
-          </p:cNvPr>
-          <p:cNvSpPr/>
-          <p:nvPr/>
-        </p:nvSpPr>
-        <p:spPr>
-          <a:xfrm>
-            <a:off x="394790" y="1702289"/>
-            <a:ext cx="593651" cy="593651"/>
-          </a:xfrm>
-          <a:prstGeom prst="ellipse">
-            <a:avLst/>
-          </a:prstGeom>
-          <a:gradFill flip="none" rotWithShape="1">
-            <a:gsLst>
-              <a:gs pos="0">
-                <a:schemeClr val="accent1">
-                  <a:shade val="30000"/>
-                  <a:satMod val="115000"/>
-                </a:schemeClr>
-              </a:gs>
-              <a:gs pos="50000">
-                <a:schemeClr val="accent1">
-                  <a:shade val="67500"/>
-                  <a:satMod val="115000"/>
-                </a:schemeClr>
-              </a:gs>
-              <a:gs pos="100000">
-                <a:schemeClr val="accent1">
-                  <a:shade val="100000"/>
-                  <a:satMod val="115000"/>
-                </a:schemeClr>
-              </a:gs>
-            </a:gsLst>
-            <a:path path="circle">
-              <a:fillToRect l="50000" t="50000" r="50000" b="50000"/>
-            </a:path>
-            <a:tileRect/>
-          </a:gradFill>
-        </p:spPr>
-        <p:style>
-          <a:lnRef idx="2">
-            <a:schemeClr val="accent1">
-              <a:shade val="50000"/>
-            </a:schemeClr>
-          </a:lnRef>
-          <a:fillRef idx="1">
-            <a:schemeClr val="accent1"/>
-          </a:fillRef>
-          <a:effectRef idx="0">
-            <a:schemeClr val="accent1"/>
-          </a:effectRef>
-          <a:fontRef idx="minor">
-            <a:schemeClr val="lt1"/>
-          </a:fontRef>
-        </p:style>
-        <p:txBody>
-          <a:bodyPr rtlCol="0" anchor="ctr"/>
-          <a:lstStyle/>
-          <a:p>
-            <a:pPr algn="ctr"/>
-            <a:r>
-              <a:rPr lang="en-US" dirty="0"/>
-              <a:t>1</a:t>
-            </a:r>
-          </a:p>
-        </p:txBody>
-      </p:sp>
-      <p:sp>
-        <p:nvSpPr>
-          <p:cNvPr id="5" name="Oval 4">
-            <a:extLst>
-              <a:ext uri="{FF2B5EF4-FFF2-40B4-BE49-F238E27FC236}">
-                <a16:creationId xmlns:a16="http://schemas.microsoft.com/office/drawing/2014/main" id="{557B2D17-EDF9-4C61-1FE2-B3EC825F73C9}"/>
-              </a:ext>
-            </a:extLst>
-          </p:cNvPr>
-          <p:cNvSpPr/>
-          <p:nvPr/>
-        </p:nvSpPr>
-        <p:spPr>
-          <a:xfrm>
-            <a:off x="1729943" y="1695665"/>
-            <a:ext cx="593651" cy="593651"/>
-          </a:xfrm>
-          <a:prstGeom prst="ellipse">
-            <a:avLst/>
-          </a:prstGeom>
-          <a:gradFill flip="none" rotWithShape="1">
-            <a:gsLst>
-              <a:gs pos="0">
-                <a:schemeClr val="accent1">
-                  <a:shade val="30000"/>
-                  <a:satMod val="115000"/>
-                </a:schemeClr>
-              </a:gs>
-              <a:gs pos="50000">
-                <a:schemeClr val="accent1">
-                  <a:shade val="67500"/>
-                  <a:satMod val="115000"/>
-                </a:schemeClr>
-              </a:gs>
-              <a:gs pos="100000">
-                <a:schemeClr val="accent1">
-                  <a:shade val="100000"/>
-                  <a:satMod val="115000"/>
-                </a:schemeClr>
-              </a:gs>
-            </a:gsLst>
-            <a:path path="circle">
-              <a:fillToRect l="50000" t="50000" r="50000" b="50000"/>
-            </a:path>
-            <a:tileRect/>
-          </a:gradFill>
-        </p:spPr>
-        <p:style>
-          <a:lnRef idx="2">
-            <a:schemeClr val="accent1">
-              <a:shade val="50000"/>
-            </a:schemeClr>
-          </a:lnRef>
-          <a:fillRef idx="1">
-            <a:schemeClr val="accent1"/>
-          </a:fillRef>
-          <a:effectRef idx="0">
-            <a:schemeClr val="accent1"/>
-          </a:effectRef>
-          <a:fontRef idx="minor">
-            <a:schemeClr val="lt1"/>
-          </a:fontRef>
-        </p:style>
-        <p:txBody>
-          <a:bodyPr rtlCol="0" anchor="ctr"/>
-          <a:lstStyle/>
-          <a:p>
-            <a:pPr algn="ctr"/>
-            <a:r>
-              <a:rPr lang="en-US" dirty="0"/>
-              <a:t>2</a:t>
-            </a:r>
-          </a:p>
-        </p:txBody>
-      </p:sp>
-      <p:sp>
-        <p:nvSpPr>
-          <p:cNvPr id="2" name="Trapezium 1">
-            <a:extLst>
-              <a:ext uri="{FF2B5EF4-FFF2-40B4-BE49-F238E27FC236}">
-                <a16:creationId xmlns:a16="http://schemas.microsoft.com/office/drawing/2014/main" id="{111E8DF0-B8F6-966B-3F74-9446F9A4EEF3}"/>
-              </a:ext>
-            </a:extLst>
-          </p:cNvPr>
-          <p:cNvSpPr/>
-          <p:nvPr/>
-        </p:nvSpPr>
-        <p:spPr>
-          <a:xfrm>
-            <a:off x="2823857" y="1992496"/>
-            <a:ext cx="1075228" cy="1443134"/>
-          </a:xfrm>
-          <a:prstGeom prst="trapezoid">
-            <a:avLst/>
-          </a:prstGeom>
-          <a:solidFill>
-            <a:schemeClr val="accent2">
-              <a:lumMod val="60000"/>
-              <a:lumOff val="40000"/>
-              <a:alpha val="20000"/>
-            </a:schemeClr>
-          </a:solidFill>
-          <a:ln>
-            <a:noFill/>
-          </a:ln>
-        </p:spPr>
-        <p:style>
-          <a:lnRef idx="2">
-            <a:schemeClr val="accent1">
-              <a:shade val="50000"/>
-            </a:schemeClr>
-          </a:lnRef>
-          <a:fillRef idx="1">
-            <a:schemeClr val="accent1"/>
-          </a:fillRef>
-          <a:effectRef idx="0">
-            <a:schemeClr val="accent1"/>
-          </a:effectRef>
-          <a:fontRef idx="minor">
-            <a:schemeClr val="lt1"/>
-          </a:fontRef>
-        </p:style>
-        <p:txBody>
-          <a:bodyPr rtlCol="0" anchor="ctr"/>
-          <a:lstStyle/>
-          <a:p>
-            <a:pPr algn="ctr"/>
-            <a:endParaRPr lang="en-US"/>
-          </a:p>
-        </p:txBody>
-      </p:sp>
-      <p:sp>
-        <p:nvSpPr>
-          <p:cNvPr id="3" name="Trapezium 2">
-            <a:extLst>
-              <a:ext uri="{FF2B5EF4-FFF2-40B4-BE49-F238E27FC236}">
-                <a16:creationId xmlns:a16="http://schemas.microsoft.com/office/drawing/2014/main" id="{988B0392-FD69-3B0A-2326-CEC3D2185175}"/>
-              </a:ext>
-            </a:extLst>
-          </p:cNvPr>
-          <p:cNvSpPr/>
-          <p:nvPr/>
-        </p:nvSpPr>
-        <p:spPr>
-          <a:xfrm rot="10800000">
-            <a:off x="2815129" y="492805"/>
-            <a:ext cx="1075228" cy="1443134"/>
-          </a:xfrm>
-          <a:prstGeom prst="trapezoid">
-            <a:avLst/>
-          </a:prstGeom>
-          <a:solidFill>
-            <a:schemeClr val="accent2">
-              <a:lumMod val="60000"/>
-              <a:lumOff val="40000"/>
-              <a:alpha val="20000"/>
-            </a:schemeClr>
-          </a:solidFill>
-          <a:ln>
-            <a:noFill/>
-          </a:ln>
-        </p:spPr>
-        <p:style>
-          <a:lnRef idx="2">
-            <a:schemeClr val="accent1">
-              <a:shade val="50000"/>
-            </a:schemeClr>
-          </a:lnRef>
-          <a:fillRef idx="1">
-            <a:schemeClr val="accent1"/>
-          </a:fillRef>
-          <a:effectRef idx="0">
-            <a:schemeClr val="accent1"/>
-          </a:effectRef>
-          <a:fontRef idx="minor">
-            <a:schemeClr val="lt1"/>
-          </a:fontRef>
-        </p:style>
-        <p:txBody>
-          <a:bodyPr rtlCol="0" anchor="ctr"/>
-          <a:lstStyle/>
-          <a:p>
-            <a:pPr algn="ctr"/>
-            <a:endParaRPr lang="en-US"/>
-          </a:p>
-        </p:txBody>
-      </p:sp>
-      <p:sp>
-        <p:nvSpPr>
-          <p:cNvPr id="16" name="Oval 15">
-            <a:extLst>
-              <a:ext uri="{FF2B5EF4-FFF2-40B4-BE49-F238E27FC236}">
-                <a16:creationId xmlns:a16="http://schemas.microsoft.com/office/drawing/2014/main" id="{3C483C5B-71D8-0512-0C89-6816AD8D5774}"/>
-              </a:ext>
-            </a:extLst>
-          </p:cNvPr>
-          <p:cNvSpPr/>
-          <p:nvPr/>
-        </p:nvSpPr>
-        <p:spPr>
-          <a:xfrm>
-            <a:off x="3065097" y="1689041"/>
-            <a:ext cx="593651" cy="593651"/>
-          </a:xfrm>
-          <a:prstGeom prst="ellipse">
-            <a:avLst/>
-          </a:prstGeom>
-          <a:gradFill flip="none" rotWithShape="1">
-            <a:gsLst>
-              <a:gs pos="0">
-                <a:schemeClr val="accent1">
-                  <a:shade val="30000"/>
-                  <a:satMod val="115000"/>
-                </a:schemeClr>
-              </a:gs>
-              <a:gs pos="50000">
-                <a:schemeClr val="accent1">
-                  <a:shade val="67500"/>
-                  <a:satMod val="115000"/>
-                </a:schemeClr>
-              </a:gs>
-              <a:gs pos="100000">
-                <a:schemeClr val="accent1">
-                  <a:shade val="100000"/>
-                  <a:satMod val="115000"/>
-                </a:schemeClr>
-              </a:gs>
-            </a:gsLst>
-            <a:path path="circle">
-              <a:fillToRect l="50000" t="50000" r="50000" b="50000"/>
-            </a:path>
-            <a:tileRect/>
-          </a:gradFill>
-        </p:spPr>
-        <p:style>
-          <a:lnRef idx="2">
-            <a:schemeClr val="accent1">
-              <a:shade val="50000"/>
-            </a:schemeClr>
-          </a:lnRef>
-          <a:fillRef idx="1">
-            <a:schemeClr val="accent1"/>
-          </a:fillRef>
-          <a:effectRef idx="0">
-            <a:schemeClr val="accent1"/>
-          </a:effectRef>
-          <a:fontRef idx="minor">
-            <a:schemeClr val="lt1"/>
-          </a:fontRef>
-        </p:style>
-        <p:txBody>
-          <a:bodyPr rtlCol="0" anchor="ctr"/>
-          <a:lstStyle/>
-          <a:p>
-            <a:pPr algn="ctr"/>
-            <a:r>
-              <a:rPr lang="en-US" dirty="0"/>
-              <a:t>3</a:t>
-            </a:r>
-          </a:p>
-        </p:txBody>
-      </p:sp>
-      <p:sp>
-        <p:nvSpPr>
-          <p:cNvPr id="17" name="Trapezium 16">
-            <a:extLst>
-              <a:ext uri="{FF2B5EF4-FFF2-40B4-BE49-F238E27FC236}">
-                <a16:creationId xmlns:a16="http://schemas.microsoft.com/office/drawing/2014/main" id="{86F5811F-7A3D-4389-A308-B8AB0BC2CA7E}"/>
-              </a:ext>
-            </a:extLst>
-          </p:cNvPr>
-          <p:cNvSpPr/>
-          <p:nvPr/>
-        </p:nvSpPr>
-        <p:spPr>
-          <a:xfrm>
-            <a:off x="5431219" y="1985872"/>
-            <a:ext cx="1075228" cy="1443134"/>
-          </a:xfrm>
-          <a:prstGeom prst="trapezoid">
-            <a:avLst/>
-          </a:prstGeom>
-          <a:solidFill>
-            <a:schemeClr val="accent2">
-              <a:lumMod val="60000"/>
-              <a:lumOff val="40000"/>
-              <a:alpha val="20000"/>
-            </a:schemeClr>
-          </a:solidFill>
-          <a:ln>
-            <a:noFill/>
-          </a:ln>
-        </p:spPr>
-        <p:style>
-          <a:lnRef idx="2">
-            <a:schemeClr val="accent1">
-              <a:shade val="50000"/>
-            </a:schemeClr>
-          </a:lnRef>
-          <a:fillRef idx="1">
-            <a:schemeClr val="accent1"/>
-          </a:fillRef>
-          <a:effectRef idx="0">
-            <a:schemeClr val="accent1"/>
-          </a:effectRef>
-          <a:fontRef idx="minor">
-            <a:schemeClr val="lt1"/>
-          </a:fontRef>
-        </p:style>
-        <p:txBody>
-          <a:bodyPr rtlCol="0" anchor="ctr"/>
-          <a:lstStyle/>
-          <a:p>
-            <a:pPr algn="ctr"/>
-            <a:endParaRPr lang="en-US"/>
-          </a:p>
-        </p:txBody>
-      </p:sp>
-      <p:sp>
-        <p:nvSpPr>
-          <p:cNvPr id="18" name="Trapezium 17">
-            <a:extLst>
-              <a:ext uri="{FF2B5EF4-FFF2-40B4-BE49-F238E27FC236}">
-                <a16:creationId xmlns:a16="http://schemas.microsoft.com/office/drawing/2014/main" id="{E456A13A-0265-2363-CB4B-D792C60F29A1}"/>
-              </a:ext>
-            </a:extLst>
-          </p:cNvPr>
-          <p:cNvSpPr/>
-          <p:nvPr/>
-        </p:nvSpPr>
-        <p:spPr>
-          <a:xfrm rot="10800000">
-            <a:off x="5422491" y="486181"/>
-            <a:ext cx="1075228" cy="1443134"/>
-          </a:xfrm>
-          <a:prstGeom prst="trapezoid">
-            <a:avLst/>
-          </a:prstGeom>
-          <a:solidFill>
-            <a:schemeClr val="accent2">
-              <a:lumMod val="60000"/>
-              <a:lumOff val="40000"/>
-              <a:alpha val="20000"/>
-            </a:schemeClr>
-          </a:solidFill>
-          <a:ln>
-            <a:noFill/>
-          </a:ln>
-        </p:spPr>
-        <p:style>
-          <a:lnRef idx="2">
-            <a:schemeClr val="accent1">
-              <a:shade val="50000"/>
-            </a:schemeClr>
-          </a:lnRef>
-          <a:fillRef idx="1">
-            <a:schemeClr val="accent1"/>
-          </a:fillRef>
-          <a:effectRef idx="0">
-            <a:schemeClr val="accent1"/>
-          </a:effectRef>
-          <a:fontRef idx="minor">
-            <a:schemeClr val="lt1"/>
-          </a:fontRef>
-        </p:style>
-        <p:txBody>
-          <a:bodyPr rtlCol="0" anchor="ctr"/>
-          <a:lstStyle/>
-          <a:p>
-            <a:pPr algn="ctr"/>
-            <a:endParaRPr lang="en-US"/>
-          </a:p>
-        </p:txBody>
-      </p:sp>
-      <p:sp>
-        <p:nvSpPr>
-          <p:cNvPr id="19" name="Oval 18">
-            <a:extLst>
-              <a:ext uri="{FF2B5EF4-FFF2-40B4-BE49-F238E27FC236}">
-                <a16:creationId xmlns:a16="http://schemas.microsoft.com/office/drawing/2014/main" id="{3D80FE92-2AD1-6862-3F20-92AE6D76DB69}"/>
-              </a:ext>
-            </a:extLst>
-          </p:cNvPr>
-          <p:cNvSpPr/>
-          <p:nvPr/>
-        </p:nvSpPr>
-        <p:spPr>
-          <a:xfrm>
-            <a:off x="5672459" y="1682417"/>
-            <a:ext cx="593651" cy="593651"/>
-          </a:xfrm>
-          <a:prstGeom prst="ellipse">
-            <a:avLst/>
-          </a:prstGeom>
-          <a:gradFill flip="none" rotWithShape="1">
-            <a:gsLst>
-              <a:gs pos="0">
-                <a:schemeClr val="accent1">
-                  <a:shade val="30000"/>
-                  <a:satMod val="115000"/>
-                </a:schemeClr>
-              </a:gs>
-              <a:gs pos="50000">
-                <a:schemeClr val="accent1">
-                  <a:shade val="67500"/>
-                  <a:satMod val="115000"/>
-                </a:schemeClr>
-              </a:gs>
-              <a:gs pos="100000">
-                <a:schemeClr val="accent1">
-                  <a:shade val="100000"/>
-                  <a:satMod val="115000"/>
-                </a:schemeClr>
-              </a:gs>
-            </a:gsLst>
-            <a:path path="circle">
-              <a:fillToRect l="50000" t="50000" r="50000" b="50000"/>
-            </a:path>
-            <a:tileRect/>
-          </a:gradFill>
-        </p:spPr>
-        <p:style>
-          <a:lnRef idx="2">
-            <a:schemeClr val="accent1">
-              <a:shade val="50000"/>
-            </a:schemeClr>
-          </a:lnRef>
-          <a:fillRef idx="1">
-            <a:schemeClr val="accent1"/>
-          </a:fillRef>
-          <a:effectRef idx="0">
-            <a:schemeClr val="accent1"/>
-          </a:effectRef>
-          <a:fontRef idx="minor">
-            <a:schemeClr val="lt1"/>
-          </a:fontRef>
-        </p:style>
-        <p:txBody>
-          <a:bodyPr rtlCol="0" anchor="ctr"/>
-          <a:lstStyle/>
-          <a:p>
-            <a:pPr algn="ctr"/>
-            <a:r>
-              <a:rPr lang="en-US" dirty="0"/>
-              <a:t>N</a:t>
-            </a:r>
-          </a:p>
-        </p:txBody>
-      </p:sp>
-      <p:sp>
-        <p:nvSpPr>
-          <p:cNvPr id="20" name="TextBox 19">
-            <a:extLst>
-              <a:ext uri="{FF2B5EF4-FFF2-40B4-BE49-F238E27FC236}">
-                <a16:creationId xmlns:a16="http://schemas.microsoft.com/office/drawing/2014/main" id="{257DD48A-63C0-0A31-457F-BF7F8DF10B63}"/>
-              </a:ext>
-            </a:extLst>
-          </p:cNvPr>
-          <p:cNvSpPr txBox="1"/>
-          <p:nvPr/>
-        </p:nvSpPr>
-        <p:spPr>
-          <a:xfrm>
-            <a:off x="4274660" y="1801200"/>
-            <a:ext cx="780983" cy="369332"/>
+      <p:pic>
+        <p:nvPicPr>
+          <p:cNvPr id="3" name="Picture 2" descr="A diagram of blue and red circles with a yellow arrow pointing to a yellow arrow&#10;&#10;Description automatically generated">
+            <a:extLst>
+              <a:ext uri="{FF2B5EF4-FFF2-40B4-BE49-F238E27FC236}">
+                <a16:creationId xmlns:a16="http://schemas.microsoft.com/office/drawing/2014/main" id="{060DC31F-05CC-CFF4-397A-3C5674ED310A}"/>
+              </a:ext>
+            </a:extLst>
+          </p:cNvPr>
+          <p:cNvPicPr>
+            <a:picLocks noChangeAspect="1"/>
+          </p:cNvPicPr>
+          <p:nvPr/>
+        </p:nvPicPr>
+        <p:blipFill>
+          <a:blip r:embed="rId3"/>
+          <a:stretch>
+            <a:fillRect/>
+          </a:stretch>
+        </p:blipFill>
+        <p:spPr>
+          <a:xfrm>
+            <a:off x="102812" y="2770947"/>
+            <a:ext cx="3196979" cy="1316106"/>
           </a:xfrm>
           <a:prstGeom prst="rect">
             <a:avLst/>
           </a:prstGeom>
-          <a:noFill/>
-        </p:spPr>
-        <p:txBody>
-          <a:bodyPr wrap="none" rtlCol="0">
-            <a:spAutoFit/>
-          </a:bodyPr>
-          <a:lstStyle/>
-          <a:p>
-            <a:r>
-              <a:rPr lang="en-US" dirty="0"/>
-              <a:t> .   .   . </a:t>
-            </a:r>
-          </a:p>
-        </p:txBody>
-      </p:sp>
-      <p:cxnSp>
-        <p:nvCxnSpPr>
-          <p:cNvPr id="21" name="Straight Arrow Connector 20">
-            <a:extLst>
-              <a:ext uri="{FF2B5EF4-FFF2-40B4-BE49-F238E27FC236}">
-                <a16:creationId xmlns:a16="http://schemas.microsoft.com/office/drawing/2014/main" id="{8652993F-A4FA-B34F-F2CE-0AA6A9D9E86D}"/>
-              </a:ext>
-            </a:extLst>
-          </p:cNvPr>
-          <p:cNvCxnSpPr>
-            <a:cxnSpLocks/>
-          </p:cNvCxnSpPr>
-          <p:nvPr/>
-        </p:nvCxnSpPr>
-        <p:spPr>
-          <a:xfrm>
-            <a:off x="636104" y="2469991"/>
-            <a:ext cx="1391479" cy="0"/>
-          </a:xfrm>
-          <a:prstGeom prst="straightConnector1">
-            <a:avLst/>
-          </a:prstGeom>
-          <a:ln w="38100">
-            <a:solidFill>
-              <a:schemeClr val="bg2">
-                <a:lumMod val="50000"/>
-              </a:schemeClr>
-            </a:solidFill>
-            <a:headEnd type="triangle"/>
-            <a:tailEnd type="triangle"/>
-          </a:ln>
-        </p:spPr>
-        <p:style>
-          <a:lnRef idx="1">
-            <a:schemeClr val="accent1"/>
-          </a:lnRef>
-          <a:fillRef idx="0">
-            <a:schemeClr val="accent1"/>
-          </a:fillRef>
-          <a:effectRef idx="0">
-            <a:schemeClr val="accent1"/>
-          </a:effectRef>
-          <a:fontRef idx="minor">
-            <a:schemeClr val="tx1"/>
-          </a:fontRef>
-        </p:style>
-      </p:cxnSp>
-      <p:sp>
-        <p:nvSpPr>
-          <p:cNvPr id="25" name="TextBox 24">
-            <a:extLst>
-              <a:ext uri="{FF2B5EF4-FFF2-40B4-BE49-F238E27FC236}">
-                <a16:creationId xmlns:a16="http://schemas.microsoft.com/office/drawing/2014/main" id="{B663A75E-2013-2DF3-33CD-AF66FBC68158}"/>
-              </a:ext>
-            </a:extLst>
-          </p:cNvPr>
-          <p:cNvSpPr txBox="1"/>
-          <p:nvPr/>
-        </p:nvSpPr>
-        <p:spPr>
-          <a:xfrm>
-            <a:off x="1212079" y="2450113"/>
-            <a:ext cx="297712" cy="461665"/>
+        </p:spPr>
+      </p:pic>
+      <p:pic>
+        <p:nvPicPr>
+          <p:cNvPr id="7" name="Picture 6" descr="A diagram of blue circles and red dots with a yellow arrow&#10;&#10;Description automatically generated">
+            <a:extLst>
+              <a:ext uri="{FF2B5EF4-FFF2-40B4-BE49-F238E27FC236}">
+                <a16:creationId xmlns:a16="http://schemas.microsoft.com/office/drawing/2014/main" id="{A5239062-B832-99A9-D07B-FA9B0DCC38E1}"/>
+              </a:ext>
+            </a:extLst>
+          </p:cNvPr>
+          <p:cNvPicPr>
+            <a:picLocks noChangeAspect="1"/>
+          </p:cNvPicPr>
+          <p:nvPr/>
+        </p:nvPicPr>
+        <p:blipFill>
+          <a:blip r:embed="rId4"/>
+          <a:stretch>
+            <a:fillRect/>
+          </a:stretch>
+        </p:blipFill>
+        <p:spPr>
+          <a:xfrm>
+            <a:off x="4015592" y="2756229"/>
+            <a:ext cx="3196979" cy="1330824"/>
           </a:xfrm>
           <a:prstGeom prst="rect">
             <a:avLst/>
           </a:prstGeom>
-          <a:noFill/>
-        </p:spPr>
-        <p:txBody>
-          <a:bodyPr wrap="square" rtlCol="0">
-            <a:spAutoFit/>
-          </a:bodyPr>
-          <a:lstStyle/>
-          <a:p>
-            <a:r>
-              <a:rPr lang="en-US" sz="2400" i="1" dirty="0">
-                <a:latin typeface="Times" pitchFamily="2" charset="0"/>
-              </a:rPr>
-              <a:t>a </a:t>
-            </a:r>
-          </a:p>
-        </p:txBody>
-      </p:sp>
+        </p:spPr>
+      </p:pic>
     </p:spTree>
     <p:extLst>
       <p:ext uri="{BB962C8B-B14F-4D97-AF65-F5344CB8AC3E}">
-        <p14:creationId xmlns:p14="http://schemas.microsoft.com/office/powerpoint/2010/main" val="669315090"/>
+        <p14:creationId xmlns:p14="http://schemas.microsoft.com/office/powerpoint/2010/main" val="801830951"/>
       </p:ext>
     </p:extLst>
   </p:cSld>
@@ -8276,10 +8189,10 @@
       </p:grpSpPr>
       <p:sp>
         <p:nvSpPr>
-          <p:cNvPr id="8" name="Rectangle 7">
-            <a:extLst>
-              <a:ext uri="{FF2B5EF4-FFF2-40B4-BE49-F238E27FC236}">
-                <a16:creationId xmlns:a16="http://schemas.microsoft.com/office/drawing/2014/main" id="{B6B2D670-6AB8-8071-38E5-B63DDA1E3732}"/>
+          <p:cNvPr id="13" name="Trapezium 12">
+            <a:extLst>
+              <a:ext uri="{FF2B5EF4-FFF2-40B4-BE49-F238E27FC236}">
+                <a16:creationId xmlns:a16="http://schemas.microsoft.com/office/drawing/2014/main" id="{545A289E-9980-EE4B-DBD4-ED1AB366C590}"/>
               </a:ext>
             </a:extLst>
           </p:cNvPr>
@@ -8288,61 +8201,7 @@
         </p:nvSpPr>
         <p:spPr>
           <a:xfrm>
-            <a:off x="1086522" y="2964758"/>
-            <a:ext cx="9488245" cy="905059"/>
-          </a:xfrm>
-          <a:prstGeom prst="rect">
-            <a:avLst/>
-          </a:prstGeom>
-          <a:solidFill>
-            <a:srgbClr val="FF0000">
-              <a:alpha val="9804"/>
-            </a:srgbClr>
-          </a:solidFill>
-          <a:ln>
-            <a:noFill/>
-          </a:ln>
-        </p:spPr>
-        <p:style>
-          <a:lnRef idx="2">
-            <a:schemeClr val="accent1">
-              <a:shade val="50000"/>
-            </a:schemeClr>
-          </a:lnRef>
-          <a:fillRef idx="1">
-            <a:schemeClr val="accent1"/>
-          </a:fillRef>
-          <a:effectRef idx="0">
-            <a:schemeClr val="accent1"/>
-          </a:effectRef>
-          <a:fontRef idx="minor">
-            <a:schemeClr val="lt1"/>
-          </a:fontRef>
-        </p:style>
-        <p:txBody>
-          <a:bodyPr rtlCol="0" anchor="ctr"/>
-          <a:lstStyle/>
-          <a:p>
-            <a:pPr algn="ctr"/>
-            <a:endParaRPr lang="en-US"/>
-          </a:p>
-        </p:txBody>
-      </p:sp>
-      <p:sp>
-        <p:nvSpPr>
-          <p:cNvPr id="13" name="Trapezium 12">
-            <a:extLst>
-              <a:ext uri="{FF2B5EF4-FFF2-40B4-BE49-F238E27FC236}">
-                <a16:creationId xmlns:a16="http://schemas.microsoft.com/office/drawing/2014/main" id="{545A289E-9980-EE4B-DBD4-ED1AB366C590}"/>
-              </a:ext>
-            </a:extLst>
-          </p:cNvPr>
-          <p:cNvSpPr/>
-          <p:nvPr/>
-        </p:nvSpPr>
-        <p:spPr>
-          <a:xfrm>
-            <a:off x="4040517" y="3442248"/>
+            <a:off x="1488703" y="1999120"/>
             <a:ext cx="1075228" cy="1443134"/>
           </a:xfrm>
           <a:prstGeom prst="trapezoid">
@@ -8398,7 +8257,7 @@
         </p:nvSpPr>
         <p:spPr>
           <a:xfrm rot="10800000">
-            <a:off x="4031789" y="1942557"/>
+            <a:off x="1479975" y="499429"/>
             <a:ext cx="1075228" cy="1443134"/>
           </a:xfrm>
           <a:prstGeom prst="trapezoid">
@@ -8454,7 +8313,7 @@
         </p:nvSpPr>
         <p:spPr>
           <a:xfrm rot="10800000">
-            <a:off x="2716511" y="1939242"/>
+            <a:off x="164697" y="496114"/>
             <a:ext cx="1075228" cy="1443134"/>
           </a:xfrm>
           <a:prstGeom prst="trapezoid">
@@ -8510,7 +8369,7 @@
         </p:nvSpPr>
         <p:spPr>
           <a:xfrm>
-            <a:off x="2735181" y="3428994"/>
+            <a:off x="183367" y="1985866"/>
             <a:ext cx="1075228" cy="1443134"/>
           </a:xfrm>
           <a:prstGeom prst="trapezoid">
@@ -8566,7 +8425,7 @@
         </p:nvSpPr>
         <p:spPr>
           <a:xfrm>
-            <a:off x="2946604" y="3145417"/>
+            <a:off x="394790" y="1702289"/>
             <a:ext cx="593651" cy="593651"/>
           </a:xfrm>
           <a:prstGeom prst="ellipse">
@@ -8641,7 +8500,7 @@
         </p:nvSpPr>
         <p:spPr>
           <a:xfrm>
-            <a:off x="4281757" y="3138793"/>
+            <a:off x="1729943" y="1695665"/>
             <a:ext cx="593651" cy="593651"/>
           </a:xfrm>
           <a:prstGeom prst="ellipse">
@@ -8716,7 +8575,7 @@
         </p:nvSpPr>
         <p:spPr>
           <a:xfrm>
-            <a:off x="5375671" y="3435624"/>
+            <a:off x="2823857" y="1992496"/>
             <a:ext cx="1075228" cy="1443134"/>
           </a:xfrm>
           <a:prstGeom prst="trapezoid">
@@ -8772,7 +8631,7 @@
         </p:nvSpPr>
         <p:spPr>
           <a:xfrm rot="10800000">
-            <a:off x="5366943" y="1935933"/>
+            <a:off x="2815129" y="492805"/>
             <a:ext cx="1075228" cy="1443134"/>
           </a:xfrm>
           <a:prstGeom prst="trapezoid">
@@ -8828,7 +8687,7 @@
         </p:nvSpPr>
         <p:spPr>
           <a:xfrm>
-            <a:off x="5616911" y="3132169"/>
+            <a:off x="3065097" y="1689041"/>
             <a:ext cx="593651" cy="593651"/>
           </a:xfrm>
           <a:prstGeom prst="ellipse">
@@ -8903,7 +8762,7 @@
         </p:nvSpPr>
         <p:spPr>
           <a:xfrm>
-            <a:off x="7983033" y="3429000"/>
+            <a:off x="5431219" y="1985872"/>
             <a:ext cx="1075228" cy="1443134"/>
           </a:xfrm>
           <a:prstGeom prst="trapezoid">
@@ -8959,7 +8818,7 @@
         </p:nvSpPr>
         <p:spPr>
           <a:xfrm rot="10800000">
-            <a:off x="7974305" y="1929309"/>
+            <a:off x="5422491" y="486181"/>
             <a:ext cx="1075228" cy="1443134"/>
           </a:xfrm>
           <a:prstGeom prst="trapezoid">
@@ -9015,7 +8874,7 @@
         </p:nvSpPr>
         <p:spPr>
           <a:xfrm>
-            <a:off x="8224273" y="3125545"/>
+            <a:off x="5672459" y="1682417"/>
             <a:ext cx="593651" cy="593651"/>
           </a:xfrm>
           <a:prstGeom prst="ellipse">
@@ -9090,7 +8949,7 @@
         </p:nvSpPr>
         <p:spPr>
           <a:xfrm>
-            <a:off x="6826474" y="3244328"/>
+            <a:off x="4274660" y="1801200"/>
             <a:ext cx="780983" cy="369332"/>
           </a:xfrm>
           <a:prstGeom prst="rect">
@@ -9127,7 +8986,7 @@
         </p:nvCxnSpPr>
         <p:spPr>
           <a:xfrm>
-            <a:off x="3187918" y="3913119"/>
+            <a:off x="636104" y="2469991"/>
             <a:ext cx="1391479" cy="0"/>
           </a:xfrm>
           <a:prstGeom prst="straightConnector1">
@@ -9172,7 +9031,7 @@
         </p:nvSpPr>
         <p:spPr>
           <a:xfrm>
-            <a:off x="3763893" y="3893241"/>
+            <a:off x="1212079" y="2450113"/>
             <a:ext cx="297712" cy="461665"/>
           </a:xfrm>
           <a:prstGeom prst="rect">
@@ -9195,350 +9054,10 @@
           </a:p>
         </p:txBody>
       </p:sp>
-      <p:sp>
-        <p:nvSpPr>
-          <p:cNvPr id="6" name="Right Arrow 5">
-            <a:extLst>
-              <a:ext uri="{FF2B5EF4-FFF2-40B4-BE49-F238E27FC236}">
-                <a16:creationId xmlns:a16="http://schemas.microsoft.com/office/drawing/2014/main" id="{E5E2B3EA-E3EB-C535-1A3F-B4A104713A3E}"/>
-              </a:ext>
-            </a:extLst>
-          </p:cNvPr>
-          <p:cNvSpPr/>
-          <p:nvPr/>
-        </p:nvSpPr>
-        <p:spPr>
-          <a:xfrm>
-            <a:off x="1203047" y="3255927"/>
-            <a:ext cx="1286589" cy="369332"/>
-          </a:xfrm>
-          <a:prstGeom prst="rightArrow">
-            <a:avLst/>
-          </a:prstGeom>
-          <a:gradFill flip="none" rotWithShape="1">
-            <a:gsLst>
-              <a:gs pos="0">
-                <a:srgbClr val="FF0000">
-                  <a:shade val="30000"/>
-                  <a:satMod val="115000"/>
-                </a:srgbClr>
-              </a:gs>
-              <a:gs pos="50000">
-                <a:srgbClr val="FF0000">
-                  <a:shade val="67500"/>
-                  <a:satMod val="115000"/>
-                </a:srgbClr>
-              </a:gs>
-              <a:gs pos="100000">
-                <a:srgbClr val="FF0000">
-                  <a:shade val="100000"/>
-                  <a:satMod val="115000"/>
-                </a:srgbClr>
-              </a:gs>
-            </a:gsLst>
-            <a:lin ang="10800000" scaled="1"/>
-            <a:tileRect/>
-          </a:gradFill>
-          <a:ln>
-            <a:noFill/>
-          </a:ln>
-        </p:spPr>
-        <p:style>
-          <a:lnRef idx="2">
-            <a:schemeClr val="accent1">
-              <a:shade val="50000"/>
-            </a:schemeClr>
-          </a:lnRef>
-          <a:fillRef idx="1">
-            <a:schemeClr val="accent1"/>
-          </a:fillRef>
-          <a:effectRef idx="0">
-            <a:schemeClr val="accent1"/>
-          </a:effectRef>
-          <a:fontRef idx="minor">
-            <a:schemeClr val="lt1"/>
-          </a:fontRef>
-        </p:style>
-        <p:txBody>
-          <a:bodyPr rtlCol="0" anchor="ctr"/>
-          <a:lstStyle/>
-          <a:p>
-            <a:pPr algn="ctr"/>
-            <a:endParaRPr lang="en-US"/>
-          </a:p>
-        </p:txBody>
-      </p:sp>
-      <p:sp>
-        <p:nvSpPr>
-          <p:cNvPr id="7" name="Right Arrow 6">
-            <a:extLst>
-              <a:ext uri="{FF2B5EF4-FFF2-40B4-BE49-F238E27FC236}">
-                <a16:creationId xmlns:a16="http://schemas.microsoft.com/office/drawing/2014/main" id="{BA2EF6F2-EFE5-F6C9-9C6A-C0027024843F}"/>
-              </a:ext>
-            </a:extLst>
-          </p:cNvPr>
-          <p:cNvSpPr/>
-          <p:nvPr/>
-        </p:nvSpPr>
-        <p:spPr>
-          <a:xfrm rot="10800000">
-            <a:off x="9188908" y="3228355"/>
-            <a:ext cx="1289040" cy="369332"/>
-          </a:xfrm>
-          <a:prstGeom prst="rightArrow">
-            <a:avLst/>
-          </a:prstGeom>
-          <a:gradFill flip="none" rotWithShape="1">
-            <a:gsLst>
-              <a:gs pos="0">
-                <a:srgbClr val="FF0000">
-                  <a:shade val="30000"/>
-                  <a:satMod val="115000"/>
-                </a:srgbClr>
-              </a:gs>
-              <a:gs pos="50000">
-                <a:srgbClr val="FF0000">
-                  <a:shade val="67500"/>
-                  <a:satMod val="115000"/>
-                </a:srgbClr>
-              </a:gs>
-              <a:gs pos="100000">
-                <a:srgbClr val="FF0000">
-                  <a:shade val="100000"/>
-                  <a:satMod val="115000"/>
-                </a:srgbClr>
-              </a:gs>
-            </a:gsLst>
-            <a:lin ang="10800000" scaled="1"/>
-            <a:tileRect/>
-          </a:gradFill>
-          <a:ln>
-            <a:noFill/>
-          </a:ln>
-        </p:spPr>
-        <p:style>
-          <a:lnRef idx="2">
-            <a:schemeClr val="accent1">
-              <a:shade val="50000"/>
-            </a:schemeClr>
-          </a:lnRef>
-          <a:fillRef idx="1">
-            <a:schemeClr val="accent1"/>
-          </a:fillRef>
-          <a:effectRef idx="0">
-            <a:schemeClr val="accent1"/>
-          </a:effectRef>
-          <a:fontRef idx="minor">
-            <a:schemeClr val="lt1"/>
-          </a:fontRef>
-        </p:style>
-        <p:txBody>
-          <a:bodyPr rtlCol="0" anchor="ctr"/>
-          <a:lstStyle/>
-          <a:p>
-            <a:pPr algn="ctr"/>
-            <a:endParaRPr lang="en-US"/>
-          </a:p>
-        </p:txBody>
-      </p:sp>
-      <p:sp>
-        <p:nvSpPr>
-          <p:cNvPr id="22" name="TextBox 21">
-            <a:extLst>
-              <a:ext uri="{FF2B5EF4-FFF2-40B4-BE49-F238E27FC236}">
-                <a16:creationId xmlns:a16="http://schemas.microsoft.com/office/drawing/2014/main" id="{AB7FAD87-28F7-BF9F-3FE6-9720E00392E5}"/>
-              </a:ext>
-            </a:extLst>
-          </p:cNvPr>
-          <p:cNvSpPr txBox="1"/>
-          <p:nvPr/>
-        </p:nvSpPr>
-        <p:spPr>
-          <a:xfrm>
-            <a:off x="1086522" y="1901643"/>
-            <a:ext cx="1786852" cy="830997"/>
-          </a:xfrm>
-          <a:prstGeom prst="rect">
-            <a:avLst/>
-          </a:prstGeom>
-          <a:noFill/>
-        </p:spPr>
-        <p:txBody>
-          <a:bodyPr wrap="square" rtlCol="0">
-            <a:spAutoFit/>
-          </a:bodyPr>
-          <a:lstStyle/>
-          <a:p>
-            <a:r>
-              <a:rPr lang="en-US" sz="2400" i="1" dirty="0">
-                <a:solidFill>
-                  <a:schemeClr val="accent2">
-                    <a:lumMod val="40000"/>
-                    <a:lumOff val="60000"/>
-                  </a:schemeClr>
-                </a:solidFill>
-                <a:latin typeface="Times" pitchFamily="2" charset="0"/>
-              </a:rPr>
-              <a:t>Optical</a:t>
-            </a:r>
-          </a:p>
-          <a:p>
-            <a:r>
-              <a:rPr lang="en-US" sz="2400" i="1" dirty="0">
-                <a:solidFill>
-                  <a:schemeClr val="accent2">
-                    <a:lumMod val="40000"/>
-                    <a:lumOff val="60000"/>
-                  </a:schemeClr>
-                </a:solidFill>
-                <a:latin typeface="Times" pitchFamily="2" charset="0"/>
-              </a:rPr>
-              <a:t>Tweezers</a:t>
-            </a:r>
-          </a:p>
-        </p:txBody>
-      </p:sp>
-      <p:sp>
-        <p:nvSpPr>
-          <p:cNvPr id="23" name="TextBox 22">
-            <a:extLst>
-              <a:ext uri="{FF2B5EF4-FFF2-40B4-BE49-F238E27FC236}">
-                <a16:creationId xmlns:a16="http://schemas.microsoft.com/office/drawing/2014/main" id="{B30EE643-8B7D-72F7-0F40-892F34B38D53}"/>
-              </a:ext>
-            </a:extLst>
-          </p:cNvPr>
-          <p:cNvSpPr txBox="1"/>
-          <p:nvPr/>
-        </p:nvSpPr>
-        <p:spPr>
-          <a:xfrm>
-            <a:off x="8817924" y="4074269"/>
-            <a:ext cx="1786852" cy="830997"/>
-          </a:xfrm>
-          <a:prstGeom prst="rect">
-            <a:avLst/>
-          </a:prstGeom>
-          <a:noFill/>
-        </p:spPr>
-        <p:txBody>
-          <a:bodyPr wrap="square" rtlCol="0">
-            <a:spAutoFit/>
-          </a:bodyPr>
-          <a:lstStyle/>
-          <a:p>
-            <a:pPr algn="r"/>
-            <a:r>
-              <a:rPr lang="en-US" sz="2400" i="1" dirty="0">
-                <a:solidFill>
-                  <a:srgbClr val="FF0000"/>
-                </a:solidFill>
-                <a:latin typeface="Times" pitchFamily="2" charset="0"/>
-              </a:rPr>
-              <a:t>Driving </a:t>
-            </a:r>
-          </a:p>
-          <a:p>
-            <a:pPr algn="r"/>
-            <a:r>
-              <a:rPr lang="en-US" sz="2400" i="1" dirty="0">
-                <a:solidFill>
-                  <a:srgbClr val="FF0000"/>
-                </a:solidFill>
-                <a:latin typeface="Times" pitchFamily="2" charset="0"/>
-              </a:rPr>
-              <a:t>Laser</a:t>
-            </a:r>
-          </a:p>
-        </p:txBody>
-      </p:sp>
-      <p:cxnSp>
-        <p:nvCxnSpPr>
-          <p:cNvPr id="27" name="Straight Arrow Connector 26">
-            <a:extLst>
-              <a:ext uri="{FF2B5EF4-FFF2-40B4-BE49-F238E27FC236}">
-                <a16:creationId xmlns:a16="http://schemas.microsoft.com/office/drawing/2014/main" id="{702B44F4-C11F-9ADD-E6D0-3F619C75FDE5}"/>
-              </a:ext>
-            </a:extLst>
-          </p:cNvPr>
-          <p:cNvCxnSpPr>
-            <a:cxnSpLocks/>
-          </p:cNvCxnSpPr>
-          <p:nvPr/>
-        </p:nvCxnSpPr>
-        <p:spPr>
-          <a:xfrm>
-            <a:off x="4559524" y="3914319"/>
-            <a:ext cx="1391479" cy="0"/>
-          </a:xfrm>
-          <a:prstGeom prst="straightConnector1">
-            <a:avLst/>
-          </a:prstGeom>
-          <a:ln w="38100">
-            <a:solidFill>
-              <a:schemeClr val="bg2">
-                <a:lumMod val="50000"/>
-              </a:schemeClr>
-            </a:solidFill>
-            <a:headEnd type="triangle"/>
-            <a:tailEnd type="triangle"/>
-          </a:ln>
-        </p:spPr>
-        <p:style>
-          <a:lnRef idx="1">
-            <a:schemeClr val="accent1"/>
-          </a:lnRef>
-          <a:fillRef idx="0">
-            <a:schemeClr val="accent1"/>
-          </a:fillRef>
-          <a:effectRef idx="0">
-            <a:schemeClr val="accent1"/>
-          </a:effectRef>
-          <a:fontRef idx="minor">
-            <a:schemeClr val="tx1"/>
-          </a:fontRef>
-        </p:style>
-      </p:cxnSp>
-      <p:sp>
-        <p:nvSpPr>
-          <p:cNvPr id="28" name="TextBox 27">
-            <a:extLst>
-              <a:ext uri="{FF2B5EF4-FFF2-40B4-BE49-F238E27FC236}">
-                <a16:creationId xmlns:a16="http://schemas.microsoft.com/office/drawing/2014/main" id="{A4A43FFC-50C0-9DF3-4DD4-C2BF0C2CF139}"/>
-              </a:ext>
-            </a:extLst>
-          </p:cNvPr>
-          <p:cNvSpPr txBox="1"/>
-          <p:nvPr/>
-        </p:nvSpPr>
-        <p:spPr>
-          <a:xfrm>
-            <a:off x="5135499" y="3894441"/>
-            <a:ext cx="297712" cy="461665"/>
-          </a:xfrm>
-          <a:prstGeom prst="rect">
-            <a:avLst/>
-          </a:prstGeom>
-          <a:noFill/>
-        </p:spPr>
-        <p:txBody>
-          <a:bodyPr wrap="square" rtlCol="0">
-            <a:spAutoFit/>
-          </a:bodyPr>
-          <a:lstStyle/>
-          <a:p>
-            <a:r>
-              <a:rPr lang="en-US" sz="2400" i="1" dirty="0">
-                <a:latin typeface="Times" pitchFamily="2" charset="0"/>
-              </a:rPr>
-              <a:t>a </a:t>
-            </a:r>
-          </a:p>
-        </p:txBody>
-      </p:sp>
     </p:spTree>
     <p:extLst>
       <p:ext uri="{BB962C8B-B14F-4D97-AF65-F5344CB8AC3E}">
-        <p14:creationId xmlns:p14="http://schemas.microsoft.com/office/powerpoint/2010/main" val="3078185161"/>
+        <p14:creationId xmlns:p14="http://schemas.microsoft.com/office/powerpoint/2010/main" val="669315090"/>
       </p:ext>
     </p:extLst>
   </p:cSld>
@@ -9567,6 +9086,3824 @@
       </p:grpSpPr>
       <p:sp>
         <p:nvSpPr>
+          <p:cNvPr id="8" name="Rectangle 7">
+            <a:extLst>
+              <a:ext uri="{FF2B5EF4-FFF2-40B4-BE49-F238E27FC236}">
+                <a16:creationId xmlns:a16="http://schemas.microsoft.com/office/drawing/2014/main" id="{B6B2D670-6AB8-8071-38E5-B63DDA1E3732}"/>
+              </a:ext>
+            </a:extLst>
+          </p:cNvPr>
+          <p:cNvSpPr/>
+          <p:nvPr/>
+        </p:nvSpPr>
+        <p:spPr>
+          <a:xfrm>
+            <a:off x="1086522" y="2964758"/>
+            <a:ext cx="9488245" cy="905059"/>
+          </a:xfrm>
+          <a:prstGeom prst="rect">
+            <a:avLst/>
+          </a:prstGeom>
+          <a:solidFill>
+            <a:srgbClr val="FF0000">
+              <a:alpha val="9804"/>
+            </a:srgbClr>
+          </a:solidFill>
+          <a:ln>
+            <a:noFill/>
+          </a:ln>
+        </p:spPr>
+        <p:style>
+          <a:lnRef idx="2">
+            <a:schemeClr val="accent1">
+              <a:shade val="50000"/>
+            </a:schemeClr>
+          </a:lnRef>
+          <a:fillRef idx="1">
+            <a:schemeClr val="accent1"/>
+          </a:fillRef>
+          <a:effectRef idx="0">
+            <a:schemeClr val="accent1"/>
+          </a:effectRef>
+          <a:fontRef idx="minor">
+            <a:schemeClr val="lt1"/>
+          </a:fontRef>
+        </p:style>
+        <p:txBody>
+          <a:bodyPr rtlCol="0" anchor="ctr"/>
+          <a:lstStyle/>
+          <a:p>
+            <a:pPr algn="ctr"/>
+            <a:endParaRPr lang="en-US"/>
+          </a:p>
+        </p:txBody>
+      </p:sp>
+      <p:sp>
+        <p:nvSpPr>
+          <p:cNvPr id="13" name="Trapezium 12">
+            <a:extLst>
+              <a:ext uri="{FF2B5EF4-FFF2-40B4-BE49-F238E27FC236}">
+                <a16:creationId xmlns:a16="http://schemas.microsoft.com/office/drawing/2014/main" id="{545A289E-9980-EE4B-DBD4-ED1AB366C590}"/>
+              </a:ext>
+            </a:extLst>
+          </p:cNvPr>
+          <p:cNvSpPr/>
+          <p:nvPr/>
+        </p:nvSpPr>
+        <p:spPr>
+          <a:xfrm>
+            <a:off x="4040517" y="3442248"/>
+            <a:ext cx="1075228" cy="1443134"/>
+          </a:xfrm>
+          <a:prstGeom prst="trapezoid">
+            <a:avLst/>
+          </a:prstGeom>
+          <a:solidFill>
+            <a:schemeClr val="accent2">
+              <a:lumMod val="60000"/>
+              <a:lumOff val="40000"/>
+              <a:alpha val="20000"/>
+            </a:schemeClr>
+          </a:solidFill>
+          <a:ln>
+            <a:noFill/>
+          </a:ln>
+        </p:spPr>
+        <p:style>
+          <a:lnRef idx="2">
+            <a:schemeClr val="accent1">
+              <a:shade val="50000"/>
+            </a:schemeClr>
+          </a:lnRef>
+          <a:fillRef idx="1">
+            <a:schemeClr val="accent1"/>
+          </a:fillRef>
+          <a:effectRef idx="0">
+            <a:schemeClr val="accent1"/>
+          </a:effectRef>
+          <a:fontRef idx="minor">
+            <a:schemeClr val="lt1"/>
+          </a:fontRef>
+        </p:style>
+        <p:txBody>
+          <a:bodyPr rtlCol="0" anchor="ctr"/>
+          <a:lstStyle/>
+          <a:p>
+            <a:pPr algn="ctr"/>
+            <a:endParaRPr lang="en-US"/>
+          </a:p>
+        </p:txBody>
+      </p:sp>
+      <p:sp>
+        <p:nvSpPr>
+          <p:cNvPr id="12" name="Trapezium 11">
+            <a:extLst>
+              <a:ext uri="{FF2B5EF4-FFF2-40B4-BE49-F238E27FC236}">
+                <a16:creationId xmlns:a16="http://schemas.microsoft.com/office/drawing/2014/main" id="{42691D6A-4907-6724-9B5A-A28C68B08F24}"/>
+              </a:ext>
+            </a:extLst>
+          </p:cNvPr>
+          <p:cNvSpPr/>
+          <p:nvPr/>
+        </p:nvSpPr>
+        <p:spPr>
+          <a:xfrm rot="10800000">
+            <a:off x="4031789" y="1942557"/>
+            <a:ext cx="1075228" cy="1443134"/>
+          </a:xfrm>
+          <a:prstGeom prst="trapezoid">
+            <a:avLst/>
+          </a:prstGeom>
+          <a:solidFill>
+            <a:schemeClr val="accent2">
+              <a:lumMod val="60000"/>
+              <a:lumOff val="40000"/>
+              <a:alpha val="20000"/>
+            </a:schemeClr>
+          </a:solidFill>
+          <a:ln>
+            <a:noFill/>
+          </a:ln>
+        </p:spPr>
+        <p:style>
+          <a:lnRef idx="2">
+            <a:schemeClr val="accent1">
+              <a:shade val="50000"/>
+            </a:schemeClr>
+          </a:lnRef>
+          <a:fillRef idx="1">
+            <a:schemeClr val="accent1"/>
+          </a:fillRef>
+          <a:effectRef idx="0">
+            <a:schemeClr val="accent1"/>
+          </a:effectRef>
+          <a:fontRef idx="minor">
+            <a:schemeClr val="lt1"/>
+          </a:fontRef>
+        </p:style>
+        <p:txBody>
+          <a:bodyPr rtlCol="0" anchor="ctr"/>
+          <a:lstStyle/>
+          <a:p>
+            <a:pPr algn="ctr"/>
+            <a:endParaRPr lang="en-US"/>
+          </a:p>
+        </p:txBody>
+      </p:sp>
+      <p:sp>
+        <p:nvSpPr>
+          <p:cNvPr id="11" name="Trapezium 10">
+            <a:extLst>
+              <a:ext uri="{FF2B5EF4-FFF2-40B4-BE49-F238E27FC236}">
+                <a16:creationId xmlns:a16="http://schemas.microsoft.com/office/drawing/2014/main" id="{397AA7A2-156E-EA43-643A-4B4CB384D1E1}"/>
+              </a:ext>
+            </a:extLst>
+          </p:cNvPr>
+          <p:cNvSpPr/>
+          <p:nvPr/>
+        </p:nvSpPr>
+        <p:spPr>
+          <a:xfrm rot="10800000">
+            <a:off x="2716511" y="1939242"/>
+            <a:ext cx="1075228" cy="1443134"/>
+          </a:xfrm>
+          <a:prstGeom prst="trapezoid">
+            <a:avLst/>
+          </a:prstGeom>
+          <a:solidFill>
+            <a:schemeClr val="accent2">
+              <a:lumMod val="60000"/>
+              <a:lumOff val="40000"/>
+              <a:alpha val="20000"/>
+            </a:schemeClr>
+          </a:solidFill>
+          <a:ln>
+            <a:noFill/>
+          </a:ln>
+        </p:spPr>
+        <p:style>
+          <a:lnRef idx="2">
+            <a:schemeClr val="accent1">
+              <a:shade val="50000"/>
+            </a:schemeClr>
+          </a:lnRef>
+          <a:fillRef idx="1">
+            <a:schemeClr val="accent1"/>
+          </a:fillRef>
+          <a:effectRef idx="0">
+            <a:schemeClr val="accent1"/>
+          </a:effectRef>
+          <a:fontRef idx="minor">
+            <a:schemeClr val="lt1"/>
+          </a:fontRef>
+        </p:style>
+        <p:txBody>
+          <a:bodyPr rtlCol="0" anchor="ctr"/>
+          <a:lstStyle/>
+          <a:p>
+            <a:pPr algn="ctr"/>
+            <a:endParaRPr lang="en-US"/>
+          </a:p>
+        </p:txBody>
+      </p:sp>
+      <p:sp>
+        <p:nvSpPr>
+          <p:cNvPr id="10" name="Trapezium 9">
+            <a:extLst>
+              <a:ext uri="{FF2B5EF4-FFF2-40B4-BE49-F238E27FC236}">
+                <a16:creationId xmlns:a16="http://schemas.microsoft.com/office/drawing/2014/main" id="{B74E71A1-EB38-1246-127A-4AD1FD3DBD78}"/>
+              </a:ext>
+            </a:extLst>
+          </p:cNvPr>
+          <p:cNvSpPr/>
+          <p:nvPr/>
+        </p:nvSpPr>
+        <p:spPr>
+          <a:xfrm>
+            <a:off x="2735181" y="3428994"/>
+            <a:ext cx="1075228" cy="1443134"/>
+          </a:xfrm>
+          <a:prstGeom prst="trapezoid">
+            <a:avLst/>
+          </a:prstGeom>
+          <a:solidFill>
+            <a:schemeClr val="accent2">
+              <a:lumMod val="60000"/>
+              <a:lumOff val="40000"/>
+              <a:alpha val="20000"/>
+            </a:schemeClr>
+          </a:solidFill>
+          <a:ln>
+            <a:noFill/>
+          </a:ln>
+        </p:spPr>
+        <p:style>
+          <a:lnRef idx="2">
+            <a:schemeClr val="accent1">
+              <a:shade val="50000"/>
+            </a:schemeClr>
+          </a:lnRef>
+          <a:fillRef idx="1">
+            <a:schemeClr val="accent1"/>
+          </a:fillRef>
+          <a:effectRef idx="0">
+            <a:schemeClr val="accent1"/>
+          </a:effectRef>
+          <a:fontRef idx="minor">
+            <a:schemeClr val="lt1"/>
+          </a:fontRef>
+        </p:style>
+        <p:txBody>
+          <a:bodyPr rtlCol="0" anchor="ctr"/>
+          <a:lstStyle/>
+          <a:p>
+            <a:pPr algn="ctr"/>
+            <a:endParaRPr lang="en-US"/>
+          </a:p>
+        </p:txBody>
+      </p:sp>
+      <p:sp>
+        <p:nvSpPr>
+          <p:cNvPr id="4" name="Oval 3">
+            <a:extLst>
+              <a:ext uri="{FF2B5EF4-FFF2-40B4-BE49-F238E27FC236}">
+                <a16:creationId xmlns:a16="http://schemas.microsoft.com/office/drawing/2014/main" id="{9F33C30E-0589-98B2-8A67-90FF2BB21EE9}"/>
+              </a:ext>
+            </a:extLst>
+          </p:cNvPr>
+          <p:cNvSpPr/>
+          <p:nvPr/>
+        </p:nvSpPr>
+        <p:spPr>
+          <a:xfrm>
+            <a:off x="2946604" y="3145417"/>
+            <a:ext cx="593651" cy="593651"/>
+          </a:xfrm>
+          <a:prstGeom prst="ellipse">
+            <a:avLst/>
+          </a:prstGeom>
+          <a:gradFill flip="none" rotWithShape="1">
+            <a:gsLst>
+              <a:gs pos="0">
+                <a:schemeClr val="accent1">
+                  <a:shade val="30000"/>
+                  <a:satMod val="115000"/>
+                </a:schemeClr>
+              </a:gs>
+              <a:gs pos="50000">
+                <a:schemeClr val="accent1">
+                  <a:shade val="67500"/>
+                  <a:satMod val="115000"/>
+                </a:schemeClr>
+              </a:gs>
+              <a:gs pos="100000">
+                <a:schemeClr val="accent1">
+                  <a:shade val="100000"/>
+                  <a:satMod val="115000"/>
+                </a:schemeClr>
+              </a:gs>
+            </a:gsLst>
+            <a:path path="circle">
+              <a:fillToRect l="50000" t="50000" r="50000" b="50000"/>
+            </a:path>
+            <a:tileRect/>
+          </a:gradFill>
+        </p:spPr>
+        <p:style>
+          <a:lnRef idx="2">
+            <a:schemeClr val="accent1">
+              <a:shade val="50000"/>
+            </a:schemeClr>
+          </a:lnRef>
+          <a:fillRef idx="1">
+            <a:schemeClr val="accent1"/>
+          </a:fillRef>
+          <a:effectRef idx="0">
+            <a:schemeClr val="accent1"/>
+          </a:effectRef>
+          <a:fontRef idx="minor">
+            <a:schemeClr val="lt1"/>
+          </a:fontRef>
+        </p:style>
+        <p:txBody>
+          <a:bodyPr rtlCol="0" anchor="ctr"/>
+          <a:lstStyle/>
+          <a:p>
+            <a:pPr algn="ctr"/>
+            <a:r>
+              <a:rPr lang="en-US" dirty="0"/>
+              <a:t>1</a:t>
+            </a:r>
+          </a:p>
+        </p:txBody>
+      </p:sp>
+      <p:sp>
+        <p:nvSpPr>
+          <p:cNvPr id="5" name="Oval 4">
+            <a:extLst>
+              <a:ext uri="{FF2B5EF4-FFF2-40B4-BE49-F238E27FC236}">
+                <a16:creationId xmlns:a16="http://schemas.microsoft.com/office/drawing/2014/main" id="{557B2D17-EDF9-4C61-1FE2-B3EC825F73C9}"/>
+              </a:ext>
+            </a:extLst>
+          </p:cNvPr>
+          <p:cNvSpPr/>
+          <p:nvPr/>
+        </p:nvSpPr>
+        <p:spPr>
+          <a:xfrm>
+            <a:off x="4281757" y="3138793"/>
+            <a:ext cx="593651" cy="593651"/>
+          </a:xfrm>
+          <a:prstGeom prst="ellipse">
+            <a:avLst/>
+          </a:prstGeom>
+          <a:gradFill flip="none" rotWithShape="1">
+            <a:gsLst>
+              <a:gs pos="0">
+                <a:schemeClr val="accent1">
+                  <a:shade val="30000"/>
+                  <a:satMod val="115000"/>
+                </a:schemeClr>
+              </a:gs>
+              <a:gs pos="50000">
+                <a:schemeClr val="accent1">
+                  <a:shade val="67500"/>
+                  <a:satMod val="115000"/>
+                </a:schemeClr>
+              </a:gs>
+              <a:gs pos="100000">
+                <a:schemeClr val="accent1">
+                  <a:shade val="100000"/>
+                  <a:satMod val="115000"/>
+                </a:schemeClr>
+              </a:gs>
+            </a:gsLst>
+            <a:path path="circle">
+              <a:fillToRect l="50000" t="50000" r="50000" b="50000"/>
+            </a:path>
+            <a:tileRect/>
+          </a:gradFill>
+        </p:spPr>
+        <p:style>
+          <a:lnRef idx="2">
+            <a:schemeClr val="accent1">
+              <a:shade val="50000"/>
+            </a:schemeClr>
+          </a:lnRef>
+          <a:fillRef idx="1">
+            <a:schemeClr val="accent1"/>
+          </a:fillRef>
+          <a:effectRef idx="0">
+            <a:schemeClr val="accent1"/>
+          </a:effectRef>
+          <a:fontRef idx="minor">
+            <a:schemeClr val="lt1"/>
+          </a:fontRef>
+        </p:style>
+        <p:txBody>
+          <a:bodyPr rtlCol="0" anchor="ctr"/>
+          <a:lstStyle/>
+          <a:p>
+            <a:pPr algn="ctr"/>
+            <a:r>
+              <a:rPr lang="en-US" dirty="0"/>
+              <a:t>2</a:t>
+            </a:r>
+          </a:p>
+        </p:txBody>
+      </p:sp>
+      <p:sp>
+        <p:nvSpPr>
+          <p:cNvPr id="2" name="Trapezium 1">
+            <a:extLst>
+              <a:ext uri="{FF2B5EF4-FFF2-40B4-BE49-F238E27FC236}">
+                <a16:creationId xmlns:a16="http://schemas.microsoft.com/office/drawing/2014/main" id="{111E8DF0-B8F6-966B-3F74-9446F9A4EEF3}"/>
+              </a:ext>
+            </a:extLst>
+          </p:cNvPr>
+          <p:cNvSpPr/>
+          <p:nvPr/>
+        </p:nvSpPr>
+        <p:spPr>
+          <a:xfrm>
+            <a:off x="5375671" y="3435624"/>
+            <a:ext cx="1075228" cy="1443134"/>
+          </a:xfrm>
+          <a:prstGeom prst="trapezoid">
+            <a:avLst/>
+          </a:prstGeom>
+          <a:solidFill>
+            <a:schemeClr val="accent2">
+              <a:lumMod val="60000"/>
+              <a:lumOff val="40000"/>
+              <a:alpha val="20000"/>
+            </a:schemeClr>
+          </a:solidFill>
+          <a:ln>
+            <a:noFill/>
+          </a:ln>
+        </p:spPr>
+        <p:style>
+          <a:lnRef idx="2">
+            <a:schemeClr val="accent1">
+              <a:shade val="50000"/>
+            </a:schemeClr>
+          </a:lnRef>
+          <a:fillRef idx="1">
+            <a:schemeClr val="accent1"/>
+          </a:fillRef>
+          <a:effectRef idx="0">
+            <a:schemeClr val="accent1"/>
+          </a:effectRef>
+          <a:fontRef idx="minor">
+            <a:schemeClr val="lt1"/>
+          </a:fontRef>
+        </p:style>
+        <p:txBody>
+          <a:bodyPr rtlCol="0" anchor="ctr"/>
+          <a:lstStyle/>
+          <a:p>
+            <a:pPr algn="ctr"/>
+            <a:endParaRPr lang="en-US"/>
+          </a:p>
+        </p:txBody>
+      </p:sp>
+      <p:sp>
+        <p:nvSpPr>
+          <p:cNvPr id="3" name="Trapezium 2">
+            <a:extLst>
+              <a:ext uri="{FF2B5EF4-FFF2-40B4-BE49-F238E27FC236}">
+                <a16:creationId xmlns:a16="http://schemas.microsoft.com/office/drawing/2014/main" id="{988B0392-FD69-3B0A-2326-CEC3D2185175}"/>
+              </a:ext>
+            </a:extLst>
+          </p:cNvPr>
+          <p:cNvSpPr/>
+          <p:nvPr/>
+        </p:nvSpPr>
+        <p:spPr>
+          <a:xfrm rot="10800000">
+            <a:off x="5366943" y="1935933"/>
+            <a:ext cx="1075228" cy="1443134"/>
+          </a:xfrm>
+          <a:prstGeom prst="trapezoid">
+            <a:avLst/>
+          </a:prstGeom>
+          <a:solidFill>
+            <a:schemeClr val="accent2">
+              <a:lumMod val="60000"/>
+              <a:lumOff val="40000"/>
+              <a:alpha val="20000"/>
+            </a:schemeClr>
+          </a:solidFill>
+          <a:ln>
+            <a:noFill/>
+          </a:ln>
+        </p:spPr>
+        <p:style>
+          <a:lnRef idx="2">
+            <a:schemeClr val="accent1">
+              <a:shade val="50000"/>
+            </a:schemeClr>
+          </a:lnRef>
+          <a:fillRef idx="1">
+            <a:schemeClr val="accent1"/>
+          </a:fillRef>
+          <a:effectRef idx="0">
+            <a:schemeClr val="accent1"/>
+          </a:effectRef>
+          <a:fontRef idx="minor">
+            <a:schemeClr val="lt1"/>
+          </a:fontRef>
+        </p:style>
+        <p:txBody>
+          <a:bodyPr rtlCol="0" anchor="ctr"/>
+          <a:lstStyle/>
+          <a:p>
+            <a:pPr algn="ctr"/>
+            <a:endParaRPr lang="en-US"/>
+          </a:p>
+        </p:txBody>
+      </p:sp>
+      <p:sp>
+        <p:nvSpPr>
+          <p:cNvPr id="16" name="Oval 15">
+            <a:extLst>
+              <a:ext uri="{FF2B5EF4-FFF2-40B4-BE49-F238E27FC236}">
+                <a16:creationId xmlns:a16="http://schemas.microsoft.com/office/drawing/2014/main" id="{3C483C5B-71D8-0512-0C89-6816AD8D5774}"/>
+              </a:ext>
+            </a:extLst>
+          </p:cNvPr>
+          <p:cNvSpPr/>
+          <p:nvPr/>
+        </p:nvSpPr>
+        <p:spPr>
+          <a:xfrm>
+            <a:off x="5616911" y="3132169"/>
+            <a:ext cx="593651" cy="593651"/>
+          </a:xfrm>
+          <a:prstGeom prst="ellipse">
+            <a:avLst/>
+          </a:prstGeom>
+          <a:gradFill flip="none" rotWithShape="1">
+            <a:gsLst>
+              <a:gs pos="0">
+                <a:schemeClr val="accent1">
+                  <a:shade val="30000"/>
+                  <a:satMod val="115000"/>
+                </a:schemeClr>
+              </a:gs>
+              <a:gs pos="50000">
+                <a:schemeClr val="accent1">
+                  <a:shade val="67500"/>
+                  <a:satMod val="115000"/>
+                </a:schemeClr>
+              </a:gs>
+              <a:gs pos="100000">
+                <a:schemeClr val="accent1">
+                  <a:shade val="100000"/>
+                  <a:satMod val="115000"/>
+                </a:schemeClr>
+              </a:gs>
+            </a:gsLst>
+            <a:path path="circle">
+              <a:fillToRect l="50000" t="50000" r="50000" b="50000"/>
+            </a:path>
+            <a:tileRect/>
+          </a:gradFill>
+        </p:spPr>
+        <p:style>
+          <a:lnRef idx="2">
+            <a:schemeClr val="accent1">
+              <a:shade val="50000"/>
+            </a:schemeClr>
+          </a:lnRef>
+          <a:fillRef idx="1">
+            <a:schemeClr val="accent1"/>
+          </a:fillRef>
+          <a:effectRef idx="0">
+            <a:schemeClr val="accent1"/>
+          </a:effectRef>
+          <a:fontRef idx="minor">
+            <a:schemeClr val="lt1"/>
+          </a:fontRef>
+        </p:style>
+        <p:txBody>
+          <a:bodyPr rtlCol="0" anchor="ctr"/>
+          <a:lstStyle/>
+          <a:p>
+            <a:pPr algn="ctr"/>
+            <a:r>
+              <a:rPr lang="en-US" dirty="0"/>
+              <a:t>3</a:t>
+            </a:r>
+          </a:p>
+        </p:txBody>
+      </p:sp>
+      <p:sp>
+        <p:nvSpPr>
+          <p:cNvPr id="17" name="Trapezium 16">
+            <a:extLst>
+              <a:ext uri="{FF2B5EF4-FFF2-40B4-BE49-F238E27FC236}">
+                <a16:creationId xmlns:a16="http://schemas.microsoft.com/office/drawing/2014/main" id="{86F5811F-7A3D-4389-A308-B8AB0BC2CA7E}"/>
+              </a:ext>
+            </a:extLst>
+          </p:cNvPr>
+          <p:cNvSpPr/>
+          <p:nvPr/>
+        </p:nvSpPr>
+        <p:spPr>
+          <a:xfrm>
+            <a:off x="7983033" y="3429000"/>
+            <a:ext cx="1075228" cy="1443134"/>
+          </a:xfrm>
+          <a:prstGeom prst="trapezoid">
+            <a:avLst/>
+          </a:prstGeom>
+          <a:solidFill>
+            <a:schemeClr val="accent2">
+              <a:lumMod val="60000"/>
+              <a:lumOff val="40000"/>
+              <a:alpha val="20000"/>
+            </a:schemeClr>
+          </a:solidFill>
+          <a:ln>
+            <a:noFill/>
+          </a:ln>
+        </p:spPr>
+        <p:style>
+          <a:lnRef idx="2">
+            <a:schemeClr val="accent1">
+              <a:shade val="50000"/>
+            </a:schemeClr>
+          </a:lnRef>
+          <a:fillRef idx="1">
+            <a:schemeClr val="accent1"/>
+          </a:fillRef>
+          <a:effectRef idx="0">
+            <a:schemeClr val="accent1"/>
+          </a:effectRef>
+          <a:fontRef idx="minor">
+            <a:schemeClr val="lt1"/>
+          </a:fontRef>
+        </p:style>
+        <p:txBody>
+          <a:bodyPr rtlCol="0" anchor="ctr"/>
+          <a:lstStyle/>
+          <a:p>
+            <a:pPr algn="ctr"/>
+            <a:endParaRPr lang="en-US"/>
+          </a:p>
+        </p:txBody>
+      </p:sp>
+      <p:sp>
+        <p:nvSpPr>
+          <p:cNvPr id="18" name="Trapezium 17">
+            <a:extLst>
+              <a:ext uri="{FF2B5EF4-FFF2-40B4-BE49-F238E27FC236}">
+                <a16:creationId xmlns:a16="http://schemas.microsoft.com/office/drawing/2014/main" id="{E456A13A-0265-2363-CB4B-D792C60F29A1}"/>
+              </a:ext>
+            </a:extLst>
+          </p:cNvPr>
+          <p:cNvSpPr/>
+          <p:nvPr/>
+        </p:nvSpPr>
+        <p:spPr>
+          <a:xfrm rot="10800000">
+            <a:off x="7974305" y="1929309"/>
+            <a:ext cx="1075228" cy="1443134"/>
+          </a:xfrm>
+          <a:prstGeom prst="trapezoid">
+            <a:avLst/>
+          </a:prstGeom>
+          <a:solidFill>
+            <a:schemeClr val="accent2">
+              <a:lumMod val="60000"/>
+              <a:lumOff val="40000"/>
+              <a:alpha val="20000"/>
+            </a:schemeClr>
+          </a:solidFill>
+          <a:ln>
+            <a:noFill/>
+          </a:ln>
+        </p:spPr>
+        <p:style>
+          <a:lnRef idx="2">
+            <a:schemeClr val="accent1">
+              <a:shade val="50000"/>
+            </a:schemeClr>
+          </a:lnRef>
+          <a:fillRef idx="1">
+            <a:schemeClr val="accent1"/>
+          </a:fillRef>
+          <a:effectRef idx="0">
+            <a:schemeClr val="accent1"/>
+          </a:effectRef>
+          <a:fontRef idx="minor">
+            <a:schemeClr val="lt1"/>
+          </a:fontRef>
+        </p:style>
+        <p:txBody>
+          <a:bodyPr rtlCol="0" anchor="ctr"/>
+          <a:lstStyle/>
+          <a:p>
+            <a:pPr algn="ctr"/>
+            <a:endParaRPr lang="en-US"/>
+          </a:p>
+        </p:txBody>
+      </p:sp>
+      <p:sp>
+        <p:nvSpPr>
+          <p:cNvPr id="19" name="Oval 18">
+            <a:extLst>
+              <a:ext uri="{FF2B5EF4-FFF2-40B4-BE49-F238E27FC236}">
+                <a16:creationId xmlns:a16="http://schemas.microsoft.com/office/drawing/2014/main" id="{3D80FE92-2AD1-6862-3F20-92AE6D76DB69}"/>
+              </a:ext>
+            </a:extLst>
+          </p:cNvPr>
+          <p:cNvSpPr/>
+          <p:nvPr/>
+        </p:nvSpPr>
+        <p:spPr>
+          <a:xfrm>
+            <a:off x="8224273" y="3125545"/>
+            <a:ext cx="593651" cy="593651"/>
+          </a:xfrm>
+          <a:prstGeom prst="ellipse">
+            <a:avLst/>
+          </a:prstGeom>
+          <a:gradFill flip="none" rotWithShape="1">
+            <a:gsLst>
+              <a:gs pos="0">
+                <a:schemeClr val="accent1">
+                  <a:shade val="30000"/>
+                  <a:satMod val="115000"/>
+                </a:schemeClr>
+              </a:gs>
+              <a:gs pos="50000">
+                <a:schemeClr val="accent1">
+                  <a:shade val="67500"/>
+                  <a:satMod val="115000"/>
+                </a:schemeClr>
+              </a:gs>
+              <a:gs pos="100000">
+                <a:schemeClr val="accent1">
+                  <a:shade val="100000"/>
+                  <a:satMod val="115000"/>
+                </a:schemeClr>
+              </a:gs>
+            </a:gsLst>
+            <a:path path="circle">
+              <a:fillToRect l="50000" t="50000" r="50000" b="50000"/>
+            </a:path>
+            <a:tileRect/>
+          </a:gradFill>
+        </p:spPr>
+        <p:style>
+          <a:lnRef idx="2">
+            <a:schemeClr val="accent1">
+              <a:shade val="50000"/>
+            </a:schemeClr>
+          </a:lnRef>
+          <a:fillRef idx="1">
+            <a:schemeClr val="accent1"/>
+          </a:fillRef>
+          <a:effectRef idx="0">
+            <a:schemeClr val="accent1"/>
+          </a:effectRef>
+          <a:fontRef idx="minor">
+            <a:schemeClr val="lt1"/>
+          </a:fontRef>
+        </p:style>
+        <p:txBody>
+          <a:bodyPr rtlCol="0" anchor="ctr"/>
+          <a:lstStyle/>
+          <a:p>
+            <a:pPr algn="ctr"/>
+            <a:r>
+              <a:rPr lang="en-US" dirty="0"/>
+              <a:t>N</a:t>
+            </a:r>
+          </a:p>
+        </p:txBody>
+      </p:sp>
+      <p:sp>
+        <p:nvSpPr>
+          <p:cNvPr id="20" name="TextBox 19">
+            <a:extLst>
+              <a:ext uri="{FF2B5EF4-FFF2-40B4-BE49-F238E27FC236}">
+                <a16:creationId xmlns:a16="http://schemas.microsoft.com/office/drawing/2014/main" id="{257DD48A-63C0-0A31-457F-BF7F8DF10B63}"/>
+              </a:ext>
+            </a:extLst>
+          </p:cNvPr>
+          <p:cNvSpPr txBox="1"/>
+          <p:nvPr/>
+        </p:nvSpPr>
+        <p:spPr>
+          <a:xfrm>
+            <a:off x="6826474" y="3244328"/>
+            <a:ext cx="780983" cy="369332"/>
+          </a:xfrm>
+          <a:prstGeom prst="rect">
+            <a:avLst/>
+          </a:prstGeom>
+          <a:noFill/>
+        </p:spPr>
+        <p:txBody>
+          <a:bodyPr wrap="none" rtlCol="0">
+            <a:spAutoFit/>
+          </a:bodyPr>
+          <a:lstStyle/>
+          <a:p>
+            <a:r>
+              <a:rPr lang="en-US" dirty="0"/>
+              <a:t> .   .   . </a:t>
+            </a:r>
+          </a:p>
+        </p:txBody>
+      </p:sp>
+      <p:cxnSp>
+        <p:nvCxnSpPr>
+          <p:cNvPr id="21" name="Straight Arrow Connector 20">
+            <a:extLst>
+              <a:ext uri="{FF2B5EF4-FFF2-40B4-BE49-F238E27FC236}">
+                <a16:creationId xmlns:a16="http://schemas.microsoft.com/office/drawing/2014/main" id="{8652993F-A4FA-B34F-F2CE-0AA6A9D9E86D}"/>
+              </a:ext>
+            </a:extLst>
+          </p:cNvPr>
+          <p:cNvCxnSpPr>
+            <a:cxnSpLocks/>
+          </p:cNvCxnSpPr>
+          <p:nvPr/>
+        </p:nvCxnSpPr>
+        <p:spPr>
+          <a:xfrm>
+            <a:off x="3187918" y="3913119"/>
+            <a:ext cx="1391479" cy="0"/>
+          </a:xfrm>
+          <a:prstGeom prst="straightConnector1">
+            <a:avLst/>
+          </a:prstGeom>
+          <a:ln w="38100">
+            <a:solidFill>
+              <a:schemeClr val="bg2">
+                <a:lumMod val="50000"/>
+              </a:schemeClr>
+            </a:solidFill>
+            <a:headEnd type="triangle"/>
+            <a:tailEnd type="triangle"/>
+          </a:ln>
+        </p:spPr>
+        <p:style>
+          <a:lnRef idx="1">
+            <a:schemeClr val="accent1"/>
+          </a:lnRef>
+          <a:fillRef idx="0">
+            <a:schemeClr val="accent1"/>
+          </a:fillRef>
+          <a:effectRef idx="0">
+            <a:schemeClr val="accent1"/>
+          </a:effectRef>
+          <a:fontRef idx="minor">
+            <a:schemeClr val="tx1"/>
+          </a:fontRef>
+        </p:style>
+      </p:cxnSp>
+      <p:sp>
+        <p:nvSpPr>
+          <p:cNvPr id="25" name="TextBox 24">
+            <a:extLst>
+              <a:ext uri="{FF2B5EF4-FFF2-40B4-BE49-F238E27FC236}">
+                <a16:creationId xmlns:a16="http://schemas.microsoft.com/office/drawing/2014/main" id="{B663A75E-2013-2DF3-33CD-AF66FBC68158}"/>
+              </a:ext>
+            </a:extLst>
+          </p:cNvPr>
+          <p:cNvSpPr txBox="1"/>
+          <p:nvPr/>
+        </p:nvSpPr>
+        <p:spPr>
+          <a:xfrm>
+            <a:off x="3763893" y="3893241"/>
+            <a:ext cx="297712" cy="461665"/>
+          </a:xfrm>
+          <a:prstGeom prst="rect">
+            <a:avLst/>
+          </a:prstGeom>
+          <a:noFill/>
+        </p:spPr>
+        <p:txBody>
+          <a:bodyPr wrap="square" rtlCol="0">
+            <a:spAutoFit/>
+          </a:bodyPr>
+          <a:lstStyle/>
+          <a:p>
+            <a:r>
+              <a:rPr lang="en-US" sz="2400" i="1" dirty="0">
+                <a:latin typeface="Times" pitchFamily="2" charset="0"/>
+              </a:rPr>
+              <a:t>a </a:t>
+            </a:r>
+          </a:p>
+        </p:txBody>
+      </p:sp>
+      <p:sp>
+        <p:nvSpPr>
+          <p:cNvPr id="6" name="Right Arrow 5">
+            <a:extLst>
+              <a:ext uri="{FF2B5EF4-FFF2-40B4-BE49-F238E27FC236}">
+                <a16:creationId xmlns:a16="http://schemas.microsoft.com/office/drawing/2014/main" id="{E5E2B3EA-E3EB-C535-1A3F-B4A104713A3E}"/>
+              </a:ext>
+            </a:extLst>
+          </p:cNvPr>
+          <p:cNvSpPr/>
+          <p:nvPr/>
+        </p:nvSpPr>
+        <p:spPr>
+          <a:xfrm>
+            <a:off x="1203047" y="3255927"/>
+            <a:ext cx="1286589" cy="369332"/>
+          </a:xfrm>
+          <a:prstGeom prst="rightArrow">
+            <a:avLst/>
+          </a:prstGeom>
+          <a:gradFill flip="none" rotWithShape="1">
+            <a:gsLst>
+              <a:gs pos="0">
+                <a:srgbClr val="FF0000">
+                  <a:shade val="30000"/>
+                  <a:satMod val="115000"/>
+                </a:srgbClr>
+              </a:gs>
+              <a:gs pos="50000">
+                <a:srgbClr val="FF0000">
+                  <a:shade val="67500"/>
+                  <a:satMod val="115000"/>
+                </a:srgbClr>
+              </a:gs>
+              <a:gs pos="100000">
+                <a:srgbClr val="FF0000">
+                  <a:shade val="100000"/>
+                  <a:satMod val="115000"/>
+                </a:srgbClr>
+              </a:gs>
+            </a:gsLst>
+            <a:lin ang="10800000" scaled="1"/>
+            <a:tileRect/>
+          </a:gradFill>
+          <a:ln>
+            <a:noFill/>
+          </a:ln>
+        </p:spPr>
+        <p:style>
+          <a:lnRef idx="2">
+            <a:schemeClr val="accent1">
+              <a:shade val="50000"/>
+            </a:schemeClr>
+          </a:lnRef>
+          <a:fillRef idx="1">
+            <a:schemeClr val="accent1"/>
+          </a:fillRef>
+          <a:effectRef idx="0">
+            <a:schemeClr val="accent1"/>
+          </a:effectRef>
+          <a:fontRef idx="minor">
+            <a:schemeClr val="lt1"/>
+          </a:fontRef>
+        </p:style>
+        <p:txBody>
+          <a:bodyPr rtlCol="0" anchor="ctr"/>
+          <a:lstStyle/>
+          <a:p>
+            <a:pPr algn="ctr"/>
+            <a:endParaRPr lang="en-US"/>
+          </a:p>
+        </p:txBody>
+      </p:sp>
+      <p:sp>
+        <p:nvSpPr>
+          <p:cNvPr id="7" name="Right Arrow 6">
+            <a:extLst>
+              <a:ext uri="{FF2B5EF4-FFF2-40B4-BE49-F238E27FC236}">
+                <a16:creationId xmlns:a16="http://schemas.microsoft.com/office/drawing/2014/main" id="{BA2EF6F2-EFE5-F6C9-9C6A-C0027024843F}"/>
+              </a:ext>
+            </a:extLst>
+          </p:cNvPr>
+          <p:cNvSpPr/>
+          <p:nvPr/>
+        </p:nvSpPr>
+        <p:spPr>
+          <a:xfrm rot="10800000">
+            <a:off x="9188908" y="3228355"/>
+            <a:ext cx="1289040" cy="369332"/>
+          </a:xfrm>
+          <a:prstGeom prst="rightArrow">
+            <a:avLst/>
+          </a:prstGeom>
+          <a:gradFill flip="none" rotWithShape="1">
+            <a:gsLst>
+              <a:gs pos="0">
+                <a:srgbClr val="FF0000">
+                  <a:shade val="30000"/>
+                  <a:satMod val="115000"/>
+                </a:srgbClr>
+              </a:gs>
+              <a:gs pos="50000">
+                <a:srgbClr val="FF0000">
+                  <a:shade val="67500"/>
+                  <a:satMod val="115000"/>
+                </a:srgbClr>
+              </a:gs>
+              <a:gs pos="100000">
+                <a:srgbClr val="FF0000">
+                  <a:shade val="100000"/>
+                  <a:satMod val="115000"/>
+                </a:srgbClr>
+              </a:gs>
+            </a:gsLst>
+            <a:lin ang="10800000" scaled="1"/>
+            <a:tileRect/>
+          </a:gradFill>
+          <a:ln>
+            <a:noFill/>
+          </a:ln>
+        </p:spPr>
+        <p:style>
+          <a:lnRef idx="2">
+            <a:schemeClr val="accent1">
+              <a:shade val="50000"/>
+            </a:schemeClr>
+          </a:lnRef>
+          <a:fillRef idx="1">
+            <a:schemeClr val="accent1"/>
+          </a:fillRef>
+          <a:effectRef idx="0">
+            <a:schemeClr val="accent1"/>
+          </a:effectRef>
+          <a:fontRef idx="minor">
+            <a:schemeClr val="lt1"/>
+          </a:fontRef>
+        </p:style>
+        <p:txBody>
+          <a:bodyPr rtlCol="0" anchor="ctr"/>
+          <a:lstStyle/>
+          <a:p>
+            <a:pPr algn="ctr"/>
+            <a:endParaRPr lang="en-US"/>
+          </a:p>
+        </p:txBody>
+      </p:sp>
+      <p:sp>
+        <p:nvSpPr>
+          <p:cNvPr id="22" name="TextBox 21">
+            <a:extLst>
+              <a:ext uri="{FF2B5EF4-FFF2-40B4-BE49-F238E27FC236}">
+                <a16:creationId xmlns:a16="http://schemas.microsoft.com/office/drawing/2014/main" id="{AB7FAD87-28F7-BF9F-3FE6-9720E00392E5}"/>
+              </a:ext>
+            </a:extLst>
+          </p:cNvPr>
+          <p:cNvSpPr txBox="1"/>
+          <p:nvPr/>
+        </p:nvSpPr>
+        <p:spPr>
+          <a:xfrm>
+            <a:off x="1086522" y="1901643"/>
+            <a:ext cx="1786852" cy="830997"/>
+          </a:xfrm>
+          <a:prstGeom prst="rect">
+            <a:avLst/>
+          </a:prstGeom>
+          <a:noFill/>
+        </p:spPr>
+        <p:txBody>
+          <a:bodyPr wrap="square" rtlCol="0">
+            <a:spAutoFit/>
+          </a:bodyPr>
+          <a:lstStyle/>
+          <a:p>
+            <a:r>
+              <a:rPr lang="en-US" sz="2400" i="1" dirty="0">
+                <a:solidFill>
+                  <a:schemeClr val="accent2">
+                    <a:lumMod val="40000"/>
+                    <a:lumOff val="60000"/>
+                  </a:schemeClr>
+                </a:solidFill>
+                <a:latin typeface="Times" pitchFamily="2" charset="0"/>
+              </a:rPr>
+              <a:t>Optical</a:t>
+            </a:r>
+          </a:p>
+          <a:p>
+            <a:r>
+              <a:rPr lang="en-US" sz="2400" i="1" dirty="0">
+                <a:solidFill>
+                  <a:schemeClr val="accent2">
+                    <a:lumMod val="40000"/>
+                    <a:lumOff val="60000"/>
+                  </a:schemeClr>
+                </a:solidFill>
+                <a:latin typeface="Times" pitchFamily="2" charset="0"/>
+              </a:rPr>
+              <a:t>Tweezers</a:t>
+            </a:r>
+          </a:p>
+        </p:txBody>
+      </p:sp>
+      <p:sp>
+        <p:nvSpPr>
+          <p:cNvPr id="23" name="TextBox 22">
+            <a:extLst>
+              <a:ext uri="{FF2B5EF4-FFF2-40B4-BE49-F238E27FC236}">
+                <a16:creationId xmlns:a16="http://schemas.microsoft.com/office/drawing/2014/main" id="{B30EE643-8B7D-72F7-0F40-892F34B38D53}"/>
+              </a:ext>
+            </a:extLst>
+          </p:cNvPr>
+          <p:cNvSpPr txBox="1"/>
+          <p:nvPr/>
+        </p:nvSpPr>
+        <p:spPr>
+          <a:xfrm>
+            <a:off x="8817924" y="4074269"/>
+            <a:ext cx="1786852" cy="830997"/>
+          </a:xfrm>
+          <a:prstGeom prst="rect">
+            <a:avLst/>
+          </a:prstGeom>
+          <a:noFill/>
+        </p:spPr>
+        <p:txBody>
+          <a:bodyPr wrap="square" rtlCol="0">
+            <a:spAutoFit/>
+          </a:bodyPr>
+          <a:lstStyle/>
+          <a:p>
+            <a:pPr algn="r"/>
+            <a:r>
+              <a:rPr lang="en-US" sz="2400" i="1" dirty="0">
+                <a:solidFill>
+                  <a:srgbClr val="FF0000"/>
+                </a:solidFill>
+                <a:latin typeface="Times" pitchFamily="2" charset="0"/>
+              </a:rPr>
+              <a:t>Driving </a:t>
+            </a:r>
+          </a:p>
+          <a:p>
+            <a:pPr algn="r"/>
+            <a:r>
+              <a:rPr lang="en-US" sz="2400" i="1" dirty="0">
+                <a:solidFill>
+                  <a:srgbClr val="FF0000"/>
+                </a:solidFill>
+                <a:latin typeface="Times" pitchFamily="2" charset="0"/>
+              </a:rPr>
+              <a:t>Laser</a:t>
+            </a:r>
+          </a:p>
+        </p:txBody>
+      </p:sp>
+      <p:cxnSp>
+        <p:nvCxnSpPr>
+          <p:cNvPr id="27" name="Straight Arrow Connector 26">
+            <a:extLst>
+              <a:ext uri="{FF2B5EF4-FFF2-40B4-BE49-F238E27FC236}">
+                <a16:creationId xmlns:a16="http://schemas.microsoft.com/office/drawing/2014/main" id="{702B44F4-C11F-9ADD-E6D0-3F619C75FDE5}"/>
+              </a:ext>
+            </a:extLst>
+          </p:cNvPr>
+          <p:cNvCxnSpPr>
+            <a:cxnSpLocks/>
+          </p:cNvCxnSpPr>
+          <p:nvPr/>
+        </p:nvCxnSpPr>
+        <p:spPr>
+          <a:xfrm>
+            <a:off x="4559524" y="3914319"/>
+            <a:ext cx="1391479" cy="0"/>
+          </a:xfrm>
+          <a:prstGeom prst="straightConnector1">
+            <a:avLst/>
+          </a:prstGeom>
+          <a:ln w="38100">
+            <a:solidFill>
+              <a:schemeClr val="bg2">
+                <a:lumMod val="50000"/>
+              </a:schemeClr>
+            </a:solidFill>
+            <a:headEnd type="triangle"/>
+            <a:tailEnd type="triangle"/>
+          </a:ln>
+        </p:spPr>
+        <p:style>
+          <a:lnRef idx="1">
+            <a:schemeClr val="accent1"/>
+          </a:lnRef>
+          <a:fillRef idx="0">
+            <a:schemeClr val="accent1"/>
+          </a:fillRef>
+          <a:effectRef idx="0">
+            <a:schemeClr val="accent1"/>
+          </a:effectRef>
+          <a:fontRef idx="minor">
+            <a:schemeClr val="tx1"/>
+          </a:fontRef>
+        </p:style>
+      </p:cxnSp>
+      <p:sp>
+        <p:nvSpPr>
+          <p:cNvPr id="28" name="TextBox 27">
+            <a:extLst>
+              <a:ext uri="{FF2B5EF4-FFF2-40B4-BE49-F238E27FC236}">
+                <a16:creationId xmlns:a16="http://schemas.microsoft.com/office/drawing/2014/main" id="{A4A43FFC-50C0-9DF3-4DD4-C2BF0C2CF139}"/>
+              </a:ext>
+            </a:extLst>
+          </p:cNvPr>
+          <p:cNvSpPr txBox="1"/>
+          <p:nvPr/>
+        </p:nvSpPr>
+        <p:spPr>
+          <a:xfrm>
+            <a:off x="5135499" y="3894441"/>
+            <a:ext cx="297712" cy="461665"/>
+          </a:xfrm>
+          <a:prstGeom prst="rect">
+            <a:avLst/>
+          </a:prstGeom>
+          <a:noFill/>
+        </p:spPr>
+        <p:txBody>
+          <a:bodyPr wrap="square" rtlCol="0">
+            <a:spAutoFit/>
+          </a:bodyPr>
+          <a:lstStyle/>
+          <a:p>
+            <a:r>
+              <a:rPr lang="en-US" sz="2400" i="1" dirty="0">
+                <a:latin typeface="Times" pitchFamily="2" charset="0"/>
+              </a:rPr>
+              <a:t>a </a:t>
+            </a:r>
+          </a:p>
+        </p:txBody>
+      </p:sp>
+    </p:spTree>
+    <p:extLst>
+      <p:ext uri="{BB962C8B-B14F-4D97-AF65-F5344CB8AC3E}">
+        <p14:creationId xmlns:p14="http://schemas.microsoft.com/office/powerpoint/2010/main" val="3078185161"/>
+      </p:ext>
+    </p:extLst>
+  </p:cSld>
+  <p:clrMapOvr>
+    <a:masterClrMapping/>
+  </p:clrMapOvr>
+</p:sld>
+</file>
+
+<file path=ppt/slides/slide16.xml><?xml version="1.0" encoding="utf-8"?>
+<p:sld xmlns:a="http://schemas.openxmlformats.org/drawingml/2006/main" xmlns:r="http://schemas.openxmlformats.org/officeDocument/2006/relationships" xmlns:p="http://schemas.openxmlformats.org/presentationml/2006/main">
+  <p:cSld>
+    <p:spTree>
+      <p:nvGrpSpPr>
+        <p:cNvPr id="1" name=""/>
+        <p:cNvGrpSpPr/>
+        <p:nvPr/>
+      </p:nvGrpSpPr>
+      <p:grpSpPr>
+        <a:xfrm>
+          <a:off x="0" y="0"/>
+          <a:ext cx="0" cy="0"/>
+          <a:chOff x="0" y="0"/>
+          <a:chExt cx="0" cy="0"/>
+        </a:xfrm>
+      </p:grpSpPr>
+      <p:sp>
+        <p:nvSpPr>
+          <p:cNvPr id="8" name="Rectangle 7">
+            <a:extLst>
+              <a:ext uri="{FF2B5EF4-FFF2-40B4-BE49-F238E27FC236}">
+                <a16:creationId xmlns:a16="http://schemas.microsoft.com/office/drawing/2014/main" id="{B6B2D670-6AB8-8071-38E5-B63DDA1E3732}"/>
+              </a:ext>
+            </a:extLst>
+          </p:cNvPr>
+          <p:cNvSpPr/>
+          <p:nvPr/>
+        </p:nvSpPr>
+        <p:spPr>
+          <a:xfrm>
+            <a:off x="1086522" y="2964758"/>
+            <a:ext cx="9488245" cy="905059"/>
+          </a:xfrm>
+          <a:prstGeom prst="rect">
+            <a:avLst/>
+          </a:prstGeom>
+          <a:solidFill>
+            <a:srgbClr val="FF0000">
+              <a:alpha val="25098"/>
+            </a:srgbClr>
+          </a:solidFill>
+          <a:ln>
+            <a:noFill/>
+          </a:ln>
+        </p:spPr>
+        <p:style>
+          <a:lnRef idx="2">
+            <a:schemeClr val="accent1">
+              <a:shade val="50000"/>
+            </a:schemeClr>
+          </a:lnRef>
+          <a:fillRef idx="1">
+            <a:schemeClr val="accent1"/>
+          </a:fillRef>
+          <a:effectRef idx="0">
+            <a:schemeClr val="accent1"/>
+          </a:effectRef>
+          <a:fontRef idx="minor">
+            <a:schemeClr val="lt1"/>
+          </a:fontRef>
+        </p:style>
+        <p:txBody>
+          <a:bodyPr rtlCol="0" anchor="ctr"/>
+          <a:lstStyle/>
+          <a:p>
+            <a:pPr algn="ctr"/>
+            <a:endParaRPr lang="en-US"/>
+          </a:p>
+        </p:txBody>
+      </p:sp>
+      <p:sp>
+        <p:nvSpPr>
+          <p:cNvPr id="13" name="Trapezium 12">
+            <a:extLst>
+              <a:ext uri="{FF2B5EF4-FFF2-40B4-BE49-F238E27FC236}">
+                <a16:creationId xmlns:a16="http://schemas.microsoft.com/office/drawing/2014/main" id="{545A289E-9980-EE4B-DBD4-ED1AB366C590}"/>
+              </a:ext>
+            </a:extLst>
+          </p:cNvPr>
+          <p:cNvSpPr/>
+          <p:nvPr/>
+        </p:nvSpPr>
+        <p:spPr>
+          <a:xfrm>
+            <a:off x="4040517" y="3442248"/>
+            <a:ext cx="1075228" cy="2162622"/>
+          </a:xfrm>
+          <a:prstGeom prst="trapezoid">
+            <a:avLst/>
+          </a:prstGeom>
+          <a:solidFill>
+            <a:srgbClr val="F4B183">
+              <a:alpha val="34902"/>
+            </a:srgbClr>
+          </a:solidFill>
+          <a:ln>
+            <a:noFill/>
+          </a:ln>
+        </p:spPr>
+        <p:style>
+          <a:lnRef idx="2">
+            <a:schemeClr val="accent1">
+              <a:shade val="50000"/>
+            </a:schemeClr>
+          </a:lnRef>
+          <a:fillRef idx="1">
+            <a:schemeClr val="accent1"/>
+          </a:fillRef>
+          <a:effectRef idx="0">
+            <a:schemeClr val="accent1"/>
+          </a:effectRef>
+          <a:fontRef idx="minor">
+            <a:schemeClr val="lt1"/>
+          </a:fontRef>
+        </p:style>
+        <p:txBody>
+          <a:bodyPr rtlCol="0" anchor="ctr"/>
+          <a:lstStyle/>
+          <a:p>
+            <a:pPr algn="ctr"/>
+            <a:endParaRPr lang="en-US"/>
+          </a:p>
+        </p:txBody>
+      </p:sp>
+      <p:sp>
+        <p:nvSpPr>
+          <p:cNvPr id="12" name="Trapezium 11">
+            <a:extLst>
+              <a:ext uri="{FF2B5EF4-FFF2-40B4-BE49-F238E27FC236}">
+                <a16:creationId xmlns:a16="http://schemas.microsoft.com/office/drawing/2014/main" id="{42691D6A-4907-6724-9B5A-A28C68B08F24}"/>
+              </a:ext>
+            </a:extLst>
+          </p:cNvPr>
+          <p:cNvSpPr/>
+          <p:nvPr/>
+        </p:nvSpPr>
+        <p:spPr>
+          <a:xfrm rot="10800000">
+            <a:off x="4031789" y="1206499"/>
+            <a:ext cx="1075228" cy="2179191"/>
+          </a:xfrm>
+          <a:prstGeom prst="trapezoid">
+            <a:avLst/>
+          </a:prstGeom>
+          <a:solidFill>
+            <a:srgbClr val="F4B183">
+              <a:alpha val="34902"/>
+            </a:srgbClr>
+          </a:solidFill>
+          <a:ln>
+            <a:noFill/>
+          </a:ln>
+        </p:spPr>
+        <p:style>
+          <a:lnRef idx="2">
+            <a:schemeClr val="accent1">
+              <a:shade val="50000"/>
+            </a:schemeClr>
+          </a:lnRef>
+          <a:fillRef idx="1">
+            <a:schemeClr val="accent1"/>
+          </a:fillRef>
+          <a:effectRef idx="0">
+            <a:schemeClr val="accent1"/>
+          </a:effectRef>
+          <a:fontRef idx="minor">
+            <a:schemeClr val="lt1"/>
+          </a:fontRef>
+        </p:style>
+        <p:txBody>
+          <a:bodyPr rtlCol="0" anchor="ctr"/>
+          <a:lstStyle/>
+          <a:p>
+            <a:pPr algn="ctr"/>
+            <a:endParaRPr lang="en-US"/>
+          </a:p>
+        </p:txBody>
+      </p:sp>
+      <p:sp>
+        <p:nvSpPr>
+          <p:cNvPr id="11" name="Trapezium 10">
+            <a:extLst>
+              <a:ext uri="{FF2B5EF4-FFF2-40B4-BE49-F238E27FC236}">
+                <a16:creationId xmlns:a16="http://schemas.microsoft.com/office/drawing/2014/main" id="{397AA7A2-156E-EA43-643A-4B4CB384D1E1}"/>
+              </a:ext>
+            </a:extLst>
+          </p:cNvPr>
+          <p:cNvSpPr/>
+          <p:nvPr/>
+        </p:nvSpPr>
+        <p:spPr>
+          <a:xfrm rot="10800000">
+            <a:off x="2716511" y="1206500"/>
+            <a:ext cx="1075228" cy="2175876"/>
+          </a:xfrm>
+          <a:prstGeom prst="trapezoid">
+            <a:avLst/>
+          </a:prstGeom>
+          <a:solidFill>
+            <a:srgbClr val="F4B183">
+              <a:alpha val="34902"/>
+            </a:srgbClr>
+          </a:solidFill>
+          <a:ln>
+            <a:noFill/>
+          </a:ln>
+        </p:spPr>
+        <p:style>
+          <a:lnRef idx="2">
+            <a:schemeClr val="accent1">
+              <a:shade val="50000"/>
+            </a:schemeClr>
+          </a:lnRef>
+          <a:fillRef idx="1">
+            <a:schemeClr val="accent1"/>
+          </a:fillRef>
+          <a:effectRef idx="0">
+            <a:schemeClr val="accent1"/>
+          </a:effectRef>
+          <a:fontRef idx="minor">
+            <a:schemeClr val="lt1"/>
+          </a:fontRef>
+        </p:style>
+        <p:txBody>
+          <a:bodyPr rtlCol="0" anchor="ctr"/>
+          <a:lstStyle/>
+          <a:p>
+            <a:pPr algn="ctr"/>
+            <a:endParaRPr lang="en-US"/>
+          </a:p>
+        </p:txBody>
+      </p:sp>
+      <p:sp>
+        <p:nvSpPr>
+          <p:cNvPr id="10" name="Trapezium 9">
+            <a:extLst>
+              <a:ext uri="{FF2B5EF4-FFF2-40B4-BE49-F238E27FC236}">
+                <a16:creationId xmlns:a16="http://schemas.microsoft.com/office/drawing/2014/main" id="{B74E71A1-EB38-1246-127A-4AD1FD3DBD78}"/>
+              </a:ext>
+            </a:extLst>
+          </p:cNvPr>
+          <p:cNvSpPr/>
+          <p:nvPr/>
+        </p:nvSpPr>
+        <p:spPr>
+          <a:xfrm>
+            <a:off x="2735181" y="3428993"/>
+            <a:ext cx="1075228" cy="2175877"/>
+          </a:xfrm>
+          <a:prstGeom prst="trapezoid">
+            <a:avLst/>
+          </a:prstGeom>
+          <a:solidFill>
+            <a:srgbClr val="F4B183">
+              <a:alpha val="34902"/>
+            </a:srgbClr>
+          </a:solidFill>
+          <a:ln>
+            <a:noFill/>
+          </a:ln>
+        </p:spPr>
+        <p:style>
+          <a:lnRef idx="2">
+            <a:schemeClr val="accent1">
+              <a:shade val="50000"/>
+            </a:schemeClr>
+          </a:lnRef>
+          <a:fillRef idx="1">
+            <a:schemeClr val="accent1"/>
+          </a:fillRef>
+          <a:effectRef idx="0">
+            <a:schemeClr val="accent1"/>
+          </a:effectRef>
+          <a:fontRef idx="minor">
+            <a:schemeClr val="lt1"/>
+          </a:fontRef>
+        </p:style>
+        <p:txBody>
+          <a:bodyPr rtlCol="0" anchor="ctr"/>
+          <a:lstStyle/>
+          <a:p>
+            <a:pPr algn="ctr"/>
+            <a:endParaRPr lang="en-US"/>
+          </a:p>
+        </p:txBody>
+      </p:sp>
+      <p:sp>
+        <p:nvSpPr>
+          <p:cNvPr id="4" name="Oval 3">
+            <a:extLst>
+              <a:ext uri="{FF2B5EF4-FFF2-40B4-BE49-F238E27FC236}">
+                <a16:creationId xmlns:a16="http://schemas.microsoft.com/office/drawing/2014/main" id="{9F33C30E-0589-98B2-8A67-90FF2BB21EE9}"/>
+              </a:ext>
+            </a:extLst>
+          </p:cNvPr>
+          <p:cNvSpPr/>
+          <p:nvPr/>
+        </p:nvSpPr>
+        <p:spPr>
+          <a:xfrm>
+            <a:off x="2946604" y="3145417"/>
+            <a:ext cx="593651" cy="593651"/>
+          </a:xfrm>
+          <a:prstGeom prst="ellipse">
+            <a:avLst/>
+          </a:prstGeom>
+          <a:gradFill flip="none" rotWithShape="1">
+            <a:gsLst>
+              <a:gs pos="0">
+                <a:schemeClr val="accent1">
+                  <a:shade val="30000"/>
+                  <a:satMod val="115000"/>
+                </a:schemeClr>
+              </a:gs>
+              <a:gs pos="50000">
+                <a:schemeClr val="accent1">
+                  <a:shade val="67500"/>
+                  <a:satMod val="115000"/>
+                </a:schemeClr>
+              </a:gs>
+              <a:gs pos="100000">
+                <a:schemeClr val="accent1">
+                  <a:shade val="100000"/>
+                  <a:satMod val="115000"/>
+                </a:schemeClr>
+              </a:gs>
+            </a:gsLst>
+            <a:path path="circle">
+              <a:fillToRect l="50000" t="50000" r="50000" b="50000"/>
+            </a:path>
+            <a:tileRect/>
+          </a:gradFill>
+        </p:spPr>
+        <p:style>
+          <a:lnRef idx="2">
+            <a:schemeClr val="accent1">
+              <a:shade val="50000"/>
+            </a:schemeClr>
+          </a:lnRef>
+          <a:fillRef idx="1">
+            <a:schemeClr val="accent1"/>
+          </a:fillRef>
+          <a:effectRef idx="0">
+            <a:schemeClr val="accent1"/>
+          </a:effectRef>
+          <a:fontRef idx="minor">
+            <a:schemeClr val="lt1"/>
+          </a:fontRef>
+        </p:style>
+        <p:txBody>
+          <a:bodyPr rtlCol="0" anchor="ctr"/>
+          <a:lstStyle/>
+          <a:p>
+            <a:pPr algn="ctr"/>
+            <a:r>
+              <a:rPr lang="en-US" dirty="0"/>
+              <a:t>1</a:t>
+            </a:r>
+          </a:p>
+        </p:txBody>
+      </p:sp>
+      <p:sp>
+        <p:nvSpPr>
+          <p:cNvPr id="5" name="Oval 4">
+            <a:extLst>
+              <a:ext uri="{FF2B5EF4-FFF2-40B4-BE49-F238E27FC236}">
+                <a16:creationId xmlns:a16="http://schemas.microsoft.com/office/drawing/2014/main" id="{557B2D17-EDF9-4C61-1FE2-B3EC825F73C9}"/>
+              </a:ext>
+            </a:extLst>
+          </p:cNvPr>
+          <p:cNvSpPr/>
+          <p:nvPr/>
+        </p:nvSpPr>
+        <p:spPr>
+          <a:xfrm>
+            <a:off x="4281757" y="3138793"/>
+            <a:ext cx="593651" cy="593651"/>
+          </a:xfrm>
+          <a:prstGeom prst="ellipse">
+            <a:avLst/>
+          </a:prstGeom>
+          <a:gradFill flip="none" rotWithShape="1">
+            <a:gsLst>
+              <a:gs pos="0">
+                <a:schemeClr val="accent1">
+                  <a:shade val="30000"/>
+                  <a:satMod val="115000"/>
+                </a:schemeClr>
+              </a:gs>
+              <a:gs pos="50000">
+                <a:schemeClr val="accent1">
+                  <a:shade val="67500"/>
+                  <a:satMod val="115000"/>
+                </a:schemeClr>
+              </a:gs>
+              <a:gs pos="100000">
+                <a:schemeClr val="accent1">
+                  <a:shade val="100000"/>
+                  <a:satMod val="115000"/>
+                </a:schemeClr>
+              </a:gs>
+            </a:gsLst>
+            <a:path path="circle">
+              <a:fillToRect l="50000" t="50000" r="50000" b="50000"/>
+            </a:path>
+            <a:tileRect/>
+          </a:gradFill>
+        </p:spPr>
+        <p:style>
+          <a:lnRef idx="2">
+            <a:schemeClr val="accent1">
+              <a:shade val="50000"/>
+            </a:schemeClr>
+          </a:lnRef>
+          <a:fillRef idx="1">
+            <a:schemeClr val="accent1"/>
+          </a:fillRef>
+          <a:effectRef idx="0">
+            <a:schemeClr val="accent1"/>
+          </a:effectRef>
+          <a:fontRef idx="minor">
+            <a:schemeClr val="lt1"/>
+          </a:fontRef>
+        </p:style>
+        <p:txBody>
+          <a:bodyPr rtlCol="0" anchor="ctr"/>
+          <a:lstStyle/>
+          <a:p>
+            <a:pPr algn="ctr"/>
+            <a:r>
+              <a:rPr lang="en-US" dirty="0"/>
+              <a:t>2</a:t>
+            </a:r>
+          </a:p>
+        </p:txBody>
+      </p:sp>
+      <p:sp>
+        <p:nvSpPr>
+          <p:cNvPr id="2" name="Trapezium 1">
+            <a:extLst>
+              <a:ext uri="{FF2B5EF4-FFF2-40B4-BE49-F238E27FC236}">
+                <a16:creationId xmlns:a16="http://schemas.microsoft.com/office/drawing/2014/main" id="{111E8DF0-B8F6-966B-3F74-9446F9A4EEF3}"/>
+              </a:ext>
+            </a:extLst>
+          </p:cNvPr>
+          <p:cNvSpPr/>
+          <p:nvPr/>
+        </p:nvSpPr>
+        <p:spPr>
+          <a:xfrm>
+            <a:off x="5375671" y="3435624"/>
+            <a:ext cx="1075228" cy="2162622"/>
+          </a:xfrm>
+          <a:prstGeom prst="trapezoid">
+            <a:avLst/>
+          </a:prstGeom>
+          <a:solidFill>
+            <a:srgbClr val="F4B183">
+              <a:alpha val="34902"/>
+            </a:srgbClr>
+          </a:solidFill>
+          <a:ln>
+            <a:noFill/>
+          </a:ln>
+        </p:spPr>
+        <p:style>
+          <a:lnRef idx="2">
+            <a:schemeClr val="accent1">
+              <a:shade val="50000"/>
+            </a:schemeClr>
+          </a:lnRef>
+          <a:fillRef idx="1">
+            <a:schemeClr val="accent1"/>
+          </a:fillRef>
+          <a:effectRef idx="0">
+            <a:schemeClr val="accent1"/>
+          </a:effectRef>
+          <a:fontRef idx="minor">
+            <a:schemeClr val="lt1"/>
+          </a:fontRef>
+        </p:style>
+        <p:txBody>
+          <a:bodyPr rtlCol="0" anchor="ctr"/>
+          <a:lstStyle/>
+          <a:p>
+            <a:pPr algn="ctr"/>
+            <a:endParaRPr lang="en-US"/>
+          </a:p>
+        </p:txBody>
+      </p:sp>
+      <p:sp>
+        <p:nvSpPr>
+          <p:cNvPr id="3" name="Trapezium 2">
+            <a:extLst>
+              <a:ext uri="{FF2B5EF4-FFF2-40B4-BE49-F238E27FC236}">
+                <a16:creationId xmlns:a16="http://schemas.microsoft.com/office/drawing/2014/main" id="{988B0392-FD69-3B0A-2326-CEC3D2185175}"/>
+              </a:ext>
+            </a:extLst>
+          </p:cNvPr>
+          <p:cNvSpPr/>
+          <p:nvPr/>
+        </p:nvSpPr>
+        <p:spPr>
+          <a:xfrm rot="10800000">
+            <a:off x="5366943" y="1199876"/>
+            <a:ext cx="1075228" cy="2179191"/>
+          </a:xfrm>
+          <a:prstGeom prst="trapezoid">
+            <a:avLst/>
+          </a:prstGeom>
+          <a:solidFill>
+            <a:srgbClr val="F4B183">
+              <a:alpha val="34902"/>
+            </a:srgbClr>
+          </a:solidFill>
+          <a:ln>
+            <a:noFill/>
+          </a:ln>
+        </p:spPr>
+        <p:style>
+          <a:lnRef idx="2">
+            <a:schemeClr val="accent1">
+              <a:shade val="50000"/>
+            </a:schemeClr>
+          </a:lnRef>
+          <a:fillRef idx="1">
+            <a:schemeClr val="accent1"/>
+          </a:fillRef>
+          <a:effectRef idx="0">
+            <a:schemeClr val="accent1"/>
+          </a:effectRef>
+          <a:fontRef idx="minor">
+            <a:schemeClr val="lt1"/>
+          </a:fontRef>
+        </p:style>
+        <p:txBody>
+          <a:bodyPr rtlCol="0" anchor="ctr"/>
+          <a:lstStyle/>
+          <a:p>
+            <a:pPr algn="ctr"/>
+            <a:endParaRPr lang="en-US"/>
+          </a:p>
+        </p:txBody>
+      </p:sp>
+      <p:sp>
+        <p:nvSpPr>
+          <p:cNvPr id="16" name="Oval 15">
+            <a:extLst>
+              <a:ext uri="{FF2B5EF4-FFF2-40B4-BE49-F238E27FC236}">
+                <a16:creationId xmlns:a16="http://schemas.microsoft.com/office/drawing/2014/main" id="{3C483C5B-71D8-0512-0C89-6816AD8D5774}"/>
+              </a:ext>
+            </a:extLst>
+          </p:cNvPr>
+          <p:cNvSpPr/>
+          <p:nvPr/>
+        </p:nvSpPr>
+        <p:spPr>
+          <a:xfrm>
+            <a:off x="5616911" y="3132169"/>
+            <a:ext cx="593651" cy="593651"/>
+          </a:xfrm>
+          <a:prstGeom prst="ellipse">
+            <a:avLst/>
+          </a:prstGeom>
+          <a:gradFill flip="none" rotWithShape="1">
+            <a:gsLst>
+              <a:gs pos="0">
+                <a:schemeClr val="accent1">
+                  <a:shade val="30000"/>
+                  <a:satMod val="115000"/>
+                </a:schemeClr>
+              </a:gs>
+              <a:gs pos="50000">
+                <a:schemeClr val="accent1">
+                  <a:shade val="67500"/>
+                  <a:satMod val="115000"/>
+                </a:schemeClr>
+              </a:gs>
+              <a:gs pos="100000">
+                <a:schemeClr val="accent1">
+                  <a:shade val="100000"/>
+                  <a:satMod val="115000"/>
+                </a:schemeClr>
+              </a:gs>
+            </a:gsLst>
+            <a:path path="circle">
+              <a:fillToRect l="50000" t="50000" r="50000" b="50000"/>
+            </a:path>
+            <a:tileRect/>
+          </a:gradFill>
+        </p:spPr>
+        <p:style>
+          <a:lnRef idx="2">
+            <a:schemeClr val="accent1">
+              <a:shade val="50000"/>
+            </a:schemeClr>
+          </a:lnRef>
+          <a:fillRef idx="1">
+            <a:schemeClr val="accent1"/>
+          </a:fillRef>
+          <a:effectRef idx="0">
+            <a:schemeClr val="accent1"/>
+          </a:effectRef>
+          <a:fontRef idx="minor">
+            <a:schemeClr val="lt1"/>
+          </a:fontRef>
+        </p:style>
+        <p:txBody>
+          <a:bodyPr rtlCol="0" anchor="ctr"/>
+          <a:lstStyle/>
+          <a:p>
+            <a:pPr algn="ctr"/>
+            <a:r>
+              <a:rPr lang="en-US" dirty="0"/>
+              <a:t>3</a:t>
+            </a:r>
+          </a:p>
+        </p:txBody>
+      </p:sp>
+      <p:sp>
+        <p:nvSpPr>
+          <p:cNvPr id="17" name="Trapezium 16">
+            <a:extLst>
+              <a:ext uri="{FF2B5EF4-FFF2-40B4-BE49-F238E27FC236}">
+                <a16:creationId xmlns:a16="http://schemas.microsoft.com/office/drawing/2014/main" id="{86F5811F-7A3D-4389-A308-B8AB0BC2CA7E}"/>
+              </a:ext>
+            </a:extLst>
+          </p:cNvPr>
+          <p:cNvSpPr/>
+          <p:nvPr/>
+        </p:nvSpPr>
+        <p:spPr>
+          <a:xfrm>
+            <a:off x="7983033" y="3429000"/>
+            <a:ext cx="1075228" cy="2162622"/>
+          </a:xfrm>
+          <a:prstGeom prst="trapezoid">
+            <a:avLst/>
+          </a:prstGeom>
+          <a:solidFill>
+            <a:srgbClr val="F4B183">
+              <a:alpha val="34902"/>
+            </a:srgbClr>
+          </a:solidFill>
+          <a:ln>
+            <a:noFill/>
+          </a:ln>
+        </p:spPr>
+        <p:style>
+          <a:lnRef idx="2">
+            <a:schemeClr val="accent1">
+              <a:shade val="50000"/>
+            </a:schemeClr>
+          </a:lnRef>
+          <a:fillRef idx="1">
+            <a:schemeClr val="accent1"/>
+          </a:fillRef>
+          <a:effectRef idx="0">
+            <a:schemeClr val="accent1"/>
+          </a:effectRef>
+          <a:fontRef idx="minor">
+            <a:schemeClr val="lt1"/>
+          </a:fontRef>
+        </p:style>
+        <p:txBody>
+          <a:bodyPr rtlCol="0" anchor="ctr"/>
+          <a:lstStyle/>
+          <a:p>
+            <a:pPr algn="ctr"/>
+            <a:endParaRPr lang="en-US"/>
+          </a:p>
+        </p:txBody>
+      </p:sp>
+      <p:sp>
+        <p:nvSpPr>
+          <p:cNvPr id="18" name="Trapezium 17">
+            <a:extLst>
+              <a:ext uri="{FF2B5EF4-FFF2-40B4-BE49-F238E27FC236}">
+                <a16:creationId xmlns:a16="http://schemas.microsoft.com/office/drawing/2014/main" id="{E456A13A-0265-2363-CB4B-D792C60F29A1}"/>
+              </a:ext>
+            </a:extLst>
+          </p:cNvPr>
+          <p:cNvSpPr/>
+          <p:nvPr/>
+        </p:nvSpPr>
+        <p:spPr>
+          <a:xfrm rot="10800000">
+            <a:off x="7974305" y="1206499"/>
+            <a:ext cx="1075228" cy="2165944"/>
+          </a:xfrm>
+          <a:prstGeom prst="trapezoid">
+            <a:avLst/>
+          </a:prstGeom>
+          <a:solidFill>
+            <a:srgbClr val="F4B183">
+              <a:alpha val="34902"/>
+            </a:srgbClr>
+          </a:solidFill>
+          <a:ln>
+            <a:noFill/>
+          </a:ln>
+        </p:spPr>
+        <p:style>
+          <a:lnRef idx="2">
+            <a:schemeClr val="accent1">
+              <a:shade val="50000"/>
+            </a:schemeClr>
+          </a:lnRef>
+          <a:fillRef idx="1">
+            <a:schemeClr val="accent1"/>
+          </a:fillRef>
+          <a:effectRef idx="0">
+            <a:schemeClr val="accent1"/>
+          </a:effectRef>
+          <a:fontRef idx="minor">
+            <a:schemeClr val="lt1"/>
+          </a:fontRef>
+        </p:style>
+        <p:txBody>
+          <a:bodyPr rtlCol="0" anchor="ctr"/>
+          <a:lstStyle/>
+          <a:p>
+            <a:pPr algn="ctr"/>
+            <a:endParaRPr lang="en-US"/>
+          </a:p>
+        </p:txBody>
+      </p:sp>
+      <p:sp>
+        <p:nvSpPr>
+          <p:cNvPr id="19" name="Oval 18">
+            <a:extLst>
+              <a:ext uri="{FF2B5EF4-FFF2-40B4-BE49-F238E27FC236}">
+                <a16:creationId xmlns:a16="http://schemas.microsoft.com/office/drawing/2014/main" id="{3D80FE92-2AD1-6862-3F20-92AE6D76DB69}"/>
+              </a:ext>
+            </a:extLst>
+          </p:cNvPr>
+          <p:cNvSpPr/>
+          <p:nvPr/>
+        </p:nvSpPr>
+        <p:spPr>
+          <a:xfrm>
+            <a:off x="8224273" y="3125545"/>
+            <a:ext cx="593651" cy="593651"/>
+          </a:xfrm>
+          <a:prstGeom prst="ellipse">
+            <a:avLst/>
+          </a:prstGeom>
+          <a:gradFill flip="none" rotWithShape="1">
+            <a:gsLst>
+              <a:gs pos="0">
+                <a:schemeClr val="accent1">
+                  <a:shade val="30000"/>
+                  <a:satMod val="115000"/>
+                </a:schemeClr>
+              </a:gs>
+              <a:gs pos="50000">
+                <a:schemeClr val="accent1">
+                  <a:shade val="67500"/>
+                  <a:satMod val="115000"/>
+                </a:schemeClr>
+              </a:gs>
+              <a:gs pos="100000">
+                <a:schemeClr val="accent1">
+                  <a:shade val="100000"/>
+                  <a:satMod val="115000"/>
+                </a:schemeClr>
+              </a:gs>
+            </a:gsLst>
+            <a:path path="circle">
+              <a:fillToRect l="50000" t="50000" r="50000" b="50000"/>
+            </a:path>
+            <a:tileRect/>
+          </a:gradFill>
+        </p:spPr>
+        <p:style>
+          <a:lnRef idx="2">
+            <a:schemeClr val="accent1">
+              <a:shade val="50000"/>
+            </a:schemeClr>
+          </a:lnRef>
+          <a:fillRef idx="1">
+            <a:schemeClr val="accent1"/>
+          </a:fillRef>
+          <a:effectRef idx="0">
+            <a:schemeClr val="accent1"/>
+          </a:effectRef>
+          <a:fontRef idx="minor">
+            <a:schemeClr val="lt1"/>
+          </a:fontRef>
+        </p:style>
+        <p:txBody>
+          <a:bodyPr rtlCol="0" anchor="ctr"/>
+          <a:lstStyle/>
+          <a:p>
+            <a:pPr algn="ctr"/>
+            <a:r>
+              <a:rPr lang="en-US" dirty="0"/>
+              <a:t>N</a:t>
+            </a:r>
+          </a:p>
+        </p:txBody>
+      </p:sp>
+      <p:sp>
+        <p:nvSpPr>
+          <p:cNvPr id="20" name="TextBox 19">
+            <a:extLst>
+              <a:ext uri="{FF2B5EF4-FFF2-40B4-BE49-F238E27FC236}">
+                <a16:creationId xmlns:a16="http://schemas.microsoft.com/office/drawing/2014/main" id="{257DD48A-63C0-0A31-457F-BF7F8DF10B63}"/>
+              </a:ext>
+            </a:extLst>
+          </p:cNvPr>
+          <p:cNvSpPr txBox="1"/>
+          <p:nvPr/>
+        </p:nvSpPr>
+        <p:spPr>
+          <a:xfrm>
+            <a:off x="6826474" y="3244328"/>
+            <a:ext cx="780983" cy="369332"/>
+          </a:xfrm>
+          <a:prstGeom prst="rect">
+            <a:avLst/>
+          </a:prstGeom>
+          <a:noFill/>
+        </p:spPr>
+        <p:txBody>
+          <a:bodyPr wrap="none" rtlCol="0">
+            <a:spAutoFit/>
+          </a:bodyPr>
+          <a:lstStyle/>
+          <a:p>
+            <a:r>
+              <a:rPr lang="en-US" dirty="0"/>
+              <a:t> .   .   . </a:t>
+            </a:r>
+          </a:p>
+        </p:txBody>
+      </p:sp>
+      <p:cxnSp>
+        <p:nvCxnSpPr>
+          <p:cNvPr id="21" name="Straight Arrow Connector 20">
+            <a:extLst>
+              <a:ext uri="{FF2B5EF4-FFF2-40B4-BE49-F238E27FC236}">
+                <a16:creationId xmlns:a16="http://schemas.microsoft.com/office/drawing/2014/main" id="{8652993F-A4FA-B34F-F2CE-0AA6A9D9E86D}"/>
+              </a:ext>
+            </a:extLst>
+          </p:cNvPr>
+          <p:cNvCxnSpPr>
+            <a:cxnSpLocks/>
+          </p:cNvCxnSpPr>
+          <p:nvPr/>
+        </p:nvCxnSpPr>
+        <p:spPr>
+          <a:xfrm>
+            <a:off x="3187918" y="3913119"/>
+            <a:ext cx="1391479" cy="0"/>
+          </a:xfrm>
+          <a:prstGeom prst="straightConnector1">
+            <a:avLst/>
+          </a:prstGeom>
+          <a:ln w="38100">
+            <a:solidFill>
+              <a:schemeClr val="bg2">
+                <a:lumMod val="50000"/>
+              </a:schemeClr>
+            </a:solidFill>
+            <a:headEnd type="triangle"/>
+            <a:tailEnd type="triangle"/>
+          </a:ln>
+        </p:spPr>
+        <p:style>
+          <a:lnRef idx="1">
+            <a:schemeClr val="accent1"/>
+          </a:lnRef>
+          <a:fillRef idx="0">
+            <a:schemeClr val="accent1"/>
+          </a:fillRef>
+          <a:effectRef idx="0">
+            <a:schemeClr val="accent1"/>
+          </a:effectRef>
+          <a:fontRef idx="minor">
+            <a:schemeClr val="tx1"/>
+          </a:fontRef>
+        </p:style>
+      </p:cxnSp>
+      <p:sp>
+        <p:nvSpPr>
+          <p:cNvPr id="25" name="TextBox 24">
+            <a:extLst>
+              <a:ext uri="{FF2B5EF4-FFF2-40B4-BE49-F238E27FC236}">
+                <a16:creationId xmlns:a16="http://schemas.microsoft.com/office/drawing/2014/main" id="{B663A75E-2013-2DF3-33CD-AF66FBC68158}"/>
+              </a:ext>
+            </a:extLst>
+          </p:cNvPr>
+          <p:cNvSpPr txBox="1"/>
+          <p:nvPr/>
+        </p:nvSpPr>
+        <p:spPr>
+          <a:xfrm>
+            <a:off x="3763893" y="3893241"/>
+            <a:ext cx="297712" cy="461665"/>
+          </a:xfrm>
+          <a:prstGeom prst="rect">
+            <a:avLst/>
+          </a:prstGeom>
+          <a:noFill/>
+        </p:spPr>
+        <p:txBody>
+          <a:bodyPr wrap="square" rtlCol="0">
+            <a:spAutoFit/>
+          </a:bodyPr>
+          <a:lstStyle/>
+          <a:p>
+            <a:r>
+              <a:rPr lang="en-US" sz="2400" i="1" dirty="0">
+                <a:latin typeface="Times" pitchFamily="2" charset="0"/>
+              </a:rPr>
+              <a:t>a </a:t>
+            </a:r>
+          </a:p>
+        </p:txBody>
+      </p:sp>
+      <p:sp>
+        <p:nvSpPr>
+          <p:cNvPr id="6" name="Right Arrow 5">
+            <a:extLst>
+              <a:ext uri="{FF2B5EF4-FFF2-40B4-BE49-F238E27FC236}">
+                <a16:creationId xmlns:a16="http://schemas.microsoft.com/office/drawing/2014/main" id="{E5E2B3EA-E3EB-C535-1A3F-B4A104713A3E}"/>
+              </a:ext>
+            </a:extLst>
+          </p:cNvPr>
+          <p:cNvSpPr/>
+          <p:nvPr/>
+        </p:nvSpPr>
+        <p:spPr>
+          <a:xfrm>
+            <a:off x="1203047" y="3255927"/>
+            <a:ext cx="1286589" cy="369332"/>
+          </a:xfrm>
+          <a:prstGeom prst="rightArrow">
+            <a:avLst/>
+          </a:prstGeom>
+          <a:gradFill flip="none" rotWithShape="1">
+            <a:gsLst>
+              <a:gs pos="0">
+                <a:srgbClr val="FF0000">
+                  <a:shade val="30000"/>
+                  <a:satMod val="115000"/>
+                </a:srgbClr>
+              </a:gs>
+              <a:gs pos="50000">
+                <a:srgbClr val="FF0000">
+                  <a:shade val="67500"/>
+                  <a:satMod val="115000"/>
+                </a:srgbClr>
+              </a:gs>
+              <a:gs pos="100000">
+                <a:srgbClr val="FF0000">
+                  <a:shade val="100000"/>
+                  <a:satMod val="115000"/>
+                </a:srgbClr>
+              </a:gs>
+            </a:gsLst>
+            <a:lin ang="10800000" scaled="1"/>
+            <a:tileRect/>
+          </a:gradFill>
+          <a:ln>
+            <a:noFill/>
+          </a:ln>
+        </p:spPr>
+        <p:style>
+          <a:lnRef idx="2">
+            <a:schemeClr val="accent1">
+              <a:shade val="50000"/>
+            </a:schemeClr>
+          </a:lnRef>
+          <a:fillRef idx="1">
+            <a:schemeClr val="accent1"/>
+          </a:fillRef>
+          <a:effectRef idx="0">
+            <a:schemeClr val="accent1"/>
+          </a:effectRef>
+          <a:fontRef idx="minor">
+            <a:schemeClr val="lt1"/>
+          </a:fontRef>
+        </p:style>
+        <p:txBody>
+          <a:bodyPr rtlCol="0" anchor="ctr"/>
+          <a:lstStyle/>
+          <a:p>
+            <a:pPr algn="ctr"/>
+            <a:endParaRPr lang="en-US"/>
+          </a:p>
+        </p:txBody>
+      </p:sp>
+      <p:sp>
+        <p:nvSpPr>
+          <p:cNvPr id="7" name="Right Arrow 6">
+            <a:extLst>
+              <a:ext uri="{FF2B5EF4-FFF2-40B4-BE49-F238E27FC236}">
+                <a16:creationId xmlns:a16="http://schemas.microsoft.com/office/drawing/2014/main" id="{BA2EF6F2-EFE5-F6C9-9C6A-C0027024843F}"/>
+              </a:ext>
+            </a:extLst>
+          </p:cNvPr>
+          <p:cNvSpPr/>
+          <p:nvPr/>
+        </p:nvSpPr>
+        <p:spPr>
+          <a:xfrm rot="10800000">
+            <a:off x="9188908" y="3228355"/>
+            <a:ext cx="1289040" cy="369332"/>
+          </a:xfrm>
+          <a:prstGeom prst="rightArrow">
+            <a:avLst/>
+          </a:prstGeom>
+          <a:gradFill flip="none" rotWithShape="1">
+            <a:gsLst>
+              <a:gs pos="0">
+                <a:srgbClr val="FF0000">
+                  <a:shade val="30000"/>
+                  <a:satMod val="115000"/>
+                </a:srgbClr>
+              </a:gs>
+              <a:gs pos="50000">
+                <a:srgbClr val="FF0000">
+                  <a:shade val="67500"/>
+                  <a:satMod val="115000"/>
+                </a:srgbClr>
+              </a:gs>
+              <a:gs pos="100000">
+                <a:srgbClr val="FF0000">
+                  <a:shade val="100000"/>
+                  <a:satMod val="115000"/>
+                </a:srgbClr>
+              </a:gs>
+            </a:gsLst>
+            <a:lin ang="10800000" scaled="1"/>
+            <a:tileRect/>
+          </a:gradFill>
+          <a:ln>
+            <a:noFill/>
+          </a:ln>
+        </p:spPr>
+        <p:style>
+          <a:lnRef idx="2">
+            <a:schemeClr val="accent1">
+              <a:shade val="50000"/>
+            </a:schemeClr>
+          </a:lnRef>
+          <a:fillRef idx="1">
+            <a:schemeClr val="accent1"/>
+          </a:fillRef>
+          <a:effectRef idx="0">
+            <a:schemeClr val="accent1"/>
+          </a:effectRef>
+          <a:fontRef idx="minor">
+            <a:schemeClr val="lt1"/>
+          </a:fontRef>
+        </p:style>
+        <p:txBody>
+          <a:bodyPr rtlCol="0" anchor="ctr"/>
+          <a:lstStyle/>
+          <a:p>
+            <a:pPr algn="ctr"/>
+            <a:endParaRPr lang="en-US"/>
+          </a:p>
+        </p:txBody>
+      </p:sp>
+      <p:sp>
+        <p:nvSpPr>
+          <p:cNvPr id="22" name="TextBox 21">
+            <a:extLst>
+              <a:ext uri="{FF2B5EF4-FFF2-40B4-BE49-F238E27FC236}">
+                <a16:creationId xmlns:a16="http://schemas.microsoft.com/office/drawing/2014/main" id="{AB7FAD87-28F7-BF9F-3FE6-9720E00392E5}"/>
+              </a:ext>
+            </a:extLst>
+          </p:cNvPr>
+          <p:cNvSpPr txBox="1"/>
+          <p:nvPr/>
+        </p:nvSpPr>
+        <p:spPr>
+          <a:xfrm>
+            <a:off x="1086522" y="1199875"/>
+            <a:ext cx="1786852" cy="830997"/>
+          </a:xfrm>
+          <a:prstGeom prst="rect">
+            <a:avLst/>
+          </a:prstGeom>
+          <a:noFill/>
+        </p:spPr>
+        <p:txBody>
+          <a:bodyPr wrap="square" rtlCol="0">
+            <a:spAutoFit/>
+          </a:bodyPr>
+          <a:lstStyle/>
+          <a:p>
+            <a:r>
+              <a:rPr lang="en-US" sz="2400" i="1" dirty="0">
+                <a:solidFill>
+                  <a:schemeClr val="accent2">
+                    <a:lumMod val="40000"/>
+                    <a:lumOff val="60000"/>
+                  </a:schemeClr>
+                </a:solidFill>
+                <a:latin typeface="Times" pitchFamily="2" charset="0"/>
+              </a:rPr>
+              <a:t>Optical</a:t>
+            </a:r>
+          </a:p>
+          <a:p>
+            <a:r>
+              <a:rPr lang="en-US" sz="2400" i="1" dirty="0">
+                <a:solidFill>
+                  <a:schemeClr val="accent2">
+                    <a:lumMod val="40000"/>
+                    <a:lumOff val="60000"/>
+                  </a:schemeClr>
+                </a:solidFill>
+                <a:latin typeface="Times" pitchFamily="2" charset="0"/>
+              </a:rPr>
+              <a:t>Tweezers</a:t>
+            </a:r>
+          </a:p>
+        </p:txBody>
+      </p:sp>
+      <p:sp>
+        <p:nvSpPr>
+          <p:cNvPr id="23" name="TextBox 22">
+            <a:extLst>
+              <a:ext uri="{FF2B5EF4-FFF2-40B4-BE49-F238E27FC236}">
+                <a16:creationId xmlns:a16="http://schemas.microsoft.com/office/drawing/2014/main" id="{B30EE643-8B7D-72F7-0F40-892F34B38D53}"/>
+              </a:ext>
+            </a:extLst>
+          </p:cNvPr>
+          <p:cNvSpPr txBox="1"/>
+          <p:nvPr/>
+        </p:nvSpPr>
+        <p:spPr>
+          <a:xfrm>
+            <a:off x="8817924" y="4074269"/>
+            <a:ext cx="1786852" cy="830997"/>
+          </a:xfrm>
+          <a:prstGeom prst="rect">
+            <a:avLst/>
+          </a:prstGeom>
+          <a:noFill/>
+        </p:spPr>
+        <p:txBody>
+          <a:bodyPr wrap="square" rtlCol="0">
+            <a:spAutoFit/>
+          </a:bodyPr>
+          <a:lstStyle/>
+          <a:p>
+            <a:pPr algn="r"/>
+            <a:r>
+              <a:rPr lang="en-US" sz="2400" i="1" dirty="0">
+                <a:solidFill>
+                  <a:srgbClr val="FF0000"/>
+                </a:solidFill>
+                <a:latin typeface="Times" pitchFamily="2" charset="0"/>
+              </a:rPr>
+              <a:t>Driving </a:t>
+            </a:r>
+          </a:p>
+          <a:p>
+            <a:pPr algn="r"/>
+            <a:r>
+              <a:rPr lang="en-US" sz="2400" i="1" dirty="0">
+                <a:solidFill>
+                  <a:srgbClr val="FF0000"/>
+                </a:solidFill>
+                <a:latin typeface="Times" pitchFamily="2" charset="0"/>
+              </a:rPr>
+              <a:t>Laser</a:t>
+            </a:r>
+          </a:p>
+        </p:txBody>
+      </p:sp>
+      <p:cxnSp>
+        <p:nvCxnSpPr>
+          <p:cNvPr id="27" name="Straight Arrow Connector 26">
+            <a:extLst>
+              <a:ext uri="{FF2B5EF4-FFF2-40B4-BE49-F238E27FC236}">
+                <a16:creationId xmlns:a16="http://schemas.microsoft.com/office/drawing/2014/main" id="{702B44F4-C11F-9ADD-E6D0-3F619C75FDE5}"/>
+              </a:ext>
+            </a:extLst>
+          </p:cNvPr>
+          <p:cNvCxnSpPr>
+            <a:cxnSpLocks/>
+          </p:cNvCxnSpPr>
+          <p:nvPr/>
+        </p:nvCxnSpPr>
+        <p:spPr>
+          <a:xfrm>
+            <a:off x="4559524" y="3914319"/>
+            <a:ext cx="1391479" cy="0"/>
+          </a:xfrm>
+          <a:prstGeom prst="straightConnector1">
+            <a:avLst/>
+          </a:prstGeom>
+          <a:ln w="38100">
+            <a:solidFill>
+              <a:schemeClr val="bg2">
+                <a:lumMod val="50000"/>
+              </a:schemeClr>
+            </a:solidFill>
+            <a:headEnd type="triangle"/>
+            <a:tailEnd type="triangle"/>
+          </a:ln>
+        </p:spPr>
+        <p:style>
+          <a:lnRef idx="1">
+            <a:schemeClr val="accent1"/>
+          </a:lnRef>
+          <a:fillRef idx="0">
+            <a:schemeClr val="accent1"/>
+          </a:fillRef>
+          <a:effectRef idx="0">
+            <a:schemeClr val="accent1"/>
+          </a:effectRef>
+          <a:fontRef idx="minor">
+            <a:schemeClr val="tx1"/>
+          </a:fontRef>
+        </p:style>
+      </p:cxnSp>
+      <p:sp>
+        <p:nvSpPr>
+          <p:cNvPr id="28" name="TextBox 27">
+            <a:extLst>
+              <a:ext uri="{FF2B5EF4-FFF2-40B4-BE49-F238E27FC236}">
+                <a16:creationId xmlns:a16="http://schemas.microsoft.com/office/drawing/2014/main" id="{A4A43FFC-50C0-9DF3-4DD4-C2BF0C2CF139}"/>
+              </a:ext>
+            </a:extLst>
+          </p:cNvPr>
+          <p:cNvSpPr txBox="1"/>
+          <p:nvPr/>
+        </p:nvSpPr>
+        <p:spPr>
+          <a:xfrm>
+            <a:off x="5135499" y="3894441"/>
+            <a:ext cx="297712" cy="461665"/>
+          </a:xfrm>
+          <a:prstGeom prst="rect">
+            <a:avLst/>
+          </a:prstGeom>
+          <a:noFill/>
+        </p:spPr>
+        <p:txBody>
+          <a:bodyPr wrap="square" rtlCol="0">
+            <a:spAutoFit/>
+          </a:bodyPr>
+          <a:lstStyle/>
+          <a:p>
+            <a:r>
+              <a:rPr lang="en-US" sz="2400" i="1" dirty="0">
+                <a:latin typeface="Times" pitchFamily="2" charset="0"/>
+              </a:rPr>
+              <a:t>a </a:t>
+            </a:r>
+          </a:p>
+        </p:txBody>
+      </p:sp>
+    </p:spTree>
+    <p:extLst>
+      <p:ext uri="{BB962C8B-B14F-4D97-AF65-F5344CB8AC3E}">
+        <p14:creationId xmlns:p14="http://schemas.microsoft.com/office/powerpoint/2010/main" val="3393558174"/>
+      </p:ext>
+    </p:extLst>
+  </p:cSld>
+  <p:clrMapOvr>
+    <a:masterClrMapping/>
+  </p:clrMapOvr>
+</p:sld>
+</file>
+
+<file path=ppt/slides/slide17.xml><?xml version="1.0" encoding="utf-8"?>
+<p:sld xmlns:a="http://schemas.openxmlformats.org/drawingml/2006/main" xmlns:r="http://schemas.openxmlformats.org/officeDocument/2006/relationships" xmlns:p="http://schemas.openxmlformats.org/presentationml/2006/main">
+  <p:cSld>
+    <p:spTree>
+      <p:nvGrpSpPr>
+        <p:cNvPr id="1" name=""/>
+        <p:cNvGrpSpPr/>
+        <p:nvPr/>
+      </p:nvGrpSpPr>
+      <p:grpSpPr>
+        <a:xfrm>
+          <a:off x="0" y="0"/>
+          <a:ext cx="0" cy="0"/>
+          <a:chOff x="0" y="0"/>
+          <a:chExt cx="0" cy="0"/>
+        </a:xfrm>
+      </p:grpSpPr>
+      <p:sp>
+        <p:nvSpPr>
+          <p:cNvPr id="8" name="Rectangle 7">
+            <a:extLst>
+              <a:ext uri="{FF2B5EF4-FFF2-40B4-BE49-F238E27FC236}">
+                <a16:creationId xmlns:a16="http://schemas.microsoft.com/office/drawing/2014/main" id="{B6B2D670-6AB8-8071-38E5-B63DDA1E3732}"/>
+              </a:ext>
+            </a:extLst>
+          </p:cNvPr>
+          <p:cNvSpPr/>
+          <p:nvPr/>
+        </p:nvSpPr>
+        <p:spPr>
+          <a:xfrm>
+            <a:off x="1086522" y="2964758"/>
+            <a:ext cx="9488245" cy="905059"/>
+          </a:xfrm>
+          <a:prstGeom prst="rect">
+            <a:avLst/>
+          </a:prstGeom>
+          <a:solidFill>
+            <a:srgbClr val="7030A0">
+              <a:alpha val="25098"/>
+            </a:srgbClr>
+          </a:solidFill>
+          <a:ln>
+            <a:noFill/>
+          </a:ln>
+        </p:spPr>
+        <p:style>
+          <a:lnRef idx="2">
+            <a:schemeClr val="accent1">
+              <a:shade val="50000"/>
+            </a:schemeClr>
+          </a:lnRef>
+          <a:fillRef idx="1">
+            <a:schemeClr val="accent1"/>
+          </a:fillRef>
+          <a:effectRef idx="0">
+            <a:schemeClr val="accent1"/>
+          </a:effectRef>
+          <a:fontRef idx="minor">
+            <a:schemeClr val="lt1"/>
+          </a:fontRef>
+        </p:style>
+        <p:txBody>
+          <a:bodyPr rtlCol="0" anchor="ctr"/>
+          <a:lstStyle/>
+          <a:p>
+            <a:pPr algn="ctr"/>
+            <a:endParaRPr lang="en-US"/>
+          </a:p>
+        </p:txBody>
+      </p:sp>
+      <p:sp>
+        <p:nvSpPr>
+          <p:cNvPr id="13" name="Trapezium 12">
+            <a:extLst>
+              <a:ext uri="{FF2B5EF4-FFF2-40B4-BE49-F238E27FC236}">
+                <a16:creationId xmlns:a16="http://schemas.microsoft.com/office/drawing/2014/main" id="{545A289E-9980-EE4B-DBD4-ED1AB366C590}"/>
+              </a:ext>
+            </a:extLst>
+          </p:cNvPr>
+          <p:cNvSpPr/>
+          <p:nvPr/>
+        </p:nvSpPr>
+        <p:spPr>
+          <a:xfrm>
+            <a:off x="4040517" y="3442248"/>
+            <a:ext cx="1075228" cy="2162622"/>
+          </a:xfrm>
+          <a:prstGeom prst="trapezoid">
+            <a:avLst/>
+          </a:prstGeom>
+          <a:solidFill>
+            <a:schemeClr val="accent5">
+              <a:lumMod val="60000"/>
+              <a:lumOff val="40000"/>
+              <a:alpha val="34902"/>
+            </a:schemeClr>
+          </a:solidFill>
+          <a:ln>
+            <a:noFill/>
+          </a:ln>
+        </p:spPr>
+        <p:style>
+          <a:lnRef idx="2">
+            <a:schemeClr val="accent1">
+              <a:shade val="50000"/>
+            </a:schemeClr>
+          </a:lnRef>
+          <a:fillRef idx="1">
+            <a:schemeClr val="accent1"/>
+          </a:fillRef>
+          <a:effectRef idx="0">
+            <a:schemeClr val="accent1"/>
+          </a:effectRef>
+          <a:fontRef idx="minor">
+            <a:schemeClr val="lt1"/>
+          </a:fontRef>
+        </p:style>
+        <p:txBody>
+          <a:bodyPr rtlCol="0" anchor="ctr"/>
+          <a:lstStyle/>
+          <a:p>
+            <a:pPr algn="ctr"/>
+            <a:endParaRPr lang="en-US"/>
+          </a:p>
+        </p:txBody>
+      </p:sp>
+      <p:sp>
+        <p:nvSpPr>
+          <p:cNvPr id="12" name="Trapezium 11">
+            <a:extLst>
+              <a:ext uri="{FF2B5EF4-FFF2-40B4-BE49-F238E27FC236}">
+                <a16:creationId xmlns:a16="http://schemas.microsoft.com/office/drawing/2014/main" id="{42691D6A-4907-6724-9B5A-A28C68B08F24}"/>
+              </a:ext>
+            </a:extLst>
+          </p:cNvPr>
+          <p:cNvSpPr/>
+          <p:nvPr/>
+        </p:nvSpPr>
+        <p:spPr>
+          <a:xfrm rot="10800000">
+            <a:off x="4031789" y="1206499"/>
+            <a:ext cx="1075228" cy="2179191"/>
+          </a:xfrm>
+          <a:prstGeom prst="trapezoid">
+            <a:avLst/>
+          </a:prstGeom>
+          <a:solidFill>
+            <a:schemeClr val="accent5">
+              <a:lumMod val="60000"/>
+              <a:lumOff val="40000"/>
+              <a:alpha val="34902"/>
+            </a:schemeClr>
+          </a:solidFill>
+          <a:ln>
+            <a:noFill/>
+          </a:ln>
+        </p:spPr>
+        <p:style>
+          <a:lnRef idx="2">
+            <a:schemeClr val="accent1">
+              <a:shade val="50000"/>
+            </a:schemeClr>
+          </a:lnRef>
+          <a:fillRef idx="1">
+            <a:schemeClr val="accent1"/>
+          </a:fillRef>
+          <a:effectRef idx="0">
+            <a:schemeClr val="accent1"/>
+          </a:effectRef>
+          <a:fontRef idx="minor">
+            <a:schemeClr val="lt1"/>
+          </a:fontRef>
+        </p:style>
+        <p:txBody>
+          <a:bodyPr rtlCol="0" anchor="ctr"/>
+          <a:lstStyle/>
+          <a:p>
+            <a:pPr algn="ctr"/>
+            <a:endParaRPr lang="en-US"/>
+          </a:p>
+        </p:txBody>
+      </p:sp>
+      <p:sp>
+        <p:nvSpPr>
+          <p:cNvPr id="11" name="Trapezium 10">
+            <a:extLst>
+              <a:ext uri="{FF2B5EF4-FFF2-40B4-BE49-F238E27FC236}">
+                <a16:creationId xmlns:a16="http://schemas.microsoft.com/office/drawing/2014/main" id="{397AA7A2-156E-EA43-643A-4B4CB384D1E1}"/>
+              </a:ext>
+            </a:extLst>
+          </p:cNvPr>
+          <p:cNvSpPr/>
+          <p:nvPr/>
+        </p:nvSpPr>
+        <p:spPr>
+          <a:xfrm rot="10800000">
+            <a:off x="2716511" y="1206500"/>
+            <a:ext cx="1075228" cy="2175876"/>
+          </a:xfrm>
+          <a:prstGeom prst="trapezoid">
+            <a:avLst/>
+          </a:prstGeom>
+          <a:solidFill>
+            <a:schemeClr val="accent5">
+              <a:lumMod val="60000"/>
+              <a:lumOff val="40000"/>
+              <a:alpha val="34902"/>
+            </a:schemeClr>
+          </a:solidFill>
+          <a:ln>
+            <a:noFill/>
+          </a:ln>
+        </p:spPr>
+        <p:style>
+          <a:lnRef idx="2">
+            <a:schemeClr val="accent1">
+              <a:shade val="50000"/>
+            </a:schemeClr>
+          </a:lnRef>
+          <a:fillRef idx="1">
+            <a:schemeClr val="accent1"/>
+          </a:fillRef>
+          <a:effectRef idx="0">
+            <a:schemeClr val="accent1"/>
+          </a:effectRef>
+          <a:fontRef idx="minor">
+            <a:schemeClr val="lt1"/>
+          </a:fontRef>
+        </p:style>
+        <p:txBody>
+          <a:bodyPr rtlCol="0" anchor="ctr"/>
+          <a:lstStyle/>
+          <a:p>
+            <a:pPr algn="ctr"/>
+            <a:endParaRPr lang="en-US"/>
+          </a:p>
+        </p:txBody>
+      </p:sp>
+      <p:sp>
+        <p:nvSpPr>
+          <p:cNvPr id="10" name="Trapezium 9">
+            <a:extLst>
+              <a:ext uri="{FF2B5EF4-FFF2-40B4-BE49-F238E27FC236}">
+                <a16:creationId xmlns:a16="http://schemas.microsoft.com/office/drawing/2014/main" id="{B74E71A1-EB38-1246-127A-4AD1FD3DBD78}"/>
+              </a:ext>
+            </a:extLst>
+          </p:cNvPr>
+          <p:cNvSpPr/>
+          <p:nvPr/>
+        </p:nvSpPr>
+        <p:spPr>
+          <a:xfrm>
+            <a:off x="2735181" y="3428993"/>
+            <a:ext cx="1075228" cy="2175877"/>
+          </a:xfrm>
+          <a:prstGeom prst="trapezoid">
+            <a:avLst/>
+          </a:prstGeom>
+          <a:solidFill>
+            <a:schemeClr val="accent5">
+              <a:lumMod val="60000"/>
+              <a:lumOff val="40000"/>
+              <a:alpha val="34902"/>
+            </a:schemeClr>
+          </a:solidFill>
+          <a:ln>
+            <a:noFill/>
+          </a:ln>
+        </p:spPr>
+        <p:style>
+          <a:lnRef idx="2">
+            <a:schemeClr val="accent1">
+              <a:shade val="50000"/>
+            </a:schemeClr>
+          </a:lnRef>
+          <a:fillRef idx="1">
+            <a:schemeClr val="accent1"/>
+          </a:fillRef>
+          <a:effectRef idx="0">
+            <a:schemeClr val="accent1"/>
+          </a:effectRef>
+          <a:fontRef idx="minor">
+            <a:schemeClr val="lt1"/>
+          </a:fontRef>
+        </p:style>
+        <p:txBody>
+          <a:bodyPr rtlCol="0" anchor="ctr"/>
+          <a:lstStyle/>
+          <a:p>
+            <a:pPr algn="ctr"/>
+            <a:endParaRPr lang="en-US"/>
+          </a:p>
+        </p:txBody>
+      </p:sp>
+      <p:sp>
+        <p:nvSpPr>
+          <p:cNvPr id="4" name="Oval 3">
+            <a:extLst>
+              <a:ext uri="{FF2B5EF4-FFF2-40B4-BE49-F238E27FC236}">
+                <a16:creationId xmlns:a16="http://schemas.microsoft.com/office/drawing/2014/main" id="{9F33C30E-0589-98B2-8A67-90FF2BB21EE9}"/>
+              </a:ext>
+            </a:extLst>
+          </p:cNvPr>
+          <p:cNvSpPr/>
+          <p:nvPr/>
+        </p:nvSpPr>
+        <p:spPr>
+          <a:xfrm>
+            <a:off x="2946604" y="3145417"/>
+            <a:ext cx="593651" cy="593651"/>
+          </a:xfrm>
+          <a:prstGeom prst="ellipse">
+            <a:avLst/>
+          </a:prstGeom>
+          <a:gradFill flip="none" rotWithShape="1">
+            <a:gsLst>
+              <a:gs pos="0">
+                <a:schemeClr val="accent1">
+                  <a:shade val="30000"/>
+                  <a:satMod val="115000"/>
+                </a:schemeClr>
+              </a:gs>
+              <a:gs pos="50000">
+                <a:schemeClr val="accent1">
+                  <a:shade val="67500"/>
+                  <a:satMod val="115000"/>
+                </a:schemeClr>
+              </a:gs>
+              <a:gs pos="100000">
+                <a:schemeClr val="accent1">
+                  <a:shade val="100000"/>
+                  <a:satMod val="115000"/>
+                </a:schemeClr>
+              </a:gs>
+            </a:gsLst>
+            <a:path path="circle">
+              <a:fillToRect l="50000" t="50000" r="50000" b="50000"/>
+            </a:path>
+            <a:tileRect/>
+          </a:gradFill>
+        </p:spPr>
+        <p:style>
+          <a:lnRef idx="2">
+            <a:schemeClr val="accent1">
+              <a:shade val="50000"/>
+            </a:schemeClr>
+          </a:lnRef>
+          <a:fillRef idx="1">
+            <a:schemeClr val="accent1"/>
+          </a:fillRef>
+          <a:effectRef idx="0">
+            <a:schemeClr val="accent1"/>
+          </a:effectRef>
+          <a:fontRef idx="minor">
+            <a:schemeClr val="lt1"/>
+          </a:fontRef>
+        </p:style>
+        <p:txBody>
+          <a:bodyPr rtlCol="0" anchor="ctr"/>
+          <a:lstStyle/>
+          <a:p>
+            <a:pPr algn="ctr"/>
+            <a:r>
+              <a:rPr lang="en-US" dirty="0"/>
+              <a:t>1</a:t>
+            </a:r>
+          </a:p>
+        </p:txBody>
+      </p:sp>
+      <p:sp>
+        <p:nvSpPr>
+          <p:cNvPr id="5" name="Oval 4">
+            <a:extLst>
+              <a:ext uri="{FF2B5EF4-FFF2-40B4-BE49-F238E27FC236}">
+                <a16:creationId xmlns:a16="http://schemas.microsoft.com/office/drawing/2014/main" id="{557B2D17-EDF9-4C61-1FE2-B3EC825F73C9}"/>
+              </a:ext>
+            </a:extLst>
+          </p:cNvPr>
+          <p:cNvSpPr/>
+          <p:nvPr/>
+        </p:nvSpPr>
+        <p:spPr>
+          <a:xfrm>
+            <a:off x="4281757" y="3138793"/>
+            <a:ext cx="593651" cy="593651"/>
+          </a:xfrm>
+          <a:prstGeom prst="ellipse">
+            <a:avLst/>
+          </a:prstGeom>
+          <a:gradFill flip="none" rotWithShape="1">
+            <a:gsLst>
+              <a:gs pos="0">
+                <a:schemeClr val="accent1">
+                  <a:shade val="30000"/>
+                  <a:satMod val="115000"/>
+                </a:schemeClr>
+              </a:gs>
+              <a:gs pos="50000">
+                <a:schemeClr val="accent1">
+                  <a:shade val="67500"/>
+                  <a:satMod val="115000"/>
+                </a:schemeClr>
+              </a:gs>
+              <a:gs pos="100000">
+                <a:schemeClr val="accent1">
+                  <a:shade val="100000"/>
+                  <a:satMod val="115000"/>
+                </a:schemeClr>
+              </a:gs>
+            </a:gsLst>
+            <a:path path="circle">
+              <a:fillToRect l="50000" t="50000" r="50000" b="50000"/>
+            </a:path>
+            <a:tileRect/>
+          </a:gradFill>
+        </p:spPr>
+        <p:style>
+          <a:lnRef idx="2">
+            <a:schemeClr val="accent1">
+              <a:shade val="50000"/>
+            </a:schemeClr>
+          </a:lnRef>
+          <a:fillRef idx="1">
+            <a:schemeClr val="accent1"/>
+          </a:fillRef>
+          <a:effectRef idx="0">
+            <a:schemeClr val="accent1"/>
+          </a:effectRef>
+          <a:fontRef idx="minor">
+            <a:schemeClr val="lt1"/>
+          </a:fontRef>
+        </p:style>
+        <p:txBody>
+          <a:bodyPr rtlCol="0" anchor="ctr"/>
+          <a:lstStyle/>
+          <a:p>
+            <a:pPr algn="ctr"/>
+            <a:r>
+              <a:rPr lang="en-US" dirty="0"/>
+              <a:t>2</a:t>
+            </a:r>
+          </a:p>
+        </p:txBody>
+      </p:sp>
+      <p:sp>
+        <p:nvSpPr>
+          <p:cNvPr id="2" name="Trapezium 1">
+            <a:extLst>
+              <a:ext uri="{FF2B5EF4-FFF2-40B4-BE49-F238E27FC236}">
+                <a16:creationId xmlns:a16="http://schemas.microsoft.com/office/drawing/2014/main" id="{111E8DF0-B8F6-966B-3F74-9446F9A4EEF3}"/>
+              </a:ext>
+            </a:extLst>
+          </p:cNvPr>
+          <p:cNvSpPr/>
+          <p:nvPr/>
+        </p:nvSpPr>
+        <p:spPr>
+          <a:xfrm>
+            <a:off x="5375671" y="3435624"/>
+            <a:ext cx="1075228" cy="2162622"/>
+          </a:xfrm>
+          <a:prstGeom prst="trapezoid">
+            <a:avLst/>
+          </a:prstGeom>
+          <a:solidFill>
+            <a:schemeClr val="accent5">
+              <a:lumMod val="60000"/>
+              <a:lumOff val="40000"/>
+              <a:alpha val="34902"/>
+            </a:schemeClr>
+          </a:solidFill>
+          <a:ln>
+            <a:noFill/>
+          </a:ln>
+        </p:spPr>
+        <p:style>
+          <a:lnRef idx="2">
+            <a:schemeClr val="accent1">
+              <a:shade val="50000"/>
+            </a:schemeClr>
+          </a:lnRef>
+          <a:fillRef idx="1">
+            <a:schemeClr val="accent1"/>
+          </a:fillRef>
+          <a:effectRef idx="0">
+            <a:schemeClr val="accent1"/>
+          </a:effectRef>
+          <a:fontRef idx="minor">
+            <a:schemeClr val="lt1"/>
+          </a:fontRef>
+        </p:style>
+        <p:txBody>
+          <a:bodyPr rtlCol="0" anchor="ctr"/>
+          <a:lstStyle/>
+          <a:p>
+            <a:pPr algn="ctr"/>
+            <a:endParaRPr lang="en-US"/>
+          </a:p>
+        </p:txBody>
+      </p:sp>
+      <p:sp>
+        <p:nvSpPr>
+          <p:cNvPr id="3" name="Trapezium 2">
+            <a:extLst>
+              <a:ext uri="{FF2B5EF4-FFF2-40B4-BE49-F238E27FC236}">
+                <a16:creationId xmlns:a16="http://schemas.microsoft.com/office/drawing/2014/main" id="{988B0392-FD69-3B0A-2326-CEC3D2185175}"/>
+              </a:ext>
+            </a:extLst>
+          </p:cNvPr>
+          <p:cNvSpPr/>
+          <p:nvPr/>
+        </p:nvSpPr>
+        <p:spPr>
+          <a:xfrm rot="10800000">
+            <a:off x="5366943" y="1199876"/>
+            <a:ext cx="1075228" cy="2179191"/>
+          </a:xfrm>
+          <a:prstGeom prst="trapezoid">
+            <a:avLst/>
+          </a:prstGeom>
+          <a:solidFill>
+            <a:schemeClr val="accent5">
+              <a:lumMod val="60000"/>
+              <a:lumOff val="40000"/>
+              <a:alpha val="34902"/>
+            </a:schemeClr>
+          </a:solidFill>
+          <a:ln>
+            <a:noFill/>
+          </a:ln>
+        </p:spPr>
+        <p:style>
+          <a:lnRef idx="2">
+            <a:schemeClr val="accent1">
+              <a:shade val="50000"/>
+            </a:schemeClr>
+          </a:lnRef>
+          <a:fillRef idx="1">
+            <a:schemeClr val="accent1"/>
+          </a:fillRef>
+          <a:effectRef idx="0">
+            <a:schemeClr val="accent1"/>
+          </a:effectRef>
+          <a:fontRef idx="minor">
+            <a:schemeClr val="lt1"/>
+          </a:fontRef>
+        </p:style>
+        <p:txBody>
+          <a:bodyPr rtlCol="0" anchor="ctr"/>
+          <a:lstStyle/>
+          <a:p>
+            <a:pPr algn="ctr"/>
+            <a:endParaRPr lang="en-US"/>
+          </a:p>
+        </p:txBody>
+      </p:sp>
+      <p:sp>
+        <p:nvSpPr>
+          <p:cNvPr id="16" name="Oval 15">
+            <a:extLst>
+              <a:ext uri="{FF2B5EF4-FFF2-40B4-BE49-F238E27FC236}">
+                <a16:creationId xmlns:a16="http://schemas.microsoft.com/office/drawing/2014/main" id="{3C483C5B-71D8-0512-0C89-6816AD8D5774}"/>
+              </a:ext>
+            </a:extLst>
+          </p:cNvPr>
+          <p:cNvSpPr/>
+          <p:nvPr/>
+        </p:nvSpPr>
+        <p:spPr>
+          <a:xfrm>
+            <a:off x="5616911" y="3132169"/>
+            <a:ext cx="593651" cy="593651"/>
+          </a:xfrm>
+          <a:prstGeom prst="ellipse">
+            <a:avLst/>
+          </a:prstGeom>
+          <a:gradFill flip="none" rotWithShape="1">
+            <a:gsLst>
+              <a:gs pos="0">
+                <a:schemeClr val="accent1">
+                  <a:shade val="30000"/>
+                  <a:satMod val="115000"/>
+                </a:schemeClr>
+              </a:gs>
+              <a:gs pos="50000">
+                <a:schemeClr val="accent1">
+                  <a:shade val="67500"/>
+                  <a:satMod val="115000"/>
+                </a:schemeClr>
+              </a:gs>
+              <a:gs pos="100000">
+                <a:schemeClr val="accent1">
+                  <a:shade val="100000"/>
+                  <a:satMod val="115000"/>
+                </a:schemeClr>
+              </a:gs>
+            </a:gsLst>
+            <a:path path="circle">
+              <a:fillToRect l="50000" t="50000" r="50000" b="50000"/>
+            </a:path>
+            <a:tileRect/>
+          </a:gradFill>
+        </p:spPr>
+        <p:style>
+          <a:lnRef idx="2">
+            <a:schemeClr val="accent1">
+              <a:shade val="50000"/>
+            </a:schemeClr>
+          </a:lnRef>
+          <a:fillRef idx="1">
+            <a:schemeClr val="accent1"/>
+          </a:fillRef>
+          <a:effectRef idx="0">
+            <a:schemeClr val="accent1"/>
+          </a:effectRef>
+          <a:fontRef idx="minor">
+            <a:schemeClr val="lt1"/>
+          </a:fontRef>
+        </p:style>
+        <p:txBody>
+          <a:bodyPr rtlCol="0" anchor="ctr"/>
+          <a:lstStyle/>
+          <a:p>
+            <a:pPr algn="ctr"/>
+            <a:r>
+              <a:rPr lang="en-US" dirty="0"/>
+              <a:t>3</a:t>
+            </a:r>
+          </a:p>
+        </p:txBody>
+      </p:sp>
+      <p:sp>
+        <p:nvSpPr>
+          <p:cNvPr id="17" name="Trapezium 16">
+            <a:extLst>
+              <a:ext uri="{FF2B5EF4-FFF2-40B4-BE49-F238E27FC236}">
+                <a16:creationId xmlns:a16="http://schemas.microsoft.com/office/drawing/2014/main" id="{86F5811F-7A3D-4389-A308-B8AB0BC2CA7E}"/>
+              </a:ext>
+            </a:extLst>
+          </p:cNvPr>
+          <p:cNvSpPr/>
+          <p:nvPr/>
+        </p:nvSpPr>
+        <p:spPr>
+          <a:xfrm>
+            <a:off x="7983033" y="3429000"/>
+            <a:ext cx="1075228" cy="2162622"/>
+          </a:xfrm>
+          <a:prstGeom prst="trapezoid">
+            <a:avLst/>
+          </a:prstGeom>
+          <a:solidFill>
+            <a:schemeClr val="accent5">
+              <a:lumMod val="60000"/>
+              <a:lumOff val="40000"/>
+              <a:alpha val="34902"/>
+            </a:schemeClr>
+          </a:solidFill>
+          <a:ln>
+            <a:noFill/>
+          </a:ln>
+        </p:spPr>
+        <p:style>
+          <a:lnRef idx="2">
+            <a:schemeClr val="accent1">
+              <a:shade val="50000"/>
+            </a:schemeClr>
+          </a:lnRef>
+          <a:fillRef idx="1">
+            <a:schemeClr val="accent1"/>
+          </a:fillRef>
+          <a:effectRef idx="0">
+            <a:schemeClr val="accent1"/>
+          </a:effectRef>
+          <a:fontRef idx="minor">
+            <a:schemeClr val="lt1"/>
+          </a:fontRef>
+        </p:style>
+        <p:txBody>
+          <a:bodyPr rtlCol="0" anchor="ctr"/>
+          <a:lstStyle/>
+          <a:p>
+            <a:pPr algn="ctr"/>
+            <a:endParaRPr lang="en-US"/>
+          </a:p>
+        </p:txBody>
+      </p:sp>
+      <p:sp>
+        <p:nvSpPr>
+          <p:cNvPr id="18" name="Trapezium 17">
+            <a:extLst>
+              <a:ext uri="{FF2B5EF4-FFF2-40B4-BE49-F238E27FC236}">
+                <a16:creationId xmlns:a16="http://schemas.microsoft.com/office/drawing/2014/main" id="{E456A13A-0265-2363-CB4B-D792C60F29A1}"/>
+              </a:ext>
+            </a:extLst>
+          </p:cNvPr>
+          <p:cNvSpPr/>
+          <p:nvPr/>
+        </p:nvSpPr>
+        <p:spPr>
+          <a:xfrm rot="10800000">
+            <a:off x="7974305" y="1206499"/>
+            <a:ext cx="1075228" cy="2165944"/>
+          </a:xfrm>
+          <a:prstGeom prst="trapezoid">
+            <a:avLst/>
+          </a:prstGeom>
+          <a:solidFill>
+            <a:schemeClr val="accent5">
+              <a:lumMod val="60000"/>
+              <a:lumOff val="40000"/>
+              <a:alpha val="34902"/>
+            </a:schemeClr>
+          </a:solidFill>
+          <a:ln>
+            <a:noFill/>
+          </a:ln>
+        </p:spPr>
+        <p:style>
+          <a:lnRef idx="2">
+            <a:schemeClr val="accent1">
+              <a:shade val="50000"/>
+            </a:schemeClr>
+          </a:lnRef>
+          <a:fillRef idx="1">
+            <a:schemeClr val="accent1"/>
+          </a:fillRef>
+          <a:effectRef idx="0">
+            <a:schemeClr val="accent1"/>
+          </a:effectRef>
+          <a:fontRef idx="minor">
+            <a:schemeClr val="lt1"/>
+          </a:fontRef>
+        </p:style>
+        <p:txBody>
+          <a:bodyPr rtlCol="0" anchor="ctr"/>
+          <a:lstStyle/>
+          <a:p>
+            <a:pPr algn="ctr"/>
+            <a:endParaRPr lang="en-US"/>
+          </a:p>
+        </p:txBody>
+      </p:sp>
+      <p:sp>
+        <p:nvSpPr>
+          <p:cNvPr id="19" name="Oval 18">
+            <a:extLst>
+              <a:ext uri="{FF2B5EF4-FFF2-40B4-BE49-F238E27FC236}">
+                <a16:creationId xmlns:a16="http://schemas.microsoft.com/office/drawing/2014/main" id="{3D80FE92-2AD1-6862-3F20-92AE6D76DB69}"/>
+              </a:ext>
+            </a:extLst>
+          </p:cNvPr>
+          <p:cNvSpPr/>
+          <p:nvPr/>
+        </p:nvSpPr>
+        <p:spPr>
+          <a:xfrm>
+            <a:off x="8224273" y="3125545"/>
+            <a:ext cx="593651" cy="593651"/>
+          </a:xfrm>
+          <a:prstGeom prst="ellipse">
+            <a:avLst/>
+          </a:prstGeom>
+          <a:gradFill flip="none" rotWithShape="1">
+            <a:gsLst>
+              <a:gs pos="0">
+                <a:schemeClr val="accent1">
+                  <a:shade val="30000"/>
+                  <a:satMod val="115000"/>
+                </a:schemeClr>
+              </a:gs>
+              <a:gs pos="50000">
+                <a:schemeClr val="accent1">
+                  <a:shade val="67500"/>
+                  <a:satMod val="115000"/>
+                </a:schemeClr>
+              </a:gs>
+              <a:gs pos="100000">
+                <a:schemeClr val="accent1">
+                  <a:shade val="100000"/>
+                  <a:satMod val="115000"/>
+                </a:schemeClr>
+              </a:gs>
+            </a:gsLst>
+            <a:path path="circle">
+              <a:fillToRect l="50000" t="50000" r="50000" b="50000"/>
+            </a:path>
+            <a:tileRect/>
+          </a:gradFill>
+        </p:spPr>
+        <p:style>
+          <a:lnRef idx="2">
+            <a:schemeClr val="accent1">
+              <a:shade val="50000"/>
+            </a:schemeClr>
+          </a:lnRef>
+          <a:fillRef idx="1">
+            <a:schemeClr val="accent1"/>
+          </a:fillRef>
+          <a:effectRef idx="0">
+            <a:schemeClr val="accent1"/>
+          </a:effectRef>
+          <a:fontRef idx="minor">
+            <a:schemeClr val="lt1"/>
+          </a:fontRef>
+        </p:style>
+        <p:txBody>
+          <a:bodyPr rtlCol="0" anchor="ctr"/>
+          <a:lstStyle/>
+          <a:p>
+            <a:pPr algn="ctr"/>
+            <a:r>
+              <a:rPr lang="en-US" dirty="0"/>
+              <a:t>N</a:t>
+            </a:r>
+          </a:p>
+        </p:txBody>
+      </p:sp>
+      <p:sp>
+        <p:nvSpPr>
+          <p:cNvPr id="20" name="TextBox 19">
+            <a:extLst>
+              <a:ext uri="{FF2B5EF4-FFF2-40B4-BE49-F238E27FC236}">
+                <a16:creationId xmlns:a16="http://schemas.microsoft.com/office/drawing/2014/main" id="{257DD48A-63C0-0A31-457F-BF7F8DF10B63}"/>
+              </a:ext>
+            </a:extLst>
+          </p:cNvPr>
+          <p:cNvSpPr txBox="1"/>
+          <p:nvPr/>
+        </p:nvSpPr>
+        <p:spPr>
+          <a:xfrm>
+            <a:off x="6826474" y="3244328"/>
+            <a:ext cx="780983" cy="369332"/>
+          </a:xfrm>
+          <a:prstGeom prst="rect">
+            <a:avLst/>
+          </a:prstGeom>
+          <a:noFill/>
+        </p:spPr>
+        <p:txBody>
+          <a:bodyPr wrap="none" rtlCol="0">
+            <a:spAutoFit/>
+          </a:bodyPr>
+          <a:lstStyle/>
+          <a:p>
+            <a:r>
+              <a:rPr lang="en-US" dirty="0"/>
+              <a:t> .   .   . </a:t>
+            </a:r>
+          </a:p>
+        </p:txBody>
+      </p:sp>
+      <p:cxnSp>
+        <p:nvCxnSpPr>
+          <p:cNvPr id="21" name="Straight Arrow Connector 20">
+            <a:extLst>
+              <a:ext uri="{FF2B5EF4-FFF2-40B4-BE49-F238E27FC236}">
+                <a16:creationId xmlns:a16="http://schemas.microsoft.com/office/drawing/2014/main" id="{8652993F-A4FA-B34F-F2CE-0AA6A9D9E86D}"/>
+              </a:ext>
+            </a:extLst>
+          </p:cNvPr>
+          <p:cNvCxnSpPr>
+            <a:cxnSpLocks/>
+          </p:cNvCxnSpPr>
+          <p:nvPr/>
+        </p:nvCxnSpPr>
+        <p:spPr>
+          <a:xfrm>
+            <a:off x="3187918" y="3913119"/>
+            <a:ext cx="1391479" cy="0"/>
+          </a:xfrm>
+          <a:prstGeom prst="straightConnector1">
+            <a:avLst/>
+          </a:prstGeom>
+          <a:ln w="38100">
+            <a:solidFill>
+              <a:schemeClr val="bg2">
+                <a:lumMod val="50000"/>
+              </a:schemeClr>
+            </a:solidFill>
+            <a:headEnd type="triangle"/>
+            <a:tailEnd type="triangle"/>
+          </a:ln>
+        </p:spPr>
+        <p:style>
+          <a:lnRef idx="1">
+            <a:schemeClr val="accent1"/>
+          </a:lnRef>
+          <a:fillRef idx="0">
+            <a:schemeClr val="accent1"/>
+          </a:fillRef>
+          <a:effectRef idx="0">
+            <a:schemeClr val="accent1"/>
+          </a:effectRef>
+          <a:fontRef idx="minor">
+            <a:schemeClr val="tx1"/>
+          </a:fontRef>
+        </p:style>
+      </p:cxnSp>
+      <p:sp>
+        <p:nvSpPr>
+          <p:cNvPr id="25" name="TextBox 24">
+            <a:extLst>
+              <a:ext uri="{FF2B5EF4-FFF2-40B4-BE49-F238E27FC236}">
+                <a16:creationId xmlns:a16="http://schemas.microsoft.com/office/drawing/2014/main" id="{B663A75E-2013-2DF3-33CD-AF66FBC68158}"/>
+              </a:ext>
+            </a:extLst>
+          </p:cNvPr>
+          <p:cNvSpPr txBox="1"/>
+          <p:nvPr/>
+        </p:nvSpPr>
+        <p:spPr>
+          <a:xfrm>
+            <a:off x="3763893" y="3893241"/>
+            <a:ext cx="297712" cy="461665"/>
+          </a:xfrm>
+          <a:prstGeom prst="rect">
+            <a:avLst/>
+          </a:prstGeom>
+          <a:noFill/>
+        </p:spPr>
+        <p:txBody>
+          <a:bodyPr wrap="square" rtlCol="0">
+            <a:spAutoFit/>
+          </a:bodyPr>
+          <a:lstStyle/>
+          <a:p>
+            <a:r>
+              <a:rPr lang="en-US" sz="2400" i="1" dirty="0">
+                <a:latin typeface="Times" pitchFamily="2" charset="0"/>
+              </a:rPr>
+              <a:t>a </a:t>
+            </a:r>
+          </a:p>
+        </p:txBody>
+      </p:sp>
+      <p:sp>
+        <p:nvSpPr>
+          <p:cNvPr id="6" name="Right Arrow 5">
+            <a:extLst>
+              <a:ext uri="{FF2B5EF4-FFF2-40B4-BE49-F238E27FC236}">
+                <a16:creationId xmlns:a16="http://schemas.microsoft.com/office/drawing/2014/main" id="{E5E2B3EA-E3EB-C535-1A3F-B4A104713A3E}"/>
+              </a:ext>
+            </a:extLst>
+          </p:cNvPr>
+          <p:cNvSpPr/>
+          <p:nvPr/>
+        </p:nvSpPr>
+        <p:spPr>
+          <a:xfrm>
+            <a:off x="1203047" y="3255927"/>
+            <a:ext cx="1286589" cy="369332"/>
+          </a:xfrm>
+          <a:prstGeom prst="rightArrow">
+            <a:avLst/>
+          </a:prstGeom>
+          <a:solidFill>
+            <a:srgbClr val="7030A0"/>
+          </a:solidFill>
+          <a:ln>
+            <a:noFill/>
+          </a:ln>
+        </p:spPr>
+        <p:style>
+          <a:lnRef idx="2">
+            <a:schemeClr val="accent1">
+              <a:shade val="50000"/>
+            </a:schemeClr>
+          </a:lnRef>
+          <a:fillRef idx="1">
+            <a:schemeClr val="accent1"/>
+          </a:fillRef>
+          <a:effectRef idx="0">
+            <a:schemeClr val="accent1"/>
+          </a:effectRef>
+          <a:fontRef idx="minor">
+            <a:schemeClr val="lt1"/>
+          </a:fontRef>
+        </p:style>
+        <p:txBody>
+          <a:bodyPr rtlCol="0" anchor="ctr"/>
+          <a:lstStyle/>
+          <a:p>
+            <a:pPr algn="ctr"/>
+            <a:endParaRPr lang="en-US"/>
+          </a:p>
+        </p:txBody>
+      </p:sp>
+      <p:sp>
+        <p:nvSpPr>
+          <p:cNvPr id="7" name="Right Arrow 6">
+            <a:extLst>
+              <a:ext uri="{FF2B5EF4-FFF2-40B4-BE49-F238E27FC236}">
+                <a16:creationId xmlns:a16="http://schemas.microsoft.com/office/drawing/2014/main" id="{BA2EF6F2-EFE5-F6C9-9C6A-C0027024843F}"/>
+              </a:ext>
+            </a:extLst>
+          </p:cNvPr>
+          <p:cNvSpPr/>
+          <p:nvPr/>
+        </p:nvSpPr>
+        <p:spPr>
+          <a:xfrm rot="10800000">
+            <a:off x="9188908" y="3228355"/>
+            <a:ext cx="1289040" cy="369332"/>
+          </a:xfrm>
+          <a:prstGeom prst="rightArrow">
+            <a:avLst/>
+          </a:prstGeom>
+          <a:solidFill>
+            <a:srgbClr val="7030A0"/>
+          </a:solidFill>
+          <a:ln>
+            <a:noFill/>
+          </a:ln>
+        </p:spPr>
+        <p:style>
+          <a:lnRef idx="2">
+            <a:schemeClr val="accent1">
+              <a:shade val="50000"/>
+            </a:schemeClr>
+          </a:lnRef>
+          <a:fillRef idx="1">
+            <a:schemeClr val="accent1"/>
+          </a:fillRef>
+          <a:effectRef idx="0">
+            <a:schemeClr val="accent1"/>
+          </a:effectRef>
+          <a:fontRef idx="minor">
+            <a:schemeClr val="lt1"/>
+          </a:fontRef>
+        </p:style>
+        <p:txBody>
+          <a:bodyPr rtlCol="0" anchor="ctr"/>
+          <a:lstStyle/>
+          <a:p>
+            <a:pPr algn="ctr"/>
+            <a:endParaRPr lang="en-US"/>
+          </a:p>
+        </p:txBody>
+      </p:sp>
+      <p:sp>
+        <p:nvSpPr>
+          <p:cNvPr id="22" name="TextBox 21">
+            <a:extLst>
+              <a:ext uri="{FF2B5EF4-FFF2-40B4-BE49-F238E27FC236}">
+                <a16:creationId xmlns:a16="http://schemas.microsoft.com/office/drawing/2014/main" id="{AB7FAD87-28F7-BF9F-3FE6-9720E00392E5}"/>
+              </a:ext>
+            </a:extLst>
+          </p:cNvPr>
+          <p:cNvSpPr txBox="1"/>
+          <p:nvPr/>
+        </p:nvSpPr>
+        <p:spPr>
+          <a:xfrm>
+            <a:off x="1086522" y="1199875"/>
+            <a:ext cx="1786852" cy="830997"/>
+          </a:xfrm>
+          <a:prstGeom prst="rect">
+            <a:avLst/>
+          </a:prstGeom>
+          <a:noFill/>
+        </p:spPr>
+        <p:txBody>
+          <a:bodyPr wrap="square" rtlCol="0">
+            <a:spAutoFit/>
+          </a:bodyPr>
+          <a:lstStyle/>
+          <a:p>
+            <a:r>
+              <a:rPr lang="en-US" sz="2400" i="1" dirty="0">
+                <a:solidFill>
+                  <a:srgbClr val="0070C0"/>
+                </a:solidFill>
+                <a:latin typeface="Times" pitchFamily="2" charset="0"/>
+              </a:rPr>
+              <a:t>Optical</a:t>
+            </a:r>
+          </a:p>
+          <a:p>
+            <a:r>
+              <a:rPr lang="en-US" sz="2400" i="1" dirty="0">
+                <a:solidFill>
+                  <a:srgbClr val="0070C0"/>
+                </a:solidFill>
+                <a:latin typeface="Times" pitchFamily="2" charset="0"/>
+              </a:rPr>
+              <a:t>Tweezers</a:t>
+            </a:r>
+          </a:p>
+        </p:txBody>
+      </p:sp>
+      <p:sp>
+        <p:nvSpPr>
+          <p:cNvPr id="23" name="TextBox 22">
+            <a:extLst>
+              <a:ext uri="{FF2B5EF4-FFF2-40B4-BE49-F238E27FC236}">
+                <a16:creationId xmlns:a16="http://schemas.microsoft.com/office/drawing/2014/main" id="{B30EE643-8B7D-72F7-0F40-892F34B38D53}"/>
+              </a:ext>
+            </a:extLst>
+          </p:cNvPr>
+          <p:cNvSpPr txBox="1"/>
+          <p:nvPr/>
+        </p:nvSpPr>
+        <p:spPr>
+          <a:xfrm>
+            <a:off x="8817924" y="4074269"/>
+            <a:ext cx="1786852" cy="830997"/>
+          </a:xfrm>
+          <a:prstGeom prst="rect">
+            <a:avLst/>
+          </a:prstGeom>
+          <a:noFill/>
+        </p:spPr>
+        <p:txBody>
+          <a:bodyPr wrap="square" rtlCol="0">
+            <a:spAutoFit/>
+          </a:bodyPr>
+          <a:lstStyle/>
+          <a:p>
+            <a:pPr algn="r"/>
+            <a:r>
+              <a:rPr lang="en-US" sz="2400" i="1" dirty="0">
+                <a:solidFill>
+                  <a:srgbClr val="7030A0"/>
+                </a:solidFill>
+                <a:latin typeface="Times" pitchFamily="2" charset="0"/>
+              </a:rPr>
+              <a:t>Driving</a:t>
+            </a:r>
+            <a:r>
+              <a:rPr lang="en-US" sz="2400" i="1" dirty="0">
+                <a:solidFill>
+                  <a:srgbClr val="FF0000"/>
+                </a:solidFill>
+                <a:latin typeface="Times" pitchFamily="2" charset="0"/>
+              </a:rPr>
+              <a:t> </a:t>
+            </a:r>
+          </a:p>
+          <a:p>
+            <a:pPr algn="r"/>
+            <a:r>
+              <a:rPr lang="en-US" sz="2400" i="1" dirty="0">
+                <a:solidFill>
+                  <a:srgbClr val="7030A0"/>
+                </a:solidFill>
+                <a:latin typeface="Times" pitchFamily="2" charset="0"/>
+              </a:rPr>
+              <a:t>Laser</a:t>
+            </a:r>
+          </a:p>
+        </p:txBody>
+      </p:sp>
+      <p:cxnSp>
+        <p:nvCxnSpPr>
+          <p:cNvPr id="27" name="Straight Arrow Connector 26">
+            <a:extLst>
+              <a:ext uri="{FF2B5EF4-FFF2-40B4-BE49-F238E27FC236}">
+                <a16:creationId xmlns:a16="http://schemas.microsoft.com/office/drawing/2014/main" id="{702B44F4-C11F-9ADD-E6D0-3F619C75FDE5}"/>
+              </a:ext>
+            </a:extLst>
+          </p:cNvPr>
+          <p:cNvCxnSpPr>
+            <a:cxnSpLocks/>
+          </p:cNvCxnSpPr>
+          <p:nvPr/>
+        </p:nvCxnSpPr>
+        <p:spPr>
+          <a:xfrm>
+            <a:off x="4559524" y="3914319"/>
+            <a:ext cx="1391479" cy="0"/>
+          </a:xfrm>
+          <a:prstGeom prst="straightConnector1">
+            <a:avLst/>
+          </a:prstGeom>
+          <a:ln w="38100">
+            <a:solidFill>
+              <a:schemeClr val="bg2">
+                <a:lumMod val="50000"/>
+              </a:schemeClr>
+            </a:solidFill>
+            <a:headEnd type="triangle"/>
+            <a:tailEnd type="triangle"/>
+          </a:ln>
+        </p:spPr>
+        <p:style>
+          <a:lnRef idx="1">
+            <a:schemeClr val="accent1"/>
+          </a:lnRef>
+          <a:fillRef idx="0">
+            <a:schemeClr val="accent1"/>
+          </a:fillRef>
+          <a:effectRef idx="0">
+            <a:schemeClr val="accent1"/>
+          </a:effectRef>
+          <a:fontRef idx="minor">
+            <a:schemeClr val="tx1"/>
+          </a:fontRef>
+        </p:style>
+      </p:cxnSp>
+      <p:sp>
+        <p:nvSpPr>
+          <p:cNvPr id="28" name="TextBox 27">
+            <a:extLst>
+              <a:ext uri="{FF2B5EF4-FFF2-40B4-BE49-F238E27FC236}">
+                <a16:creationId xmlns:a16="http://schemas.microsoft.com/office/drawing/2014/main" id="{A4A43FFC-50C0-9DF3-4DD4-C2BF0C2CF139}"/>
+              </a:ext>
+            </a:extLst>
+          </p:cNvPr>
+          <p:cNvSpPr txBox="1"/>
+          <p:nvPr/>
+        </p:nvSpPr>
+        <p:spPr>
+          <a:xfrm>
+            <a:off x="5135499" y="3894441"/>
+            <a:ext cx="297712" cy="461665"/>
+          </a:xfrm>
+          <a:prstGeom prst="rect">
+            <a:avLst/>
+          </a:prstGeom>
+          <a:noFill/>
+        </p:spPr>
+        <p:txBody>
+          <a:bodyPr wrap="square" rtlCol="0">
+            <a:spAutoFit/>
+          </a:bodyPr>
+          <a:lstStyle/>
+          <a:p>
+            <a:r>
+              <a:rPr lang="en-US" sz="2400" i="1" dirty="0">
+                <a:latin typeface="Times" pitchFamily="2" charset="0"/>
+              </a:rPr>
+              <a:t>a </a:t>
+            </a:r>
+          </a:p>
+        </p:txBody>
+      </p:sp>
+    </p:spTree>
+    <p:extLst>
+      <p:ext uri="{BB962C8B-B14F-4D97-AF65-F5344CB8AC3E}">
+        <p14:creationId xmlns:p14="http://schemas.microsoft.com/office/powerpoint/2010/main" val="1194500936"/>
+      </p:ext>
+    </p:extLst>
+  </p:cSld>
+  <p:clrMapOvr>
+    <a:masterClrMapping/>
+  </p:clrMapOvr>
+</p:sld>
+</file>
+
+<file path=ppt/slides/slide18.xml><?xml version="1.0" encoding="utf-8"?>
+<p:sld xmlns:a="http://schemas.openxmlformats.org/drawingml/2006/main" xmlns:r="http://schemas.openxmlformats.org/officeDocument/2006/relationships" xmlns:p="http://schemas.openxmlformats.org/presentationml/2006/main">
+  <p:cSld>
+    <p:spTree>
+      <p:nvGrpSpPr>
+        <p:cNvPr id="1" name=""/>
+        <p:cNvGrpSpPr/>
+        <p:nvPr/>
+      </p:nvGrpSpPr>
+      <p:grpSpPr>
+        <a:xfrm>
+          <a:off x="0" y="0"/>
+          <a:ext cx="0" cy="0"/>
+          <a:chOff x="0" y="0"/>
+          <a:chExt cx="0" cy="0"/>
+        </a:xfrm>
+      </p:grpSpPr>
+      <p:sp>
+        <p:nvSpPr>
           <p:cNvPr id="4" name="Oval 3">
             <a:extLst>
               <a:ext uri="{FF2B5EF4-FFF2-40B4-BE49-F238E27FC236}">
@@ -10081,7 +13418,7 @@
 </p:sld>
 </file>
 
-<file path=ppt/slides/slide16.xml><?xml version="1.0" encoding="utf-8"?>
+<file path=ppt/slides/slide19.xml><?xml version="1.0" encoding="utf-8"?>
 <p:sld xmlns:a="http://schemas.openxmlformats.org/drawingml/2006/main" xmlns:r="http://schemas.openxmlformats.org/officeDocument/2006/relationships" xmlns:p="http://schemas.openxmlformats.org/presentationml/2006/main">
   <p:cSld>
     <p:spTree>
@@ -11279,7 +14616,596 @@
 </p:sld>
 </file>
 
-<file path=ppt/slides/slide17.xml><?xml version="1.0" encoding="utf-8"?>
+<file path=ppt/slides/slide2.xml><?xml version="1.0" encoding="utf-8"?>
+<p:sld xmlns:a="http://schemas.openxmlformats.org/drawingml/2006/main" xmlns:r="http://schemas.openxmlformats.org/officeDocument/2006/relationships" xmlns:p="http://schemas.openxmlformats.org/presentationml/2006/main">
+  <p:cSld>
+    <p:spTree>
+      <p:nvGrpSpPr>
+        <p:cNvPr id="1" name=""/>
+        <p:cNvGrpSpPr/>
+        <p:nvPr/>
+      </p:nvGrpSpPr>
+      <p:grpSpPr>
+        <a:xfrm>
+          <a:off x="0" y="0"/>
+          <a:ext cx="0" cy="0"/>
+          <a:chOff x="0" y="0"/>
+          <a:chExt cx="0" cy="0"/>
+        </a:xfrm>
+      </p:grpSpPr>
+      <p:sp>
+        <p:nvSpPr>
+          <p:cNvPr id="13" name="Trapezium 12">
+            <a:extLst>
+              <a:ext uri="{FF2B5EF4-FFF2-40B4-BE49-F238E27FC236}">
+                <a16:creationId xmlns:a16="http://schemas.microsoft.com/office/drawing/2014/main" id="{545A289E-9980-EE4B-DBD4-ED1AB366C590}"/>
+              </a:ext>
+            </a:extLst>
+          </p:cNvPr>
+          <p:cNvSpPr/>
+          <p:nvPr/>
+        </p:nvSpPr>
+        <p:spPr>
+          <a:xfrm>
+            <a:off x="1319740" y="1999120"/>
+            <a:ext cx="1075228" cy="1443134"/>
+          </a:xfrm>
+          <a:prstGeom prst="trapezoid">
+            <a:avLst/>
+          </a:prstGeom>
+          <a:solidFill>
+            <a:schemeClr val="accent2">
+              <a:lumMod val="60000"/>
+              <a:lumOff val="40000"/>
+              <a:alpha val="20000"/>
+            </a:schemeClr>
+          </a:solidFill>
+          <a:ln>
+            <a:noFill/>
+          </a:ln>
+        </p:spPr>
+        <p:style>
+          <a:lnRef idx="2">
+            <a:schemeClr val="accent1">
+              <a:shade val="50000"/>
+            </a:schemeClr>
+          </a:lnRef>
+          <a:fillRef idx="1">
+            <a:schemeClr val="accent1"/>
+          </a:fillRef>
+          <a:effectRef idx="0">
+            <a:schemeClr val="accent1"/>
+          </a:effectRef>
+          <a:fontRef idx="minor">
+            <a:schemeClr val="lt1"/>
+          </a:fontRef>
+        </p:style>
+        <p:txBody>
+          <a:bodyPr rtlCol="0" anchor="ctr"/>
+          <a:lstStyle/>
+          <a:p>
+            <a:pPr algn="ctr"/>
+            <a:endParaRPr lang="en-US"/>
+          </a:p>
+        </p:txBody>
+      </p:sp>
+      <p:sp>
+        <p:nvSpPr>
+          <p:cNvPr id="12" name="Trapezium 11">
+            <a:extLst>
+              <a:ext uri="{FF2B5EF4-FFF2-40B4-BE49-F238E27FC236}">
+                <a16:creationId xmlns:a16="http://schemas.microsoft.com/office/drawing/2014/main" id="{42691D6A-4907-6724-9B5A-A28C68B08F24}"/>
+              </a:ext>
+            </a:extLst>
+          </p:cNvPr>
+          <p:cNvSpPr/>
+          <p:nvPr/>
+        </p:nvSpPr>
+        <p:spPr>
+          <a:xfrm rot="10800000">
+            <a:off x="1311012" y="499429"/>
+            <a:ext cx="1075228" cy="1443134"/>
+          </a:xfrm>
+          <a:prstGeom prst="trapezoid">
+            <a:avLst/>
+          </a:prstGeom>
+          <a:solidFill>
+            <a:schemeClr val="accent2">
+              <a:lumMod val="60000"/>
+              <a:lumOff val="40000"/>
+              <a:alpha val="20000"/>
+            </a:schemeClr>
+          </a:solidFill>
+          <a:ln>
+            <a:noFill/>
+          </a:ln>
+        </p:spPr>
+        <p:style>
+          <a:lnRef idx="2">
+            <a:schemeClr val="accent1">
+              <a:shade val="50000"/>
+            </a:schemeClr>
+          </a:lnRef>
+          <a:fillRef idx="1">
+            <a:schemeClr val="accent1"/>
+          </a:fillRef>
+          <a:effectRef idx="0">
+            <a:schemeClr val="accent1"/>
+          </a:effectRef>
+          <a:fontRef idx="minor">
+            <a:schemeClr val="lt1"/>
+          </a:fontRef>
+        </p:style>
+        <p:txBody>
+          <a:bodyPr rtlCol="0" anchor="ctr"/>
+          <a:lstStyle/>
+          <a:p>
+            <a:pPr algn="ctr"/>
+            <a:endParaRPr lang="en-US"/>
+          </a:p>
+        </p:txBody>
+      </p:sp>
+      <p:sp>
+        <p:nvSpPr>
+          <p:cNvPr id="11" name="Trapezium 10">
+            <a:extLst>
+              <a:ext uri="{FF2B5EF4-FFF2-40B4-BE49-F238E27FC236}">
+                <a16:creationId xmlns:a16="http://schemas.microsoft.com/office/drawing/2014/main" id="{397AA7A2-156E-EA43-643A-4B4CB384D1E1}"/>
+              </a:ext>
+            </a:extLst>
+          </p:cNvPr>
+          <p:cNvSpPr/>
+          <p:nvPr/>
+        </p:nvSpPr>
+        <p:spPr>
+          <a:xfrm rot="10800000">
+            <a:off x="164697" y="496114"/>
+            <a:ext cx="1075228" cy="1443134"/>
+          </a:xfrm>
+          <a:prstGeom prst="trapezoid">
+            <a:avLst/>
+          </a:prstGeom>
+          <a:solidFill>
+            <a:schemeClr val="accent2">
+              <a:lumMod val="60000"/>
+              <a:lumOff val="40000"/>
+              <a:alpha val="20000"/>
+            </a:schemeClr>
+          </a:solidFill>
+          <a:ln>
+            <a:noFill/>
+          </a:ln>
+        </p:spPr>
+        <p:style>
+          <a:lnRef idx="2">
+            <a:schemeClr val="accent1">
+              <a:shade val="50000"/>
+            </a:schemeClr>
+          </a:lnRef>
+          <a:fillRef idx="1">
+            <a:schemeClr val="accent1"/>
+          </a:fillRef>
+          <a:effectRef idx="0">
+            <a:schemeClr val="accent1"/>
+          </a:effectRef>
+          <a:fontRef idx="minor">
+            <a:schemeClr val="lt1"/>
+          </a:fontRef>
+        </p:style>
+        <p:txBody>
+          <a:bodyPr rtlCol="0" anchor="ctr"/>
+          <a:lstStyle/>
+          <a:p>
+            <a:pPr algn="ctr"/>
+            <a:endParaRPr lang="en-US"/>
+          </a:p>
+        </p:txBody>
+      </p:sp>
+      <p:sp>
+        <p:nvSpPr>
+          <p:cNvPr id="10" name="Trapezium 9">
+            <a:extLst>
+              <a:ext uri="{FF2B5EF4-FFF2-40B4-BE49-F238E27FC236}">
+                <a16:creationId xmlns:a16="http://schemas.microsoft.com/office/drawing/2014/main" id="{B74E71A1-EB38-1246-127A-4AD1FD3DBD78}"/>
+              </a:ext>
+            </a:extLst>
+          </p:cNvPr>
+          <p:cNvSpPr/>
+          <p:nvPr/>
+        </p:nvSpPr>
+        <p:spPr>
+          <a:xfrm>
+            <a:off x="183367" y="1985866"/>
+            <a:ext cx="1075228" cy="1443134"/>
+          </a:xfrm>
+          <a:prstGeom prst="trapezoid">
+            <a:avLst/>
+          </a:prstGeom>
+          <a:solidFill>
+            <a:schemeClr val="accent2">
+              <a:lumMod val="60000"/>
+              <a:lumOff val="40000"/>
+              <a:alpha val="20000"/>
+            </a:schemeClr>
+          </a:solidFill>
+          <a:ln>
+            <a:noFill/>
+          </a:ln>
+        </p:spPr>
+        <p:style>
+          <a:lnRef idx="2">
+            <a:schemeClr val="accent1">
+              <a:shade val="50000"/>
+            </a:schemeClr>
+          </a:lnRef>
+          <a:fillRef idx="1">
+            <a:schemeClr val="accent1"/>
+          </a:fillRef>
+          <a:effectRef idx="0">
+            <a:schemeClr val="accent1"/>
+          </a:effectRef>
+          <a:fontRef idx="minor">
+            <a:schemeClr val="lt1"/>
+          </a:fontRef>
+        </p:style>
+        <p:txBody>
+          <a:bodyPr rtlCol="0" anchor="ctr"/>
+          <a:lstStyle/>
+          <a:p>
+            <a:pPr algn="ctr"/>
+            <a:endParaRPr lang="en-US"/>
+          </a:p>
+        </p:txBody>
+      </p:sp>
+      <p:sp>
+        <p:nvSpPr>
+          <p:cNvPr id="4" name="Oval 3">
+            <a:extLst>
+              <a:ext uri="{FF2B5EF4-FFF2-40B4-BE49-F238E27FC236}">
+                <a16:creationId xmlns:a16="http://schemas.microsoft.com/office/drawing/2014/main" id="{9F33C30E-0589-98B2-8A67-90FF2BB21EE9}"/>
+              </a:ext>
+            </a:extLst>
+          </p:cNvPr>
+          <p:cNvSpPr/>
+          <p:nvPr/>
+        </p:nvSpPr>
+        <p:spPr>
+          <a:xfrm>
+            <a:off x="394790" y="1702289"/>
+            <a:ext cx="593651" cy="593651"/>
+          </a:xfrm>
+          <a:prstGeom prst="ellipse">
+            <a:avLst/>
+          </a:prstGeom>
+          <a:gradFill flip="none" rotWithShape="1">
+            <a:gsLst>
+              <a:gs pos="0">
+                <a:schemeClr val="accent1">
+                  <a:shade val="30000"/>
+                  <a:satMod val="115000"/>
+                </a:schemeClr>
+              </a:gs>
+              <a:gs pos="50000">
+                <a:schemeClr val="accent1">
+                  <a:shade val="67500"/>
+                  <a:satMod val="115000"/>
+                </a:schemeClr>
+              </a:gs>
+              <a:gs pos="100000">
+                <a:schemeClr val="accent1">
+                  <a:shade val="100000"/>
+                  <a:satMod val="115000"/>
+                </a:schemeClr>
+              </a:gs>
+            </a:gsLst>
+            <a:path path="circle">
+              <a:fillToRect l="50000" t="50000" r="50000" b="50000"/>
+            </a:path>
+            <a:tileRect/>
+          </a:gradFill>
+        </p:spPr>
+        <p:style>
+          <a:lnRef idx="2">
+            <a:schemeClr val="accent1">
+              <a:shade val="50000"/>
+            </a:schemeClr>
+          </a:lnRef>
+          <a:fillRef idx="1">
+            <a:schemeClr val="accent1"/>
+          </a:fillRef>
+          <a:effectRef idx="0">
+            <a:schemeClr val="accent1"/>
+          </a:effectRef>
+          <a:fontRef idx="minor">
+            <a:schemeClr val="lt1"/>
+          </a:fontRef>
+        </p:style>
+        <p:txBody>
+          <a:bodyPr rtlCol="0" anchor="ctr"/>
+          <a:lstStyle/>
+          <a:p>
+            <a:pPr algn="ctr"/>
+            <a:r>
+              <a:rPr lang="en-US" dirty="0"/>
+              <a:t>1</a:t>
+            </a:r>
+          </a:p>
+        </p:txBody>
+      </p:sp>
+      <p:sp>
+        <p:nvSpPr>
+          <p:cNvPr id="5" name="Oval 4">
+            <a:extLst>
+              <a:ext uri="{FF2B5EF4-FFF2-40B4-BE49-F238E27FC236}">
+                <a16:creationId xmlns:a16="http://schemas.microsoft.com/office/drawing/2014/main" id="{557B2D17-EDF9-4C61-1FE2-B3EC825F73C9}"/>
+              </a:ext>
+            </a:extLst>
+          </p:cNvPr>
+          <p:cNvSpPr/>
+          <p:nvPr/>
+        </p:nvSpPr>
+        <p:spPr>
+          <a:xfrm>
+            <a:off x="1560980" y="1695665"/>
+            <a:ext cx="593651" cy="593651"/>
+          </a:xfrm>
+          <a:prstGeom prst="ellipse">
+            <a:avLst/>
+          </a:prstGeom>
+          <a:gradFill flip="none" rotWithShape="1">
+            <a:gsLst>
+              <a:gs pos="0">
+                <a:schemeClr val="accent1">
+                  <a:shade val="30000"/>
+                  <a:satMod val="115000"/>
+                </a:schemeClr>
+              </a:gs>
+              <a:gs pos="50000">
+                <a:schemeClr val="accent1">
+                  <a:shade val="67500"/>
+                  <a:satMod val="115000"/>
+                </a:schemeClr>
+              </a:gs>
+              <a:gs pos="100000">
+                <a:schemeClr val="accent1">
+                  <a:shade val="100000"/>
+                  <a:satMod val="115000"/>
+                </a:schemeClr>
+              </a:gs>
+            </a:gsLst>
+            <a:path path="circle">
+              <a:fillToRect l="50000" t="50000" r="50000" b="50000"/>
+            </a:path>
+            <a:tileRect/>
+          </a:gradFill>
+        </p:spPr>
+        <p:style>
+          <a:lnRef idx="2">
+            <a:schemeClr val="accent1">
+              <a:shade val="50000"/>
+            </a:schemeClr>
+          </a:lnRef>
+          <a:fillRef idx="1">
+            <a:schemeClr val="accent1"/>
+          </a:fillRef>
+          <a:effectRef idx="0">
+            <a:schemeClr val="accent1"/>
+          </a:effectRef>
+          <a:fontRef idx="minor">
+            <a:schemeClr val="lt1"/>
+          </a:fontRef>
+        </p:style>
+        <p:txBody>
+          <a:bodyPr rtlCol="0" anchor="ctr"/>
+          <a:lstStyle/>
+          <a:p>
+            <a:pPr algn="ctr"/>
+            <a:r>
+              <a:rPr lang="en-US" dirty="0"/>
+              <a:t>2</a:t>
+            </a:r>
+          </a:p>
+        </p:txBody>
+      </p:sp>
+      <p:sp>
+        <p:nvSpPr>
+          <p:cNvPr id="7" name="Oval 6">
+            <a:extLst>
+              <a:ext uri="{FF2B5EF4-FFF2-40B4-BE49-F238E27FC236}">
+                <a16:creationId xmlns:a16="http://schemas.microsoft.com/office/drawing/2014/main" id="{4336CC17-D433-C72C-9A4C-1ECBA9CF9916}"/>
+              </a:ext>
+            </a:extLst>
+          </p:cNvPr>
+          <p:cNvSpPr/>
+          <p:nvPr/>
+        </p:nvSpPr>
+        <p:spPr>
+          <a:xfrm>
+            <a:off x="2836497" y="1689041"/>
+            <a:ext cx="593651" cy="593651"/>
+          </a:xfrm>
+          <a:prstGeom prst="ellipse">
+            <a:avLst/>
+          </a:prstGeom>
+          <a:gradFill flip="none" rotWithShape="1">
+            <a:gsLst>
+              <a:gs pos="0">
+                <a:schemeClr val="accent1">
+                  <a:shade val="30000"/>
+                  <a:satMod val="115000"/>
+                </a:schemeClr>
+              </a:gs>
+              <a:gs pos="50000">
+                <a:schemeClr val="accent1">
+                  <a:shade val="67500"/>
+                  <a:satMod val="115000"/>
+                </a:schemeClr>
+              </a:gs>
+              <a:gs pos="100000">
+                <a:schemeClr val="accent1">
+                  <a:shade val="100000"/>
+                  <a:satMod val="115000"/>
+                </a:schemeClr>
+              </a:gs>
+            </a:gsLst>
+            <a:path path="circle">
+              <a:fillToRect l="50000" t="50000" r="50000" b="50000"/>
+            </a:path>
+            <a:tileRect/>
+          </a:gradFill>
+        </p:spPr>
+        <p:style>
+          <a:lnRef idx="2">
+            <a:schemeClr val="accent1">
+              <a:shade val="50000"/>
+            </a:schemeClr>
+          </a:lnRef>
+          <a:fillRef idx="1">
+            <a:schemeClr val="accent1"/>
+          </a:fillRef>
+          <a:effectRef idx="0">
+            <a:schemeClr val="accent1"/>
+          </a:effectRef>
+          <a:fontRef idx="minor">
+            <a:schemeClr val="lt1"/>
+          </a:fontRef>
+        </p:style>
+        <p:txBody>
+          <a:bodyPr rtlCol="0" anchor="ctr"/>
+          <a:lstStyle/>
+          <a:p>
+            <a:pPr algn="ctr"/>
+            <a:r>
+              <a:rPr lang="en-US" dirty="0"/>
+              <a:t>3</a:t>
+            </a:r>
+          </a:p>
+        </p:txBody>
+      </p:sp>
+      <p:sp>
+        <p:nvSpPr>
+          <p:cNvPr id="8" name="TextBox 7">
+            <a:extLst>
+              <a:ext uri="{FF2B5EF4-FFF2-40B4-BE49-F238E27FC236}">
+                <a16:creationId xmlns:a16="http://schemas.microsoft.com/office/drawing/2014/main" id="{63F6E773-4F19-5F70-4129-20396A27885C}"/>
+              </a:ext>
+            </a:extLst>
+          </p:cNvPr>
+          <p:cNvSpPr txBox="1"/>
+          <p:nvPr/>
+        </p:nvSpPr>
+        <p:spPr>
+          <a:xfrm>
+            <a:off x="3724393" y="1913360"/>
+            <a:ext cx="780983" cy="369332"/>
+          </a:xfrm>
+          <a:prstGeom prst="rect">
+            <a:avLst/>
+          </a:prstGeom>
+          <a:noFill/>
+        </p:spPr>
+        <p:txBody>
+          <a:bodyPr wrap="none" rtlCol="0">
+            <a:spAutoFit/>
+          </a:bodyPr>
+          <a:lstStyle/>
+          <a:p>
+            <a:r>
+              <a:rPr lang="en-US" dirty="0"/>
+              <a:t> .   .   . </a:t>
+            </a:r>
+          </a:p>
+        </p:txBody>
+      </p:sp>
+      <p:sp>
+        <p:nvSpPr>
+          <p:cNvPr id="9" name="Oval 8">
+            <a:extLst>
+              <a:ext uri="{FF2B5EF4-FFF2-40B4-BE49-F238E27FC236}">
+                <a16:creationId xmlns:a16="http://schemas.microsoft.com/office/drawing/2014/main" id="{195C215A-83E7-0195-3F71-207D5854E8A1}"/>
+              </a:ext>
+            </a:extLst>
+          </p:cNvPr>
+          <p:cNvSpPr/>
+          <p:nvPr/>
+        </p:nvSpPr>
+        <p:spPr>
+          <a:xfrm>
+            <a:off x="4827639" y="1692356"/>
+            <a:ext cx="593651" cy="593651"/>
+          </a:xfrm>
+          <a:prstGeom prst="ellipse">
+            <a:avLst/>
+          </a:prstGeom>
+          <a:gradFill flip="none" rotWithShape="1">
+            <a:gsLst>
+              <a:gs pos="0">
+                <a:schemeClr val="accent1">
+                  <a:shade val="30000"/>
+                  <a:satMod val="115000"/>
+                </a:schemeClr>
+              </a:gs>
+              <a:gs pos="50000">
+                <a:schemeClr val="accent1">
+                  <a:shade val="67500"/>
+                  <a:satMod val="115000"/>
+                </a:schemeClr>
+              </a:gs>
+              <a:gs pos="100000">
+                <a:schemeClr val="accent1">
+                  <a:shade val="100000"/>
+                  <a:satMod val="115000"/>
+                </a:schemeClr>
+              </a:gs>
+            </a:gsLst>
+            <a:path path="circle">
+              <a:fillToRect l="50000" t="50000" r="50000" b="50000"/>
+            </a:path>
+            <a:tileRect/>
+          </a:gradFill>
+        </p:spPr>
+        <p:style>
+          <a:lnRef idx="2">
+            <a:schemeClr val="accent1">
+              <a:shade val="50000"/>
+            </a:schemeClr>
+          </a:lnRef>
+          <a:fillRef idx="1">
+            <a:schemeClr val="accent1"/>
+          </a:fillRef>
+          <a:effectRef idx="0">
+            <a:schemeClr val="accent1"/>
+          </a:effectRef>
+          <a:fontRef idx="minor">
+            <a:schemeClr val="lt1"/>
+          </a:fontRef>
+        </p:style>
+        <p:txBody>
+          <a:bodyPr rtlCol="0" anchor="ctr"/>
+          <a:lstStyle/>
+          <a:p>
+            <a:pPr algn="ctr"/>
+            <a:r>
+              <a:rPr lang="en-US" dirty="0"/>
+              <a:t>N</a:t>
+            </a:r>
+          </a:p>
+        </p:txBody>
+      </p:sp>
+    </p:spTree>
+    <p:extLst>
+      <p:ext uri="{BB962C8B-B14F-4D97-AF65-F5344CB8AC3E}">
+        <p14:creationId xmlns:p14="http://schemas.microsoft.com/office/powerpoint/2010/main" val="2938624498"/>
+      </p:ext>
+    </p:extLst>
+  </p:cSld>
+  <p:clrMapOvr>
+    <a:masterClrMapping/>
+  </p:clrMapOvr>
+</p:sld>
+</file>
+
+<file path=ppt/slides/slide20.xml><?xml version="1.0" encoding="utf-8"?>
 <p:sld xmlns:a="http://schemas.openxmlformats.org/drawingml/2006/main" xmlns:r="http://schemas.openxmlformats.org/officeDocument/2006/relationships" xmlns:p="http://schemas.openxmlformats.org/presentationml/2006/main">
   <p:cSld>
     <p:spTree>
@@ -12474,7 +16400,7 @@
 </p:sld>
 </file>
 
-<file path=ppt/slides/slide18.xml><?xml version="1.0" encoding="utf-8"?>
+<file path=ppt/slides/slide21.xml><?xml version="1.0" encoding="utf-8"?>
 <p:sld xmlns:a="http://schemas.openxmlformats.org/drawingml/2006/main" xmlns:r="http://schemas.openxmlformats.org/officeDocument/2006/relationships" xmlns:p="http://schemas.openxmlformats.org/presentationml/2006/main">
   <p:cSld>
     <p:spTree>
@@ -12717,7 +16643,7 @@
 </p:sld>
 </file>
 
-<file path=ppt/slides/slide19.xml><?xml version="1.0" encoding="utf-8"?>
+<file path=ppt/slides/slide22.xml><?xml version="1.0" encoding="utf-8"?>
 <p:sld xmlns:a="http://schemas.openxmlformats.org/drawingml/2006/main" xmlns:r="http://schemas.openxmlformats.org/officeDocument/2006/relationships" xmlns:p="http://schemas.openxmlformats.org/presentationml/2006/main">
   <p:cSld>
     <p:spTree>
@@ -13273,595 +17199,6 @@
     <p:extLst>
       <p:ext uri="{BB962C8B-B14F-4D97-AF65-F5344CB8AC3E}">
         <p14:creationId xmlns:p14="http://schemas.microsoft.com/office/powerpoint/2010/main" val="1969549648"/>
-      </p:ext>
-    </p:extLst>
-  </p:cSld>
-  <p:clrMapOvr>
-    <a:masterClrMapping/>
-  </p:clrMapOvr>
-</p:sld>
-</file>
-
-<file path=ppt/slides/slide2.xml><?xml version="1.0" encoding="utf-8"?>
-<p:sld xmlns:a="http://schemas.openxmlformats.org/drawingml/2006/main" xmlns:r="http://schemas.openxmlformats.org/officeDocument/2006/relationships" xmlns:p="http://schemas.openxmlformats.org/presentationml/2006/main">
-  <p:cSld>
-    <p:spTree>
-      <p:nvGrpSpPr>
-        <p:cNvPr id="1" name=""/>
-        <p:cNvGrpSpPr/>
-        <p:nvPr/>
-      </p:nvGrpSpPr>
-      <p:grpSpPr>
-        <a:xfrm>
-          <a:off x="0" y="0"/>
-          <a:ext cx="0" cy="0"/>
-          <a:chOff x="0" y="0"/>
-          <a:chExt cx="0" cy="0"/>
-        </a:xfrm>
-      </p:grpSpPr>
-      <p:sp>
-        <p:nvSpPr>
-          <p:cNvPr id="13" name="Trapezium 12">
-            <a:extLst>
-              <a:ext uri="{FF2B5EF4-FFF2-40B4-BE49-F238E27FC236}">
-                <a16:creationId xmlns:a16="http://schemas.microsoft.com/office/drawing/2014/main" id="{545A289E-9980-EE4B-DBD4-ED1AB366C590}"/>
-              </a:ext>
-            </a:extLst>
-          </p:cNvPr>
-          <p:cNvSpPr/>
-          <p:nvPr/>
-        </p:nvSpPr>
-        <p:spPr>
-          <a:xfrm>
-            <a:off x="1319740" y="1999120"/>
-            <a:ext cx="1075228" cy="1443134"/>
-          </a:xfrm>
-          <a:prstGeom prst="trapezoid">
-            <a:avLst/>
-          </a:prstGeom>
-          <a:solidFill>
-            <a:schemeClr val="accent2">
-              <a:lumMod val="60000"/>
-              <a:lumOff val="40000"/>
-              <a:alpha val="20000"/>
-            </a:schemeClr>
-          </a:solidFill>
-          <a:ln>
-            <a:noFill/>
-          </a:ln>
-        </p:spPr>
-        <p:style>
-          <a:lnRef idx="2">
-            <a:schemeClr val="accent1">
-              <a:shade val="50000"/>
-            </a:schemeClr>
-          </a:lnRef>
-          <a:fillRef idx="1">
-            <a:schemeClr val="accent1"/>
-          </a:fillRef>
-          <a:effectRef idx="0">
-            <a:schemeClr val="accent1"/>
-          </a:effectRef>
-          <a:fontRef idx="minor">
-            <a:schemeClr val="lt1"/>
-          </a:fontRef>
-        </p:style>
-        <p:txBody>
-          <a:bodyPr rtlCol="0" anchor="ctr"/>
-          <a:lstStyle/>
-          <a:p>
-            <a:pPr algn="ctr"/>
-            <a:endParaRPr lang="en-US"/>
-          </a:p>
-        </p:txBody>
-      </p:sp>
-      <p:sp>
-        <p:nvSpPr>
-          <p:cNvPr id="12" name="Trapezium 11">
-            <a:extLst>
-              <a:ext uri="{FF2B5EF4-FFF2-40B4-BE49-F238E27FC236}">
-                <a16:creationId xmlns:a16="http://schemas.microsoft.com/office/drawing/2014/main" id="{42691D6A-4907-6724-9B5A-A28C68B08F24}"/>
-              </a:ext>
-            </a:extLst>
-          </p:cNvPr>
-          <p:cNvSpPr/>
-          <p:nvPr/>
-        </p:nvSpPr>
-        <p:spPr>
-          <a:xfrm rot="10800000">
-            <a:off x="1311012" y="499429"/>
-            <a:ext cx="1075228" cy="1443134"/>
-          </a:xfrm>
-          <a:prstGeom prst="trapezoid">
-            <a:avLst/>
-          </a:prstGeom>
-          <a:solidFill>
-            <a:schemeClr val="accent2">
-              <a:lumMod val="60000"/>
-              <a:lumOff val="40000"/>
-              <a:alpha val="20000"/>
-            </a:schemeClr>
-          </a:solidFill>
-          <a:ln>
-            <a:noFill/>
-          </a:ln>
-        </p:spPr>
-        <p:style>
-          <a:lnRef idx="2">
-            <a:schemeClr val="accent1">
-              <a:shade val="50000"/>
-            </a:schemeClr>
-          </a:lnRef>
-          <a:fillRef idx="1">
-            <a:schemeClr val="accent1"/>
-          </a:fillRef>
-          <a:effectRef idx="0">
-            <a:schemeClr val="accent1"/>
-          </a:effectRef>
-          <a:fontRef idx="minor">
-            <a:schemeClr val="lt1"/>
-          </a:fontRef>
-        </p:style>
-        <p:txBody>
-          <a:bodyPr rtlCol="0" anchor="ctr"/>
-          <a:lstStyle/>
-          <a:p>
-            <a:pPr algn="ctr"/>
-            <a:endParaRPr lang="en-US"/>
-          </a:p>
-        </p:txBody>
-      </p:sp>
-      <p:sp>
-        <p:nvSpPr>
-          <p:cNvPr id="11" name="Trapezium 10">
-            <a:extLst>
-              <a:ext uri="{FF2B5EF4-FFF2-40B4-BE49-F238E27FC236}">
-                <a16:creationId xmlns:a16="http://schemas.microsoft.com/office/drawing/2014/main" id="{397AA7A2-156E-EA43-643A-4B4CB384D1E1}"/>
-              </a:ext>
-            </a:extLst>
-          </p:cNvPr>
-          <p:cNvSpPr/>
-          <p:nvPr/>
-        </p:nvSpPr>
-        <p:spPr>
-          <a:xfrm rot="10800000">
-            <a:off x="164697" y="496114"/>
-            <a:ext cx="1075228" cy="1443134"/>
-          </a:xfrm>
-          <a:prstGeom prst="trapezoid">
-            <a:avLst/>
-          </a:prstGeom>
-          <a:solidFill>
-            <a:schemeClr val="accent2">
-              <a:lumMod val="60000"/>
-              <a:lumOff val="40000"/>
-              <a:alpha val="20000"/>
-            </a:schemeClr>
-          </a:solidFill>
-          <a:ln>
-            <a:noFill/>
-          </a:ln>
-        </p:spPr>
-        <p:style>
-          <a:lnRef idx="2">
-            <a:schemeClr val="accent1">
-              <a:shade val="50000"/>
-            </a:schemeClr>
-          </a:lnRef>
-          <a:fillRef idx="1">
-            <a:schemeClr val="accent1"/>
-          </a:fillRef>
-          <a:effectRef idx="0">
-            <a:schemeClr val="accent1"/>
-          </a:effectRef>
-          <a:fontRef idx="minor">
-            <a:schemeClr val="lt1"/>
-          </a:fontRef>
-        </p:style>
-        <p:txBody>
-          <a:bodyPr rtlCol="0" anchor="ctr"/>
-          <a:lstStyle/>
-          <a:p>
-            <a:pPr algn="ctr"/>
-            <a:endParaRPr lang="en-US"/>
-          </a:p>
-        </p:txBody>
-      </p:sp>
-      <p:sp>
-        <p:nvSpPr>
-          <p:cNvPr id="10" name="Trapezium 9">
-            <a:extLst>
-              <a:ext uri="{FF2B5EF4-FFF2-40B4-BE49-F238E27FC236}">
-                <a16:creationId xmlns:a16="http://schemas.microsoft.com/office/drawing/2014/main" id="{B74E71A1-EB38-1246-127A-4AD1FD3DBD78}"/>
-              </a:ext>
-            </a:extLst>
-          </p:cNvPr>
-          <p:cNvSpPr/>
-          <p:nvPr/>
-        </p:nvSpPr>
-        <p:spPr>
-          <a:xfrm>
-            <a:off x="183367" y="1985866"/>
-            <a:ext cx="1075228" cy="1443134"/>
-          </a:xfrm>
-          <a:prstGeom prst="trapezoid">
-            <a:avLst/>
-          </a:prstGeom>
-          <a:solidFill>
-            <a:schemeClr val="accent2">
-              <a:lumMod val="60000"/>
-              <a:lumOff val="40000"/>
-              <a:alpha val="20000"/>
-            </a:schemeClr>
-          </a:solidFill>
-          <a:ln>
-            <a:noFill/>
-          </a:ln>
-        </p:spPr>
-        <p:style>
-          <a:lnRef idx="2">
-            <a:schemeClr val="accent1">
-              <a:shade val="50000"/>
-            </a:schemeClr>
-          </a:lnRef>
-          <a:fillRef idx="1">
-            <a:schemeClr val="accent1"/>
-          </a:fillRef>
-          <a:effectRef idx="0">
-            <a:schemeClr val="accent1"/>
-          </a:effectRef>
-          <a:fontRef idx="minor">
-            <a:schemeClr val="lt1"/>
-          </a:fontRef>
-        </p:style>
-        <p:txBody>
-          <a:bodyPr rtlCol="0" anchor="ctr"/>
-          <a:lstStyle/>
-          <a:p>
-            <a:pPr algn="ctr"/>
-            <a:endParaRPr lang="en-US"/>
-          </a:p>
-        </p:txBody>
-      </p:sp>
-      <p:sp>
-        <p:nvSpPr>
-          <p:cNvPr id="4" name="Oval 3">
-            <a:extLst>
-              <a:ext uri="{FF2B5EF4-FFF2-40B4-BE49-F238E27FC236}">
-                <a16:creationId xmlns:a16="http://schemas.microsoft.com/office/drawing/2014/main" id="{9F33C30E-0589-98B2-8A67-90FF2BB21EE9}"/>
-              </a:ext>
-            </a:extLst>
-          </p:cNvPr>
-          <p:cNvSpPr/>
-          <p:nvPr/>
-        </p:nvSpPr>
-        <p:spPr>
-          <a:xfrm>
-            <a:off x="394790" y="1702289"/>
-            <a:ext cx="593651" cy="593651"/>
-          </a:xfrm>
-          <a:prstGeom prst="ellipse">
-            <a:avLst/>
-          </a:prstGeom>
-          <a:gradFill flip="none" rotWithShape="1">
-            <a:gsLst>
-              <a:gs pos="0">
-                <a:schemeClr val="accent1">
-                  <a:shade val="30000"/>
-                  <a:satMod val="115000"/>
-                </a:schemeClr>
-              </a:gs>
-              <a:gs pos="50000">
-                <a:schemeClr val="accent1">
-                  <a:shade val="67500"/>
-                  <a:satMod val="115000"/>
-                </a:schemeClr>
-              </a:gs>
-              <a:gs pos="100000">
-                <a:schemeClr val="accent1">
-                  <a:shade val="100000"/>
-                  <a:satMod val="115000"/>
-                </a:schemeClr>
-              </a:gs>
-            </a:gsLst>
-            <a:path path="circle">
-              <a:fillToRect l="50000" t="50000" r="50000" b="50000"/>
-            </a:path>
-            <a:tileRect/>
-          </a:gradFill>
-        </p:spPr>
-        <p:style>
-          <a:lnRef idx="2">
-            <a:schemeClr val="accent1">
-              <a:shade val="50000"/>
-            </a:schemeClr>
-          </a:lnRef>
-          <a:fillRef idx="1">
-            <a:schemeClr val="accent1"/>
-          </a:fillRef>
-          <a:effectRef idx="0">
-            <a:schemeClr val="accent1"/>
-          </a:effectRef>
-          <a:fontRef idx="minor">
-            <a:schemeClr val="lt1"/>
-          </a:fontRef>
-        </p:style>
-        <p:txBody>
-          <a:bodyPr rtlCol="0" anchor="ctr"/>
-          <a:lstStyle/>
-          <a:p>
-            <a:pPr algn="ctr"/>
-            <a:r>
-              <a:rPr lang="en-US" dirty="0"/>
-              <a:t>1</a:t>
-            </a:r>
-          </a:p>
-        </p:txBody>
-      </p:sp>
-      <p:sp>
-        <p:nvSpPr>
-          <p:cNvPr id="5" name="Oval 4">
-            <a:extLst>
-              <a:ext uri="{FF2B5EF4-FFF2-40B4-BE49-F238E27FC236}">
-                <a16:creationId xmlns:a16="http://schemas.microsoft.com/office/drawing/2014/main" id="{557B2D17-EDF9-4C61-1FE2-B3EC825F73C9}"/>
-              </a:ext>
-            </a:extLst>
-          </p:cNvPr>
-          <p:cNvSpPr/>
-          <p:nvPr/>
-        </p:nvSpPr>
-        <p:spPr>
-          <a:xfrm>
-            <a:off x="1560980" y="1695665"/>
-            <a:ext cx="593651" cy="593651"/>
-          </a:xfrm>
-          <a:prstGeom prst="ellipse">
-            <a:avLst/>
-          </a:prstGeom>
-          <a:gradFill flip="none" rotWithShape="1">
-            <a:gsLst>
-              <a:gs pos="0">
-                <a:schemeClr val="accent1">
-                  <a:shade val="30000"/>
-                  <a:satMod val="115000"/>
-                </a:schemeClr>
-              </a:gs>
-              <a:gs pos="50000">
-                <a:schemeClr val="accent1">
-                  <a:shade val="67500"/>
-                  <a:satMod val="115000"/>
-                </a:schemeClr>
-              </a:gs>
-              <a:gs pos="100000">
-                <a:schemeClr val="accent1">
-                  <a:shade val="100000"/>
-                  <a:satMod val="115000"/>
-                </a:schemeClr>
-              </a:gs>
-            </a:gsLst>
-            <a:path path="circle">
-              <a:fillToRect l="50000" t="50000" r="50000" b="50000"/>
-            </a:path>
-            <a:tileRect/>
-          </a:gradFill>
-        </p:spPr>
-        <p:style>
-          <a:lnRef idx="2">
-            <a:schemeClr val="accent1">
-              <a:shade val="50000"/>
-            </a:schemeClr>
-          </a:lnRef>
-          <a:fillRef idx="1">
-            <a:schemeClr val="accent1"/>
-          </a:fillRef>
-          <a:effectRef idx="0">
-            <a:schemeClr val="accent1"/>
-          </a:effectRef>
-          <a:fontRef idx="minor">
-            <a:schemeClr val="lt1"/>
-          </a:fontRef>
-        </p:style>
-        <p:txBody>
-          <a:bodyPr rtlCol="0" anchor="ctr"/>
-          <a:lstStyle/>
-          <a:p>
-            <a:pPr algn="ctr"/>
-            <a:r>
-              <a:rPr lang="en-US" dirty="0"/>
-              <a:t>2</a:t>
-            </a:r>
-          </a:p>
-        </p:txBody>
-      </p:sp>
-      <p:sp>
-        <p:nvSpPr>
-          <p:cNvPr id="7" name="Oval 6">
-            <a:extLst>
-              <a:ext uri="{FF2B5EF4-FFF2-40B4-BE49-F238E27FC236}">
-                <a16:creationId xmlns:a16="http://schemas.microsoft.com/office/drawing/2014/main" id="{4336CC17-D433-C72C-9A4C-1ECBA9CF9916}"/>
-              </a:ext>
-            </a:extLst>
-          </p:cNvPr>
-          <p:cNvSpPr/>
-          <p:nvPr/>
-        </p:nvSpPr>
-        <p:spPr>
-          <a:xfrm>
-            <a:off x="2836497" y="1689041"/>
-            <a:ext cx="593651" cy="593651"/>
-          </a:xfrm>
-          <a:prstGeom prst="ellipse">
-            <a:avLst/>
-          </a:prstGeom>
-          <a:gradFill flip="none" rotWithShape="1">
-            <a:gsLst>
-              <a:gs pos="0">
-                <a:schemeClr val="accent1">
-                  <a:shade val="30000"/>
-                  <a:satMod val="115000"/>
-                </a:schemeClr>
-              </a:gs>
-              <a:gs pos="50000">
-                <a:schemeClr val="accent1">
-                  <a:shade val="67500"/>
-                  <a:satMod val="115000"/>
-                </a:schemeClr>
-              </a:gs>
-              <a:gs pos="100000">
-                <a:schemeClr val="accent1">
-                  <a:shade val="100000"/>
-                  <a:satMod val="115000"/>
-                </a:schemeClr>
-              </a:gs>
-            </a:gsLst>
-            <a:path path="circle">
-              <a:fillToRect l="50000" t="50000" r="50000" b="50000"/>
-            </a:path>
-            <a:tileRect/>
-          </a:gradFill>
-        </p:spPr>
-        <p:style>
-          <a:lnRef idx="2">
-            <a:schemeClr val="accent1">
-              <a:shade val="50000"/>
-            </a:schemeClr>
-          </a:lnRef>
-          <a:fillRef idx="1">
-            <a:schemeClr val="accent1"/>
-          </a:fillRef>
-          <a:effectRef idx="0">
-            <a:schemeClr val="accent1"/>
-          </a:effectRef>
-          <a:fontRef idx="minor">
-            <a:schemeClr val="lt1"/>
-          </a:fontRef>
-        </p:style>
-        <p:txBody>
-          <a:bodyPr rtlCol="0" anchor="ctr"/>
-          <a:lstStyle/>
-          <a:p>
-            <a:pPr algn="ctr"/>
-            <a:r>
-              <a:rPr lang="en-US" dirty="0"/>
-              <a:t>3</a:t>
-            </a:r>
-          </a:p>
-        </p:txBody>
-      </p:sp>
-      <p:sp>
-        <p:nvSpPr>
-          <p:cNvPr id="8" name="TextBox 7">
-            <a:extLst>
-              <a:ext uri="{FF2B5EF4-FFF2-40B4-BE49-F238E27FC236}">
-                <a16:creationId xmlns:a16="http://schemas.microsoft.com/office/drawing/2014/main" id="{63F6E773-4F19-5F70-4129-20396A27885C}"/>
-              </a:ext>
-            </a:extLst>
-          </p:cNvPr>
-          <p:cNvSpPr txBox="1"/>
-          <p:nvPr/>
-        </p:nvSpPr>
-        <p:spPr>
-          <a:xfrm>
-            <a:off x="3724393" y="1913360"/>
-            <a:ext cx="780983" cy="369332"/>
-          </a:xfrm>
-          <a:prstGeom prst="rect">
-            <a:avLst/>
-          </a:prstGeom>
-          <a:noFill/>
-        </p:spPr>
-        <p:txBody>
-          <a:bodyPr wrap="none" rtlCol="0">
-            <a:spAutoFit/>
-          </a:bodyPr>
-          <a:lstStyle/>
-          <a:p>
-            <a:r>
-              <a:rPr lang="en-US" dirty="0"/>
-              <a:t> .   .   . </a:t>
-            </a:r>
-          </a:p>
-        </p:txBody>
-      </p:sp>
-      <p:sp>
-        <p:nvSpPr>
-          <p:cNvPr id="9" name="Oval 8">
-            <a:extLst>
-              <a:ext uri="{FF2B5EF4-FFF2-40B4-BE49-F238E27FC236}">
-                <a16:creationId xmlns:a16="http://schemas.microsoft.com/office/drawing/2014/main" id="{195C215A-83E7-0195-3F71-207D5854E8A1}"/>
-              </a:ext>
-            </a:extLst>
-          </p:cNvPr>
-          <p:cNvSpPr/>
-          <p:nvPr/>
-        </p:nvSpPr>
-        <p:spPr>
-          <a:xfrm>
-            <a:off x="4827639" y="1692356"/>
-            <a:ext cx="593651" cy="593651"/>
-          </a:xfrm>
-          <a:prstGeom prst="ellipse">
-            <a:avLst/>
-          </a:prstGeom>
-          <a:gradFill flip="none" rotWithShape="1">
-            <a:gsLst>
-              <a:gs pos="0">
-                <a:schemeClr val="accent1">
-                  <a:shade val="30000"/>
-                  <a:satMod val="115000"/>
-                </a:schemeClr>
-              </a:gs>
-              <a:gs pos="50000">
-                <a:schemeClr val="accent1">
-                  <a:shade val="67500"/>
-                  <a:satMod val="115000"/>
-                </a:schemeClr>
-              </a:gs>
-              <a:gs pos="100000">
-                <a:schemeClr val="accent1">
-                  <a:shade val="100000"/>
-                  <a:satMod val="115000"/>
-                </a:schemeClr>
-              </a:gs>
-            </a:gsLst>
-            <a:path path="circle">
-              <a:fillToRect l="50000" t="50000" r="50000" b="50000"/>
-            </a:path>
-            <a:tileRect/>
-          </a:gradFill>
-        </p:spPr>
-        <p:style>
-          <a:lnRef idx="2">
-            <a:schemeClr val="accent1">
-              <a:shade val="50000"/>
-            </a:schemeClr>
-          </a:lnRef>
-          <a:fillRef idx="1">
-            <a:schemeClr val="accent1"/>
-          </a:fillRef>
-          <a:effectRef idx="0">
-            <a:schemeClr val="accent1"/>
-          </a:effectRef>
-          <a:fontRef idx="minor">
-            <a:schemeClr val="lt1"/>
-          </a:fontRef>
-        </p:style>
-        <p:txBody>
-          <a:bodyPr rtlCol="0" anchor="ctr"/>
-          <a:lstStyle/>
-          <a:p>
-            <a:pPr algn="ctr"/>
-            <a:r>
-              <a:rPr lang="en-US" dirty="0"/>
-              <a:t>N</a:t>
-            </a:r>
-          </a:p>
-        </p:txBody>
-      </p:sp>
-    </p:spTree>
-    <p:extLst>
-      <p:ext uri="{BB962C8B-B14F-4D97-AF65-F5344CB8AC3E}">
-        <p14:creationId xmlns:p14="http://schemas.microsoft.com/office/powerpoint/2010/main" val="2938624498"/>
       </p:ext>
     </p:extLst>
   </p:cSld>
